--- a/DPARK_office/Non-Volatile_Momory/hot_data_identification_PaperReview.pptx
+++ b/DPARK_office/Non-Volatile_Momory/hot_data_identification_PaperReview.pptx
@@ -28,6 +28,9 @@
     <p:sldId id="276" r:id="rId23"/>
     <p:sldId id="277" r:id="rId24"/>
     <p:sldId id="278" r:id="rId25"/>
+    <p:sldId id="279" r:id="rId26"/>
+    <p:sldId id="280" r:id="rId27"/>
+    <p:sldId id="281" r:id="rId28"/>
   </p:sldIdLst>
   <p:sldSz cx="10080625" cy="7559675"/>
   <p:notesSz cx="7559675" cy="10691812"/>
@@ -1968,7 +1971,7 @@
           <a:bodyPr lIns="0" rIns="0" tIns="0" bIns="0"/>
           <a:p>
             <a:pPr algn="r"/>
-            <a:fld id="{CB7BFC25-BD99-4218-9E97-E8FA9F410BEC}" type="slidenum">
+            <a:fld id="{072E5A03-8ADA-4674-A3D6-C6743D35E17C}" type="slidenum">
               <a:rPr b="0" lang="en-US" sz="1400" spc="-1" strike="noStrike">
                 <a:solidFill>
                   <a:srgbClr val="000000"/>
@@ -8195,8 +8198,8 @@
         </p:nvSpPr>
         <p:spPr>
           <a:xfrm>
-            <a:off x="432000" y="1457280"/>
-            <a:ext cx="9097200" cy="3558600"/>
+            <a:off x="182880" y="1241280"/>
+            <a:ext cx="9692640" cy="5896080"/>
           </a:xfrm>
           <a:prstGeom prst="rect">
             <a:avLst/>
@@ -8821,6 +8824,36 @@
               </a:rPr>
               <a:t>. </a:t>
             </a:r>
+            <a:r>
+              <a:rPr b="0" lang="en-US" sz="1600" spc="-1" strike="noStrike">
+                <a:solidFill>
+                  <a:srgbClr val="000000"/>
+                </a:solidFill>
+                <a:uFill>
+                  <a:solidFill>
+                    <a:srgbClr val="ffffff"/>
+                  </a:solidFill>
+                </a:uFill>
+                <a:latin typeface="Arial"/>
+                <a:ea typeface="Noto Sans CJK SC Regular"/>
+              </a:rPr>
+              <a:t>실제 상황에 가까운 데이터를 선정하고자 노력했다</a:t>
+            </a:r>
+            <a:r>
+              <a:rPr b="0" lang="en-US" sz="1600" spc="-1" strike="noStrike">
+                <a:solidFill>
+                  <a:srgbClr val="000000"/>
+                </a:solidFill>
+                <a:uFill>
+                  <a:solidFill>
+                    <a:srgbClr val="ffffff"/>
+                  </a:solidFill>
+                </a:uFill>
+                <a:latin typeface="Arial"/>
+                <a:ea typeface="Noto Sans CJK SC Regular"/>
+              </a:rPr>
+              <a:t>.</a:t>
+            </a:r>
             <a:endParaRPr b="0" lang="en-US" sz="1800" spc="-1" strike="noStrike">
               <a:solidFill>
                 <a:srgbClr val="000000"/>
@@ -8834,80 +8867,488 @@
             </a:endParaRPr>
           </a:p>
           <a:p>
-            <a:r>
-              <a:rPr b="0" lang="en-US" sz="1600" spc="-1" strike="noStrike">
-                <a:solidFill>
-                  <a:srgbClr val="000000"/>
-                </a:solidFill>
-                <a:uFill>
-                  <a:solidFill>
-                    <a:srgbClr val="ffffff"/>
-                  </a:solidFill>
-                </a:uFill>
-                <a:latin typeface="Arial"/>
-                <a:ea typeface="Noto Sans CJK SC Regular"/>
-              </a:rPr>
-              <a:t>Financial1, MSR, Distilled, RealSSD </a:t>
-            </a:r>
-            <a:r>
-              <a:rPr b="0" lang="en-US" sz="1600" spc="-1" strike="noStrike">
-                <a:solidFill>
-                  <a:srgbClr val="000000"/>
-                </a:solidFill>
-                <a:uFill>
-                  <a:solidFill>
-                    <a:srgbClr val="ffffff"/>
-                  </a:solidFill>
-                </a:uFill>
-                <a:latin typeface="Arial"/>
-                <a:ea typeface="Noto Sans CJK SC Regular"/>
-              </a:rPr>
-              <a:t>의 데이터를 사용하면서 </a:t>
-            </a:r>
-            <a:r>
-              <a:rPr b="0" lang="en-US" sz="1600" spc="-1" strike="noStrike">
-                <a:solidFill>
-                  <a:srgbClr val="000000"/>
-                </a:solidFill>
-                <a:uFill>
-                  <a:solidFill>
-                    <a:srgbClr val="ffffff"/>
-                  </a:solidFill>
-                </a:uFill>
-                <a:latin typeface="Arial"/>
-                <a:ea typeface="Noto Sans CJK SC Regular"/>
-              </a:rPr>
-              <a:t>WR </a:t>
-            </a:r>
-            <a:r>
-              <a:rPr b="0" lang="en-US" sz="1600" spc="-1" strike="noStrike">
-                <a:solidFill>
-                  <a:srgbClr val="000000"/>
-                </a:solidFill>
-                <a:uFill>
-                  <a:solidFill>
-                    <a:srgbClr val="ffffff"/>
-                  </a:solidFill>
-                </a:uFill>
-                <a:latin typeface="Arial"/>
-                <a:ea typeface="Noto Sans CJK SC Regular"/>
-              </a:rPr>
-              <a:t>요청의 경우를 집중적으로 분석했다</a:t>
-            </a:r>
-            <a:r>
-              <a:rPr b="0" lang="en-US" sz="1600" spc="-1" strike="noStrike">
-                <a:solidFill>
-                  <a:srgbClr val="000000"/>
-                </a:solidFill>
-                <a:uFill>
-                  <a:solidFill>
-                    <a:srgbClr val="ffffff"/>
-                  </a:solidFill>
-                </a:uFill>
-                <a:latin typeface="Arial"/>
-                <a:ea typeface="Noto Sans CJK SC Regular"/>
-              </a:rPr>
-              <a:t>. </a:t>
+            <a:endParaRPr b="0" lang="en-US" sz="1800" spc="-1" strike="noStrike">
+              <a:solidFill>
+                <a:srgbClr val="000000"/>
+              </a:solidFill>
+              <a:uFill>
+                <a:solidFill>
+                  <a:srgbClr val="ffffff"/>
+                </a:solidFill>
+              </a:uFill>
+              <a:latin typeface="Arial"/>
+            </a:endParaRPr>
+          </a:p>
+          <a:p>
+            <a:r>
+              <a:rPr b="0" lang="en-US" sz="1600" spc="-1" strike="noStrike">
+                <a:solidFill>
+                  <a:srgbClr val="000000"/>
+                </a:solidFill>
+                <a:uFill>
+                  <a:solidFill>
+                    <a:srgbClr val="ffffff"/>
+                  </a:solidFill>
+                </a:uFill>
+                <a:latin typeface="Arial"/>
+                <a:ea typeface="Noto Sans CJK SC Regular"/>
+              </a:rPr>
+              <a:t>Finanacial1 : R (22%), W (78%), OLTP </a:t>
+            </a:r>
+            <a:r>
+              <a:rPr b="0" lang="en-US" sz="1600" spc="-1" strike="noStrike">
+                <a:solidFill>
+                  <a:srgbClr val="000000"/>
+                </a:solidFill>
+                <a:uFill>
+                  <a:solidFill>
+                    <a:srgbClr val="ffffff"/>
+                  </a:solidFill>
+                </a:uFill>
+                <a:latin typeface="Arial"/>
+                <a:ea typeface="Noto Sans CJK SC Regular"/>
+              </a:rPr>
+              <a:t>애플리케이션을 실행하고 있는 금융기관 시스템에서 발생한 데이터</a:t>
+            </a:r>
+            <a:endParaRPr b="0" lang="en-US" sz="1800" spc="-1" strike="noStrike">
+              <a:solidFill>
+                <a:srgbClr val="000000"/>
+              </a:solidFill>
+              <a:uFill>
+                <a:solidFill>
+                  <a:srgbClr val="ffffff"/>
+                </a:solidFill>
+              </a:uFill>
+              <a:latin typeface="Arial"/>
+            </a:endParaRPr>
+          </a:p>
+          <a:p>
+            <a:r>
+              <a:rPr b="0" lang="en-US" sz="1600" spc="-1" strike="noStrike">
+                <a:solidFill>
+                  <a:srgbClr val="000000"/>
+                </a:solidFill>
+                <a:uFill>
+                  <a:solidFill>
+                    <a:srgbClr val="ffffff"/>
+                  </a:solidFill>
+                </a:uFill>
+                <a:latin typeface="Arial"/>
+                <a:ea typeface="Noto Sans CJK SC Regular"/>
+              </a:rPr>
+              <a:t>MSR : R (4.5%), W (95.5%), </a:t>
+            </a:r>
+            <a:r>
+              <a:rPr b="0" lang="en-US" sz="1600" spc="-1" strike="noStrike">
+                <a:solidFill>
+                  <a:srgbClr val="000000"/>
+                </a:solidFill>
+                <a:uFill>
+                  <a:solidFill>
+                    <a:srgbClr val="ffffff"/>
+                  </a:solidFill>
+                </a:uFill>
+                <a:latin typeface="Arial"/>
+                <a:ea typeface="Noto Sans CJK SC Regular"/>
+              </a:rPr>
+              <a:t>마이크로소프트 연구소의 서버 컴퓨터에 들어온 블록 </a:t>
+            </a:r>
+            <a:r>
+              <a:rPr b="0" lang="en-US" sz="1600" spc="-1" strike="noStrike">
+                <a:solidFill>
+                  <a:srgbClr val="000000"/>
+                </a:solidFill>
+                <a:uFill>
+                  <a:solidFill>
+                    <a:srgbClr val="ffffff"/>
+                  </a:solidFill>
+                </a:uFill>
+                <a:latin typeface="Arial"/>
+                <a:ea typeface="Noto Sans CJK SC Regular"/>
+              </a:rPr>
+              <a:t>I/O </a:t>
+            </a:r>
+            <a:r>
+              <a:rPr b="0" lang="en-US" sz="1600" spc="-1" strike="noStrike">
+                <a:solidFill>
+                  <a:srgbClr val="000000"/>
+                </a:solidFill>
+                <a:uFill>
+                  <a:solidFill>
+                    <a:srgbClr val="ffffff"/>
+                  </a:solidFill>
+                </a:uFill>
+                <a:latin typeface="Arial"/>
+                <a:ea typeface="Noto Sans CJK SC Regular"/>
+              </a:rPr>
+              <a:t>요청 데이터</a:t>
+            </a:r>
+            <a:endParaRPr b="0" lang="en-US" sz="1800" spc="-1" strike="noStrike">
+              <a:solidFill>
+                <a:srgbClr val="000000"/>
+              </a:solidFill>
+              <a:uFill>
+                <a:solidFill>
+                  <a:srgbClr val="ffffff"/>
+                </a:solidFill>
+              </a:uFill>
+              <a:latin typeface="Arial"/>
+            </a:endParaRPr>
+          </a:p>
+          <a:p>
+            <a:r>
+              <a:rPr b="0" lang="en-US" sz="1600" spc="-1" strike="noStrike">
+                <a:solidFill>
+                  <a:srgbClr val="000000"/>
+                </a:solidFill>
+                <a:uFill>
+                  <a:solidFill>
+                    <a:srgbClr val="ffffff"/>
+                  </a:solidFill>
+                </a:uFill>
+                <a:latin typeface="Arial"/>
+                <a:ea typeface="Noto Sans CJK SC Regular"/>
+              </a:rPr>
+              <a:t>Distilled : R (52%), W (48%), </a:t>
+            </a:r>
+            <a:r>
+              <a:rPr b="0" lang="en-US" sz="1600" spc="-1" strike="noStrike">
+                <a:solidFill>
+                  <a:srgbClr val="000000"/>
+                </a:solidFill>
+                <a:uFill>
+                  <a:solidFill>
+                    <a:srgbClr val="ffffff"/>
+                  </a:solidFill>
+                </a:uFill>
+                <a:latin typeface="Arial"/>
+                <a:ea typeface="Noto Sans CJK SC Regular"/>
+              </a:rPr>
+              <a:t>실제 노트북에서 웹서핑하고 영화보고 게임하고 문서작업하는 사용자 패턴</a:t>
+            </a:r>
+            <a:endParaRPr b="0" lang="en-US" sz="1800" spc="-1" strike="noStrike">
+              <a:solidFill>
+                <a:srgbClr val="000000"/>
+              </a:solidFill>
+              <a:uFill>
+                <a:solidFill>
+                  <a:srgbClr val="ffffff"/>
+                </a:solidFill>
+              </a:uFill>
+              <a:latin typeface="Arial"/>
+            </a:endParaRPr>
+          </a:p>
+          <a:p>
+            <a:r>
+              <a:rPr b="0" lang="en-US" sz="1600" spc="-1" strike="noStrike">
+                <a:solidFill>
+                  <a:srgbClr val="000000"/>
+                </a:solidFill>
+                <a:uFill>
+                  <a:solidFill>
+                    <a:srgbClr val="ffffff"/>
+                  </a:solidFill>
+                </a:uFill>
+                <a:latin typeface="Arial"/>
+                <a:ea typeface="Noto Sans CJK SC Regular"/>
+              </a:rPr>
+              <a:t>RealSSD : R (51%), W (49%), </a:t>
+            </a:r>
+            <a:r>
+              <a:rPr b="0" lang="en-US" sz="1600" spc="-1" strike="noStrike">
+                <a:solidFill>
+                  <a:srgbClr val="000000"/>
+                </a:solidFill>
+                <a:uFill>
+                  <a:solidFill>
+                    <a:srgbClr val="ffffff"/>
+                  </a:solidFill>
+                </a:uFill>
+                <a:latin typeface="Arial"/>
+                <a:ea typeface="Noto Sans CJK SC Regular"/>
+              </a:rPr>
+              <a:t>저자들이 가지고 있는 </a:t>
+            </a:r>
+            <a:r>
+              <a:rPr b="0" lang="en-US" sz="1600" spc="-1" strike="noStrike">
+                <a:solidFill>
+                  <a:srgbClr val="000000"/>
+                </a:solidFill>
+                <a:uFill>
+                  <a:solidFill>
+                    <a:srgbClr val="ffffff"/>
+                  </a:solidFill>
+                </a:uFill>
+                <a:latin typeface="Arial"/>
+                <a:ea typeface="Noto Sans CJK SC Regular"/>
+              </a:rPr>
+              <a:t>SSD </a:t>
+            </a:r>
+            <a:r>
+              <a:rPr b="0" lang="en-US" sz="1600" spc="-1" strike="noStrike">
+                <a:solidFill>
+                  <a:srgbClr val="000000"/>
+                </a:solidFill>
+                <a:uFill>
+                  <a:solidFill>
+                    <a:srgbClr val="ffffff"/>
+                  </a:solidFill>
+                </a:uFill>
+                <a:latin typeface="Arial"/>
+                <a:ea typeface="Noto Sans CJK SC Regular"/>
+              </a:rPr>
+              <a:t>에서 한 달 동안 발생한 블록 </a:t>
+            </a:r>
+            <a:r>
+              <a:rPr b="0" lang="en-US" sz="1600" spc="-1" strike="noStrike">
+                <a:solidFill>
+                  <a:srgbClr val="000000"/>
+                </a:solidFill>
+                <a:uFill>
+                  <a:solidFill>
+                    <a:srgbClr val="ffffff"/>
+                  </a:solidFill>
+                </a:uFill>
+                <a:latin typeface="Arial"/>
+                <a:ea typeface="Noto Sans CJK SC Regular"/>
+              </a:rPr>
+              <a:t>I/O </a:t>
+            </a:r>
+            <a:r>
+              <a:rPr b="0" lang="en-US" sz="1600" spc="-1" strike="noStrike">
+                <a:solidFill>
+                  <a:srgbClr val="000000"/>
+                </a:solidFill>
+                <a:uFill>
+                  <a:solidFill>
+                    <a:srgbClr val="ffffff"/>
+                  </a:solidFill>
+                </a:uFill>
+                <a:latin typeface="Arial"/>
+                <a:ea typeface="Noto Sans CJK SC Regular"/>
+              </a:rPr>
+              <a:t>요청 데이터</a:t>
+            </a:r>
+            <a:endParaRPr b="0" lang="en-US" sz="1800" spc="-1" strike="noStrike">
+              <a:solidFill>
+                <a:srgbClr val="000000"/>
+              </a:solidFill>
+              <a:uFill>
+                <a:solidFill>
+                  <a:srgbClr val="ffffff"/>
+                </a:solidFill>
+              </a:uFill>
+              <a:latin typeface="Arial"/>
+            </a:endParaRPr>
+          </a:p>
+          <a:p>
+            <a:endParaRPr b="0" lang="en-US" sz="1800" spc="-1" strike="noStrike">
+              <a:solidFill>
+                <a:srgbClr val="000000"/>
+              </a:solidFill>
+              <a:uFill>
+                <a:solidFill>
+                  <a:srgbClr val="ffffff"/>
+                </a:solidFill>
+              </a:uFill>
+              <a:latin typeface="Arial"/>
+            </a:endParaRPr>
+          </a:p>
+          <a:p>
+            <a:r>
+              <a:rPr b="0" lang="en-US" sz="1600" spc="-1" strike="noStrike">
+                <a:solidFill>
+                  <a:srgbClr val="000000"/>
+                </a:solidFill>
+                <a:uFill>
+                  <a:solidFill>
+                    <a:srgbClr val="ffffff"/>
+                  </a:solidFill>
+                </a:uFill>
+                <a:latin typeface="Arial"/>
+                <a:ea typeface="Noto Sans CJK SC Regular"/>
+              </a:rPr>
+              <a:t>RD/WR </a:t>
+            </a:r>
+            <a:r>
+              <a:rPr b="0" lang="en-US" sz="1600" spc="-1" strike="noStrike">
+                <a:solidFill>
+                  <a:srgbClr val="000000"/>
+                </a:solidFill>
+                <a:uFill>
+                  <a:solidFill>
+                    <a:srgbClr val="ffffff"/>
+                  </a:solidFill>
+                </a:uFill>
+                <a:latin typeface="Arial"/>
+                <a:ea typeface="Noto Sans CJK SC Regular"/>
+              </a:rPr>
+              <a:t>요청 개수는 </a:t>
+            </a:r>
+            <a:r>
+              <a:rPr b="0" lang="en-US" sz="1600" spc="-1" strike="noStrike">
+                <a:solidFill>
+                  <a:srgbClr val="000000"/>
+                </a:solidFill>
+                <a:uFill>
+                  <a:solidFill>
+                    <a:srgbClr val="ffffff"/>
+                  </a:solidFill>
+                </a:uFill>
+                <a:latin typeface="Arial"/>
+                <a:ea typeface="Noto Sans CJK SC Regular"/>
+              </a:rPr>
+              <a:t>LBA </a:t>
+            </a:r>
+            <a:r>
+              <a:rPr b="0" lang="en-US" sz="1600" spc="-1" strike="noStrike">
+                <a:solidFill>
+                  <a:srgbClr val="000000"/>
+                </a:solidFill>
+                <a:uFill>
+                  <a:solidFill>
+                    <a:srgbClr val="ffffff"/>
+                  </a:solidFill>
+                </a:uFill>
+                <a:latin typeface="Arial"/>
+                <a:ea typeface="Noto Sans CJK SC Regular"/>
+              </a:rPr>
+              <a:t>당 카운트 하나로 친다</a:t>
+            </a:r>
+            <a:r>
+              <a:rPr b="0" lang="en-US" sz="1600" spc="-1" strike="noStrike">
+                <a:solidFill>
+                  <a:srgbClr val="000000"/>
+                </a:solidFill>
+                <a:uFill>
+                  <a:solidFill>
+                    <a:srgbClr val="ffffff"/>
+                  </a:solidFill>
+                </a:uFill>
+                <a:latin typeface="Arial"/>
+                <a:ea typeface="Noto Sans CJK SC Regular"/>
+              </a:rPr>
+              <a:t>. LBA 100</a:t>
+            </a:r>
+            <a:r>
+              <a:rPr b="0" lang="en-US" sz="1600" spc="-1" strike="noStrike">
+                <a:solidFill>
+                  <a:srgbClr val="000000"/>
+                </a:solidFill>
+                <a:uFill>
+                  <a:solidFill>
+                    <a:srgbClr val="ffffff"/>
+                  </a:solidFill>
+                </a:uFill>
+                <a:latin typeface="Arial"/>
+                <a:ea typeface="Noto Sans CJK SC Regular"/>
+              </a:rPr>
+              <a:t>부터 </a:t>
+            </a:r>
+            <a:r>
+              <a:rPr b="0" lang="en-US" sz="1600" spc="-1" strike="noStrike">
+                <a:solidFill>
+                  <a:srgbClr val="000000"/>
+                </a:solidFill>
+                <a:uFill>
+                  <a:solidFill>
+                    <a:srgbClr val="ffffff"/>
+                  </a:solidFill>
+                </a:uFill>
+                <a:latin typeface="Arial"/>
+                <a:ea typeface="Noto Sans CJK SC Regular"/>
+              </a:rPr>
+              <a:t>104</a:t>
+            </a:r>
+            <a:r>
+              <a:rPr b="0" lang="en-US" sz="1600" spc="-1" strike="noStrike">
+                <a:solidFill>
+                  <a:srgbClr val="000000"/>
+                </a:solidFill>
+                <a:uFill>
+                  <a:solidFill>
+                    <a:srgbClr val="ffffff"/>
+                  </a:solidFill>
+                </a:uFill>
+                <a:latin typeface="Arial"/>
+                <a:ea typeface="Noto Sans CJK SC Regular"/>
+              </a:rPr>
+              <a:t>까지 쓰기 요청이 들어오면 </a:t>
+            </a:r>
+            <a:r>
+              <a:rPr b="0" lang="en-US" sz="1600" spc="-1" strike="noStrike">
+                <a:solidFill>
+                  <a:srgbClr val="000000"/>
+                </a:solidFill>
+                <a:uFill>
+                  <a:solidFill>
+                    <a:srgbClr val="ffffff"/>
+                  </a:solidFill>
+                </a:uFill>
+                <a:latin typeface="Arial"/>
+                <a:ea typeface="Noto Sans CJK SC Regular"/>
+              </a:rPr>
+              <a:t>I/O Request </a:t>
+            </a:r>
+            <a:r>
+              <a:rPr b="0" lang="en-US" sz="1600" spc="-1" strike="noStrike">
+                <a:solidFill>
+                  <a:srgbClr val="000000"/>
+                </a:solidFill>
+                <a:uFill>
+                  <a:solidFill>
+                    <a:srgbClr val="ffffff"/>
+                  </a:solidFill>
+                </a:uFill>
+                <a:latin typeface="Arial"/>
+                <a:ea typeface="Noto Sans CJK SC Regular"/>
+              </a:rPr>
+              <a:t>카운트는 </a:t>
+            </a:r>
+            <a:r>
+              <a:rPr b="0" lang="en-US" sz="1600" spc="-1" strike="noStrike">
+                <a:solidFill>
+                  <a:srgbClr val="000000"/>
+                </a:solidFill>
+                <a:uFill>
+                  <a:solidFill>
+                    <a:srgbClr val="ffffff"/>
+                  </a:solidFill>
+                </a:uFill>
+                <a:latin typeface="Arial"/>
+                <a:ea typeface="Noto Sans CJK SC Regular"/>
+              </a:rPr>
+              <a:t>5</a:t>
+            </a:r>
+            <a:r>
+              <a:rPr b="0" lang="en-US" sz="1600" spc="-1" strike="noStrike">
+                <a:solidFill>
+                  <a:srgbClr val="000000"/>
+                </a:solidFill>
+                <a:uFill>
+                  <a:solidFill>
+                    <a:srgbClr val="ffffff"/>
+                  </a:solidFill>
+                </a:uFill>
+                <a:latin typeface="Arial"/>
+                <a:ea typeface="Noto Sans CJK SC Regular"/>
+              </a:rPr>
+              <a:t>가 된다</a:t>
+            </a:r>
+            <a:r>
+              <a:rPr b="0" lang="en-US" sz="1600" spc="-1" strike="noStrike">
+                <a:solidFill>
+                  <a:srgbClr val="000000"/>
+                </a:solidFill>
+                <a:uFill>
+                  <a:solidFill>
+                    <a:srgbClr val="ffffff"/>
+                  </a:solidFill>
+                </a:uFill>
+                <a:latin typeface="Arial"/>
+                <a:ea typeface="Noto Sans CJK SC Regular"/>
+              </a:rPr>
+              <a:t>.</a:t>
             </a:r>
             <a:endParaRPr b="0" lang="en-US" sz="1800" spc="-1" strike="noStrike">
               <a:solidFill>
@@ -9032,7 +9473,7 @@
         <p:spPr>
           <a:xfrm>
             <a:off x="432000" y="1457280"/>
-            <a:ext cx="9097200" cy="1900440"/>
+            <a:ext cx="9097200" cy="2427840"/>
           </a:xfrm>
           <a:prstGeom prst="rect">
             <a:avLst/>
@@ -9046,274 +9487,107 @@
           <a:bodyPr lIns="90000" rIns="90000" tIns="45000" bIns="45000"/>
           <a:p>
             <a:r>
-              <a:rPr b="1" lang="en-US" sz="1600" spc="-1" strike="noStrike">
-                <a:solidFill>
-                  <a:srgbClr val="000000"/>
-                </a:solidFill>
-                <a:uFill>
-                  <a:solidFill>
-                    <a:srgbClr val="ffffff"/>
-                  </a:solidFill>
-                </a:uFill>
-                <a:latin typeface="Arial"/>
-                <a:ea typeface="Noto Sans CJK SC Regular"/>
-              </a:rPr>
-              <a:t>Hot Ratio Rate </a:t>
-            </a:r>
-            <a:r>
-              <a:rPr b="0" lang="en-US" sz="1600" spc="-1" strike="noStrike">
-                <a:solidFill>
-                  <a:srgbClr val="000000"/>
-                </a:solidFill>
-                <a:uFill>
-                  <a:solidFill>
-                    <a:srgbClr val="ffffff"/>
-                  </a:solidFill>
-                </a:uFill>
-                <a:latin typeface="Arial"/>
-                <a:ea typeface="Noto Sans CJK SC Regular"/>
-              </a:rPr>
-              <a:t>관점에서는 </a:t>
-            </a:r>
-            <a:r>
-              <a:rPr b="0" lang="en-US" sz="1600" spc="-1" strike="noStrike">
-                <a:solidFill>
-                  <a:srgbClr val="000000"/>
-                </a:solidFill>
-                <a:uFill>
-                  <a:solidFill>
-                    <a:srgbClr val="ffffff"/>
-                  </a:solidFill>
-                </a:uFill>
-                <a:latin typeface="Arial"/>
-                <a:ea typeface="Noto Sans CJK SC Regular"/>
-              </a:rPr>
-              <a:t>Financial1, Distilled, RealSSD </a:t>
-            </a:r>
-            <a:r>
-              <a:rPr b="0" lang="en-US" sz="1600" spc="-1" strike="noStrike">
-                <a:solidFill>
-                  <a:srgbClr val="000000"/>
-                </a:solidFill>
-                <a:uFill>
-                  <a:solidFill>
-                    <a:srgbClr val="ffffff"/>
-                  </a:solidFill>
-                </a:uFill>
-                <a:latin typeface="Arial"/>
-                <a:ea typeface="Noto Sans CJK SC Regular"/>
-              </a:rPr>
-              <a:t>세 영역에서 모두 새로운 방식 </a:t>
-            </a:r>
-            <a:r>
-              <a:rPr b="0" lang="en-US" sz="1600" spc="-1" strike="noStrike">
-                <a:solidFill>
-                  <a:srgbClr val="000000"/>
-                </a:solidFill>
-                <a:uFill>
-                  <a:solidFill>
-                    <a:srgbClr val="ffffff"/>
-                  </a:solidFill>
-                </a:uFill>
-                <a:latin typeface="Arial"/>
-                <a:ea typeface="Noto Sans CJK SC Regular"/>
-              </a:rPr>
-              <a:t>(WDAC)</a:t>
-            </a:r>
-            <a:r>
-              <a:rPr b="0" lang="en-US" sz="1600" spc="-1" strike="noStrike">
-                <a:solidFill>
-                  <a:srgbClr val="000000"/>
-                </a:solidFill>
-                <a:uFill>
-                  <a:solidFill>
-                    <a:srgbClr val="ffffff"/>
-                  </a:solidFill>
-                </a:uFill>
-                <a:latin typeface="Arial"/>
-                <a:ea typeface="Noto Sans CJK SC Regular"/>
-              </a:rPr>
-              <a:t>이 약간 더 우수한 것으로 드러났다</a:t>
-            </a:r>
-            <a:r>
-              <a:rPr b="0" lang="en-US" sz="1600" spc="-1" strike="noStrike">
-                <a:solidFill>
-                  <a:srgbClr val="000000"/>
-                </a:solidFill>
-                <a:uFill>
-                  <a:solidFill>
-                    <a:srgbClr val="ffffff"/>
-                  </a:solidFill>
-                </a:uFill>
-                <a:latin typeface="Arial"/>
-                <a:ea typeface="Noto Sans CJK SC Regular"/>
-              </a:rPr>
-              <a:t>. (figure 8) </a:t>
-            </a:r>
-            <a:r>
-              <a:rPr b="0" lang="en-US" sz="1600" spc="-1" strike="noStrike">
-                <a:solidFill>
-                  <a:srgbClr val="000000"/>
-                </a:solidFill>
-                <a:uFill>
-                  <a:solidFill>
-                    <a:srgbClr val="ffffff"/>
-                  </a:solidFill>
-                </a:uFill>
-                <a:latin typeface="Arial"/>
-                <a:ea typeface="Noto Sans CJK SC Regular"/>
-              </a:rPr>
-              <a:t>설령 비슷한 수준의 </a:t>
-            </a:r>
-            <a:r>
-              <a:rPr b="0" lang="en-US" sz="1600" spc="-1" strike="noStrike">
-                <a:solidFill>
-                  <a:srgbClr val="000000"/>
-                </a:solidFill>
-                <a:uFill>
-                  <a:solidFill>
-                    <a:srgbClr val="ffffff"/>
-                  </a:solidFill>
-                </a:uFill>
-                <a:latin typeface="Arial"/>
-                <a:ea typeface="Noto Sans CJK SC Regular"/>
-              </a:rPr>
-              <a:t>hot ratio rate</a:t>
-            </a:r>
-            <a:r>
-              <a:rPr b="0" lang="en-US" sz="1600" spc="-1" strike="noStrike">
-                <a:solidFill>
-                  <a:srgbClr val="000000"/>
-                </a:solidFill>
-                <a:uFill>
-                  <a:solidFill>
-                    <a:srgbClr val="ffffff"/>
-                  </a:solidFill>
-                </a:uFill>
-                <a:latin typeface="Arial"/>
-                <a:ea typeface="Noto Sans CJK SC Regular"/>
-              </a:rPr>
-              <a:t>를 보이는 경우라도 </a:t>
-            </a:r>
-            <a:r>
-              <a:rPr b="0" lang="en-US" sz="1600" spc="-1" strike="noStrike">
-                <a:solidFill>
-                  <a:srgbClr val="000000"/>
-                </a:solidFill>
-                <a:uFill>
-                  <a:solidFill>
-                    <a:srgbClr val="ffffff"/>
-                  </a:solidFill>
-                </a:uFill>
-                <a:latin typeface="Arial"/>
-                <a:ea typeface="Noto Sans CJK SC Regular"/>
-              </a:rPr>
-              <a:t>DAM</a:t>
-            </a:r>
-            <a:r>
-              <a:rPr b="0" lang="en-US" sz="1600" spc="-1" strike="noStrike">
-                <a:solidFill>
-                  <a:srgbClr val="000000"/>
-                </a:solidFill>
-                <a:uFill>
-                  <a:solidFill>
-                    <a:srgbClr val="ffffff"/>
-                  </a:solidFill>
-                </a:uFill>
-                <a:latin typeface="Arial"/>
-                <a:ea typeface="Noto Sans CJK SC Regular"/>
-              </a:rPr>
-              <a:t>과 </a:t>
-            </a:r>
-            <a:r>
-              <a:rPr b="0" lang="en-US" sz="1600" spc="-1" strike="noStrike">
-                <a:solidFill>
-                  <a:srgbClr val="000000"/>
-                </a:solidFill>
-                <a:uFill>
-                  <a:solidFill>
-                    <a:srgbClr val="ffffff"/>
-                  </a:solidFill>
-                </a:uFill>
-                <a:latin typeface="Arial"/>
-                <a:ea typeface="Noto Sans CJK SC Regular"/>
-              </a:rPr>
-              <a:t>WDAC </a:t>
-            </a:r>
-            <a:r>
-              <a:rPr b="0" lang="en-US" sz="1600" spc="-1" strike="noStrike">
-                <a:solidFill>
-                  <a:srgbClr val="000000"/>
-                </a:solidFill>
-                <a:uFill>
-                  <a:solidFill>
-                    <a:srgbClr val="ffffff"/>
-                  </a:solidFill>
-                </a:uFill>
-                <a:latin typeface="Arial"/>
-                <a:ea typeface="Noto Sans CJK SC Regular"/>
-              </a:rPr>
-              <a:t>사이에 무엇을 </a:t>
-            </a:r>
-            <a:r>
-              <a:rPr b="0" lang="en-US" sz="1600" spc="-1" strike="noStrike">
-                <a:solidFill>
-                  <a:srgbClr val="000000"/>
-                </a:solidFill>
-                <a:uFill>
-                  <a:solidFill>
-                    <a:srgbClr val="ffffff"/>
-                  </a:solidFill>
-                </a:uFill>
-                <a:latin typeface="Arial"/>
-                <a:ea typeface="Noto Sans CJK SC Regular"/>
-              </a:rPr>
-              <a:t>hot data</a:t>
-            </a:r>
-            <a:r>
-              <a:rPr b="0" lang="en-US" sz="1600" spc="-1" strike="noStrike">
-                <a:solidFill>
-                  <a:srgbClr val="000000"/>
-                </a:solidFill>
-                <a:uFill>
-                  <a:solidFill>
-                    <a:srgbClr val="ffffff"/>
-                  </a:solidFill>
-                </a:uFill>
-                <a:latin typeface="Arial"/>
-                <a:ea typeface="Noto Sans CJK SC Regular"/>
-              </a:rPr>
-              <a:t>로 선정했는지는 차이가 있었다</a:t>
-            </a:r>
-            <a:r>
-              <a:rPr b="0" lang="en-US" sz="1600" spc="-1" strike="noStrike">
-                <a:solidFill>
-                  <a:srgbClr val="000000"/>
-                </a:solidFill>
-                <a:uFill>
-                  <a:solidFill>
-                    <a:srgbClr val="ffffff"/>
-                  </a:solidFill>
-                </a:uFill>
-                <a:latin typeface="Arial"/>
-                <a:ea typeface="Noto Sans CJK SC Regular"/>
-              </a:rPr>
-              <a:t>. (figure 9) MBF(</a:t>
-            </a:r>
-            <a:r>
-              <a:rPr b="0" lang="en-US" sz="1600" spc="-1" strike="noStrike">
-                <a:solidFill>
-                  <a:srgbClr val="000000"/>
-                </a:solidFill>
-                <a:uFill>
-                  <a:solidFill>
-                    <a:srgbClr val="ffffff"/>
-                  </a:solidFill>
-                </a:uFill>
-                <a:latin typeface="Arial"/>
-                <a:ea typeface="Noto Sans CJK SC Regular"/>
-              </a:rPr>
-              <a:t>본 논문의 토대</a:t>
+              <a:rPr b="0" lang="en-US" sz="2200" spc="-1" strike="noStrike">
+                <a:solidFill>
+                  <a:srgbClr val="000000"/>
+                </a:solidFill>
+                <a:uFill>
+                  <a:solidFill>
+                    <a:srgbClr val="ffffff"/>
+                  </a:solidFill>
+                </a:uFill>
+                <a:latin typeface="Arial"/>
+                <a:ea typeface="Noto Sans CJK SC Regular"/>
+              </a:rPr>
+              <a:t>성능 메트릭스</a:t>
+            </a:r>
+            <a:endParaRPr b="0" lang="en-US" sz="1800" spc="-1" strike="noStrike">
+              <a:solidFill>
+                <a:srgbClr val="000000"/>
+              </a:solidFill>
+              <a:uFill>
+                <a:solidFill>
+                  <a:srgbClr val="ffffff"/>
+                </a:solidFill>
+              </a:uFill>
+              <a:latin typeface="Arial"/>
+            </a:endParaRPr>
+          </a:p>
+          <a:p>
+            <a:r>
+              <a:rPr b="0" lang="en-US" sz="1600" spc="-1" strike="noStrike">
+                <a:solidFill>
+                  <a:srgbClr val="000000"/>
+                </a:solidFill>
+                <a:uFill>
+                  <a:solidFill>
+                    <a:srgbClr val="ffffff"/>
+                  </a:solidFill>
+                </a:uFill>
+                <a:latin typeface="Arial"/>
+                <a:ea typeface="Noto Sans CJK SC Regular"/>
+              </a:rPr>
+              <a:t> </a:t>
+            </a:r>
+            <a:r>
+              <a:rPr b="0" lang="en-US" sz="1600" spc="-1" strike="noStrike">
+                <a:solidFill>
+                  <a:srgbClr val="000000"/>
+                </a:solidFill>
+                <a:uFill>
+                  <a:solidFill>
+                    <a:srgbClr val="ffffff"/>
+                  </a:solidFill>
+                </a:uFill>
+                <a:latin typeface="Arial"/>
+                <a:ea typeface="Noto Sans CJK SC Regular"/>
+              </a:rPr>
+              <a:t>: hot ratio (</a:t>
+            </a:r>
+            <a:r>
+              <a:rPr b="0" lang="en-US" sz="1600" spc="-1" strike="noStrike">
+                <a:solidFill>
+                  <a:srgbClr val="000000"/>
+                </a:solidFill>
+                <a:uFill>
+                  <a:solidFill>
+                    <a:srgbClr val="ffffff"/>
+                  </a:solidFill>
+                </a:uFill>
+                <a:latin typeface="Arial"/>
+                <a:ea typeface="Noto Sans CJK SC Regular"/>
+              </a:rPr>
+              <a:t>이 모든 노력은 </a:t>
+            </a:r>
+            <a:r>
+              <a:rPr b="0" lang="en-US" sz="1600" spc="-1" strike="noStrike">
+                <a:solidFill>
+                  <a:srgbClr val="000000"/>
+                </a:solidFill>
+                <a:uFill>
+                  <a:solidFill>
+                    <a:srgbClr val="ffffff"/>
+                  </a:solidFill>
+                </a:uFill>
+                <a:latin typeface="Arial"/>
+                <a:ea typeface="Noto Sans CJK SC Regular"/>
+              </a:rPr>
+              <a:t>Hot Data Identification</a:t>
+            </a:r>
+            <a:r>
+              <a:rPr b="0" lang="en-US" sz="1600" spc="-1" strike="noStrike">
+                <a:solidFill>
+                  <a:srgbClr val="000000"/>
+                </a:solidFill>
+                <a:uFill>
+                  <a:solidFill>
+                    <a:srgbClr val="ffffff"/>
+                  </a:solidFill>
+                </a:uFill>
+                <a:latin typeface="Arial"/>
+                <a:ea typeface="Noto Sans CJK SC Regular"/>
+              </a:rPr>
+              <a:t>을 효율적으로 하기 위함</a:t>
             </a:r>
             <a:r>
               <a:rPr b="0" lang="en-US" sz="1600" spc="-1" strike="noStrike">
@@ -9330,216 +9604,298 @@
               </a:rPr>
               <a:t>)</a:t>
             </a:r>
-            <a:r>
-              <a:rPr b="0" lang="en-US" sz="1600" spc="-1" strike="noStrike">
-                <a:solidFill>
-                  <a:srgbClr val="000000"/>
-                </a:solidFill>
-                <a:uFill>
-                  <a:solidFill>
-                    <a:srgbClr val="ffffff"/>
-                  </a:solidFill>
-                </a:uFill>
-                <a:latin typeface="Arial"/>
-                <a:ea typeface="Noto Sans CJK SC Regular"/>
-              </a:rPr>
-              <a:t>와 </a:t>
-            </a:r>
-            <a:r>
-              <a:rPr b="0" lang="en-US" sz="1600" spc="-1" strike="noStrike">
-                <a:solidFill>
-                  <a:srgbClr val="000000"/>
-                </a:solidFill>
-                <a:uFill>
-                  <a:solidFill>
-                    <a:srgbClr val="ffffff"/>
-                  </a:solidFill>
-                </a:uFill>
-                <a:latin typeface="Arial"/>
-                <a:ea typeface="Noto Sans CJK SC Regular"/>
-              </a:rPr>
-              <a:t>MHF</a:t>
-            </a:r>
-            <a:r>
-              <a:rPr b="0" lang="en-US" sz="1600" spc="-1" strike="noStrike">
-                <a:solidFill>
-                  <a:srgbClr val="000000"/>
-                </a:solidFill>
-                <a:uFill>
-                  <a:solidFill>
-                    <a:srgbClr val="ffffff"/>
-                  </a:solidFill>
-                </a:uFill>
-                <a:latin typeface="Arial"/>
-                <a:ea typeface="Noto Sans CJK SC Regular"/>
-              </a:rPr>
-              <a:t>까지 포함시켜서 테스트 해 본 결과</a:t>
-            </a:r>
-            <a:r>
-              <a:rPr b="0" lang="en-US" sz="1600" spc="-1" strike="noStrike">
-                <a:solidFill>
-                  <a:srgbClr val="000000"/>
-                </a:solidFill>
-                <a:uFill>
-                  <a:solidFill>
-                    <a:srgbClr val="ffffff"/>
-                  </a:solidFill>
-                </a:uFill>
-                <a:latin typeface="Arial"/>
-                <a:ea typeface="Noto Sans CJK SC Regular"/>
-              </a:rPr>
-              <a:t>, </a:t>
-            </a:r>
-            <a:r>
-              <a:rPr b="0" lang="en-US" sz="1600" spc="-1" strike="noStrike">
-                <a:solidFill>
-                  <a:srgbClr val="000000"/>
-                </a:solidFill>
-                <a:uFill>
-                  <a:solidFill>
-                    <a:srgbClr val="ffffff"/>
-                  </a:solidFill>
-                </a:uFill>
-                <a:latin typeface="Arial"/>
-                <a:ea typeface="Noto Sans CJK SC Regular"/>
-              </a:rPr>
-              <a:t>나머지 세 가지는 유사한 결과를 보이지만 </a:t>
-            </a:r>
-            <a:r>
-              <a:rPr b="0" lang="en-US" sz="1600" spc="-1" strike="noStrike">
-                <a:solidFill>
-                  <a:srgbClr val="000000"/>
-                </a:solidFill>
-                <a:uFill>
-                  <a:solidFill>
-                    <a:srgbClr val="ffffff"/>
-                  </a:solidFill>
-                </a:uFill>
-                <a:latin typeface="Arial"/>
-                <a:ea typeface="Noto Sans CJK SC Regular"/>
-              </a:rPr>
-              <a:t>MHF</a:t>
-            </a:r>
-            <a:r>
-              <a:rPr b="0" lang="en-US" sz="1600" spc="-1" strike="noStrike">
-                <a:solidFill>
-                  <a:srgbClr val="000000"/>
-                </a:solidFill>
-                <a:uFill>
-                  <a:solidFill>
-                    <a:srgbClr val="ffffff"/>
-                  </a:solidFill>
-                </a:uFill>
-                <a:latin typeface="Arial"/>
-                <a:ea typeface="Noto Sans CJK SC Regular"/>
-              </a:rPr>
-              <a:t>는 </a:t>
-            </a:r>
-            <a:r>
-              <a:rPr b="0" lang="en-US" sz="1600" spc="-1" strike="noStrike">
-                <a:solidFill>
-                  <a:srgbClr val="000000"/>
-                </a:solidFill>
-                <a:uFill>
-                  <a:solidFill>
-                    <a:srgbClr val="ffffff"/>
-                  </a:solidFill>
-                </a:uFill>
-                <a:latin typeface="Arial"/>
-                <a:ea typeface="Noto Sans CJK SC Regular"/>
-              </a:rPr>
-              <a:t>hot data ratio</a:t>
-            </a:r>
-            <a:r>
-              <a:rPr b="0" lang="en-US" sz="1600" spc="-1" strike="noStrike">
-                <a:solidFill>
-                  <a:srgbClr val="000000"/>
-                </a:solidFill>
-                <a:uFill>
-                  <a:solidFill>
-                    <a:srgbClr val="ffffff"/>
-                  </a:solidFill>
-                </a:uFill>
-                <a:latin typeface="Arial"/>
-                <a:ea typeface="Noto Sans CJK SC Regular"/>
-              </a:rPr>
-              <a:t>를 보여서 성능이 최악으로 나왔다</a:t>
-            </a:r>
-            <a:r>
-              <a:rPr b="0" lang="en-US" sz="1600" spc="-1" strike="noStrike">
-                <a:solidFill>
-                  <a:srgbClr val="000000"/>
-                </a:solidFill>
-                <a:uFill>
-                  <a:solidFill>
-                    <a:srgbClr val="ffffff"/>
-                  </a:solidFill>
-                </a:uFill>
-                <a:latin typeface="Arial"/>
-                <a:ea typeface="Noto Sans CJK SC Regular"/>
-              </a:rPr>
-              <a:t>. (figure 10) false identification rates </a:t>
-            </a:r>
-            <a:r>
-              <a:rPr b="0" lang="en-US" sz="1600" spc="-1" strike="noStrike">
-                <a:solidFill>
-                  <a:srgbClr val="000000"/>
-                </a:solidFill>
-                <a:uFill>
-                  <a:solidFill>
-                    <a:srgbClr val="ffffff"/>
-                  </a:solidFill>
-                </a:uFill>
-                <a:latin typeface="Arial"/>
-                <a:ea typeface="Noto Sans CJK SC Regular"/>
-              </a:rPr>
-              <a:t>관점에서 보면 대체로 새롭게 발표되는 </a:t>
-            </a:r>
-            <a:r>
-              <a:rPr b="0" lang="en-US" sz="1600" spc="-1" strike="noStrike">
-                <a:solidFill>
-                  <a:srgbClr val="000000"/>
-                </a:solidFill>
-                <a:uFill>
-                  <a:solidFill>
-                    <a:srgbClr val="ffffff"/>
-                  </a:solidFill>
-                </a:uFill>
-                <a:latin typeface="Arial"/>
-                <a:ea typeface="Noto Sans CJK SC Regular"/>
-              </a:rPr>
-              <a:t>MBF</a:t>
-            </a:r>
-            <a:r>
-              <a:rPr b="0" lang="en-US" sz="1600" spc="-1" strike="noStrike">
-                <a:solidFill>
-                  <a:srgbClr val="000000"/>
-                </a:solidFill>
-                <a:uFill>
-                  <a:solidFill>
-                    <a:srgbClr val="ffffff"/>
-                  </a:solidFill>
-                </a:uFill>
-                <a:latin typeface="Arial"/>
-                <a:ea typeface="Noto Sans CJK SC Regular"/>
-              </a:rPr>
-              <a:t>가 월등한 것으로 나타난다</a:t>
-            </a:r>
-            <a:r>
-              <a:rPr b="0" lang="en-US" sz="1600" spc="-1" strike="noStrike">
-                <a:solidFill>
-                  <a:srgbClr val="000000"/>
-                </a:solidFill>
-                <a:uFill>
-                  <a:solidFill>
-                    <a:srgbClr val="ffffff"/>
-                  </a:solidFill>
-                </a:uFill>
-                <a:latin typeface="Arial"/>
-                <a:ea typeface="Noto Sans CJK SC Regular"/>
-              </a:rPr>
-              <a:t>. (figure 11) </a:t>
-            </a:r>
+            <a:endParaRPr b="0" lang="en-US" sz="1800" spc="-1" strike="noStrike">
+              <a:solidFill>
+                <a:srgbClr val="000000"/>
+              </a:solidFill>
+              <a:uFill>
+                <a:solidFill>
+                  <a:srgbClr val="ffffff"/>
+                </a:solidFill>
+              </a:uFill>
+              <a:latin typeface="Arial"/>
+            </a:endParaRPr>
+          </a:p>
+          <a:p>
+            <a:r>
+              <a:rPr b="0" lang="en-US" sz="1600" spc="-1" strike="noStrike">
+                <a:solidFill>
+                  <a:srgbClr val="000000"/>
+                </a:solidFill>
+                <a:uFill>
+                  <a:solidFill>
+                    <a:srgbClr val="ffffff"/>
+                  </a:solidFill>
+                </a:uFill>
+                <a:latin typeface="Arial"/>
+                <a:ea typeface="Noto Sans CJK SC Regular"/>
+              </a:rPr>
+              <a:t> </a:t>
+            </a:r>
+            <a:r>
+              <a:rPr b="0" lang="en-US" sz="1600" spc="-1" strike="noStrike">
+                <a:solidFill>
+                  <a:srgbClr val="000000"/>
+                </a:solidFill>
+                <a:uFill>
+                  <a:solidFill>
+                    <a:srgbClr val="ffffff"/>
+                  </a:solidFill>
+                </a:uFill>
+                <a:latin typeface="Arial"/>
+                <a:ea typeface="Noto Sans CJK SC Regular"/>
+              </a:rPr>
+              <a:t>: false identification rate (Hot Data </a:t>
+            </a:r>
+            <a:r>
+              <a:rPr b="0" lang="en-US" sz="1600" spc="-1" strike="noStrike">
+                <a:solidFill>
+                  <a:srgbClr val="000000"/>
+                </a:solidFill>
+                <a:uFill>
+                  <a:solidFill>
+                    <a:srgbClr val="ffffff"/>
+                  </a:solidFill>
+                </a:uFill>
+                <a:latin typeface="Arial"/>
+                <a:ea typeface="Noto Sans CJK SC Regular"/>
+              </a:rPr>
+              <a:t>라고 판별했는데 거짓일 경우 효용성이 높지 않다고 판단할 수 밖에</a:t>
+            </a:r>
+            <a:r>
+              <a:rPr b="0" lang="en-US" sz="1600" spc="-1" strike="noStrike">
+                <a:solidFill>
+                  <a:srgbClr val="000000"/>
+                </a:solidFill>
+                <a:uFill>
+                  <a:solidFill>
+                    <a:srgbClr val="ffffff"/>
+                  </a:solidFill>
+                </a:uFill>
+                <a:latin typeface="Arial"/>
+                <a:ea typeface="Noto Sans CJK SC Regular"/>
+              </a:rPr>
+              <a:t>)</a:t>
+            </a:r>
+            <a:endParaRPr b="0" lang="en-US" sz="1800" spc="-1" strike="noStrike">
+              <a:solidFill>
+                <a:srgbClr val="000000"/>
+              </a:solidFill>
+              <a:uFill>
+                <a:solidFill>
+                  <a:srgbClr val="ffffff"/>
+                </a:solidFill>
+              </a:uFill>
+              <a:latin typeface="Arial"/>
+            </a:endParaRPr>
+          </a:p>
+          <a:p>
+            <a:r>
+              <a:rPr b="0" lang="en-US" sz="1600" spc="-1" strike="noStrike">
+                <a:solidFill>
+                  <a:srgbClr val="000000"/>
+                </a:solidFill>
+                <a:uFill>
+                  <a:solidFill>
+                    <a:srgbClr val="ffffff"/>
+                  </a:solidFill>
+                </a:uFill>
+                <a:latin typeface="Arial"/>
+                <a:ea typeface="Noto Sans CJK SC Regular"/>
+              </a:rPr>
+              <a:t> </a:t>
+            </a:r>
+            <a:r>
+              <a:rPr b="0" lang="en-US" sz="1600" spc="-1" strike="noStrike">
+                <a:solidFill>
+                  <a:srgbClr val="000000"/>
+                </a:solidFill>
+                <a:uFill>
+                  <a:solidFill>
+                    <a:srgbClr val="ffffff"/>
+                  </a:solidFill>
+                </a:uFill>
+                <a:latin typeface="Arial"/>
+                <a:ea typeface="Noto Sans CJK SC Regular"/>
+              </a:rPr>
+              <a:t>: memory consumption (</a:t>
+            </a:r>
+            <a:r>
+              <a:rPr b="0" lang="en-US" sz="1600" spc="-1" strike="noStrike">
+                <a:solidFill>
+                  <a:srgbClr val="000000"/>
+                </a:solidFill>
+                <a:uFill>
+                  <a:solidFill>
+                    <a:srgbClr val="ffffff"/>
+                  </a:solidFill>
+                </a:uFill>
+                <a:latin typeface="Arial"/>
+                <a:ea typeface="Noto Sans CJK SC Regular"/>
+              </a:rPr>
+              <a:t>아무리 훌륭한 알고리즘이어도 제한적인 </a:t>
+            </a:r>
+            <a:r>
+              <a:rPr b="0" lang="en-US" sz="1600" spc="-1" strike="noStrike">
+                <a:solidFill>
+                  <a:srgbClr val="000000"/>
+                </a:solidFill>
+                <a:uFill>
+                  <a:solidFill>
+                    <a:srgbClr val="ffffff"/>
+                  </a:solidFill>
+                </a:uFill>
+                <a:latin typeface="Arial"/>
+                <a:ea typeface="Noto Sans CJK SC Regular"/>
+              </a:rPr>
+              <a:t>MTD</a:t>
+            </a:r>
+            <a:r>
+              <a:rPr b="0" lang="en-US" sz="1600" spc="-1" strike="noStrike">
+                <a:solidFill>
+                  <a:srgbClr val="000000"/>
+                </a:solidFill>
+                <a:uFill>
+                  <a:solidFill>
+                    <a:srgbClr val="ffffff"/>
+                  </a:solidFill>
+                </a:uFill>
+                <a:latin typeface="Arial"/>
+                <a:ea typeface="Noto Sans CJK SC Regular"/>
+              </a:rPr>
+              <a:t>의 </a:t>
+            </a:r>
+            <a:r>
+              <a:rPr b="0" lang="en-US" sz="1600" spc="-1" strike="noStrike">
+                <a:solidFill>
+                  <a:srgbClr val="000000"/>
+                </a:solidFill>
+                <a:uFill>
+                  <a:solidFill>
+                    <a:srgbClr val="ffffff"/>
+                  </a:solidFill>
+                </a:uFill>
+                <a:latin typeface="Arial"/>
+                <a:ea typeface="Noto Sans CJK SC Regular"/>
+              </a:rPr>
+              <a:t>SRAM</a:t>
+            </a:r>
+            <a:r>
+              <a:rPr b="0" lang="en-US" sz="1600" spc="-1" strike="noStrike">
+                <a:solidFill>
+                  <a:srgbClr val="000000"/>
+                </a:solidFill>
+                <a:uFill>
+                  <a:solidFill>
+                    <a:srgbClr val="ffffff"/>
+                  </a:solidFill>
+                </a:uFill>
+                <a:latin typeface="Arial"/>
+                <a:ea typeface="Noto Sans CJK SC Regular"/>
+              </a:rPr>
+              <a:t>에서 적용될 수 없다면 활용 가치는 높지 않음</a:t>
+            </a:r>
+            <a:r>
+              <a:rPr b="0" lang="en-US" sz="1600" spc="-1" strike="noStrike">
+                <a:solidFill>
+                  <a:srgbClr val="000000"/>
+                </a:solidFill>
+                <a:uFill>
+                  <a:solidFill>
+                    <a:srgbClr val="ffffff"/>
+                  </a:solidFill>
+                </a:uFill>
+                <a:latin typeface="Arial"/>
+                <a:ea typeface="Noto Sans CJK SC Regular"/>
+              </a:rPr>
+              <a:t>)</a:t>
+            </a:r>
+            <a:endParaRPr b="0" lang="en-US" sz="1800" spc="-1" strike="noStrike">
+              <a:solidFill>
+                <a:srgbClr val="000000"/>
+              </a:solidFill>
+              <a:uFill>
+                <a:solidFill>
+                  <a:srgbClr val="ffffff"/>
+                </a:solidFill>
+              </a:uFill>
+              <a:latin typeface="Arial"/>
+            </a:endParaRPr>
+          </a:p>
+          <a:p>
+            <a:r>
+              <a:rPr b="0" lang="en-US" sz="1600" spc="-1" strike="noStrike">
+                <a:solidFill>
+                  <a:srgbClr val="000000"/>
+                </a:solidFill>
+                <a:uFill>
+                  <a:solidFill>
+                    <a:srgbClr val="ffffff"/>
+                  </a:solidFill>
+                </a:uFill>
+                <a:latin typeface="Arial"/>
+                <a:ea typeface="Noto Sans CJK SC Regular"/>
+              </a:rPr>
+              <a:t> </a:t>
+            </a:r>
+            <a:r>
+              <a:rPr b="0" lang="en-US" sz="1600" spc="-1" strike="noStrike">
+                <a:solidFill>
+                  <a:srgbClr val="000000"/>
+                </a:solidFill>
+                <a:uFill>
+                  <a:solidFill>
+                    <a:srgbClr val="ffffff"/>
+                  </a:solidFill>
+                </a:uFill>
+                <a:latin typeface="Arial"/>
+                <a:ea typeface="Noto Sans CJK SC Regular"/>
+              </a:rPr>
+              <a:t>: runtime overhead (CPU clock cycle per operation) (</a:t>
+            </a:r>
+            <a:r>
+              <a:rPr b="0" lang="en-US" sz="1600" spc="-1" strike="noStrike">
+                <a:solidFill>
+                  <a:srgbClr val="000000"/>
+                </a:solidFill>
+                <a:uFill>
+                  <a:solidFill>
+                    <a:srgbClr val="ffffff"/>
+                  </a:solidFill>
+                </a:uFill>
+                <a:latin typeface="Arial"/>
+                <a:ea typeface="Noto Sans CJK SC Regular"/>
+              </a:rPr>
+              <a:t>아무리 훌륭한 알고리즘이어도 시스템에 부하를 주거나 빅데이터 상황에 제대로 대응하지 못한다면 활용 가치는 높지 않음</a:t>
+            </a:r>
+            <a:r>
+              <a:rPr b="0" lang="en-US" sz="1600" spc="-1" strike="noStrike">
+                <a:solidFill>
+                  <a:srgbClr val="000000"/>
+                </a:solidFill>
+                <a:uFill>
+                  <a:solidFill>
+                    <a:srgbClr val="ffffff"/>
+                  </a:solidFill>
+                </a:uFill>
+                <a:latin typeface="Arial"/>
+                <a:ea typeface="Noto Sans CJK SC Regular"/>
+              </a:rPr>
+              <a:t>)</a:t>
+            </a:r>
+            <a:endParaRPr b="0" lang="en-US" sz="1800" spc="-1" strike="noStrike">
+              <a:solidFill>
+                <a:srgbClr val="000000"/>
+              </a:solidFill>
+              <a:uFill>
+                <a:solidFill>
+                  <a:srgbClr val="ffffff"/>
+                </a:solidFill>
+              </a:uFill>
+              <a:latin typeface="Arial"/>
+            </a:endParaRPr>
+          </a:p>
+          <a:p>
             <a:endParaRPr b="0" lang="en-US" sz="1800" spc="-1" strike="noStrike">
               <a:solidFill>
                 <a:srgbClr val="000000"/>
@@ -9554,52 +9910,6 @@
           </a:p>
         </p:txBody>
       </p:sp>
-      <p:pic>
-        <p:nvPicPr>
-          <p:cNvPr id="83" name="" descr=""/>
-          <p:cNvPicPr/>
-          <p:nvPr/>
-        </p:nvPicPr>
-        <p:blipFill>
-          <a:blip r:embed="rId1"/>
-          <a:stretch/>
-        </p:blipFill>
-        <p:spPr>
-          <a:xfrm>
-            <a:off x="127440" y="4206240"/>
-            <a:ext cx="4828320" cy="2275200"/>
-          </a:xfrm>
-          <a:prstGeom prst="rect">
-            <a:avLst/>
-          </a:prstGeom>
-          <a:ln>
-            <a:noFill/>
-          </a:ln>
-        </p:spPr>
-      </p:pic>
-      <p:pic>
-        <p:nvPicPr>
-          <p:cNvPr id="84" name="" descr=""/>
-          <p:cNvPicPr/>
-          <p:nvPr/>
-        </p:nvPicPr>
-        <p:blipFill>
-          <a:blip r:embed="rId2"/>
-          <a:stretch/>
-        </p:blipFill>
-        <p:spPr>
-          <a:xfrm>
-            <a:off x="5084640" y="4236120"/>
-            <a:ext cx="4819320" cy="2253240"/>
-          </a:xfrm>
-          <a:prstGeom prst="rect">
-            <a:avLst/>
-          </a:prstGeom>
-          <a:ln>
-            <a:noFill/>
-          </a:ln>
-        </p:spPr>
-      </p:pic>
     </p:spTree>
   </p:cSld>
   <p:timing>
@@ -9651,7 +9961,7 @@
       </p:grpSpPr>
       <p:sp>
         <p:nvSpPr>
-          <p:cNvPr id="85" name="TextShape 1"/>
+          <p:cNvPr id="83" name="TextShape 1"/>
           <p:cNvSpPr txBox="1"/>
           <p:nvPr/>
         </p:nvSpPr>
@@ -9702,14 +10012,14 @@
       </p:sp>
       <p:sp>
         <p:nvSpPr>
-          <p:cNvPr id="86" name="TextShape 2"/>
+          <p:cNvPr id="84" name="TextShape 2"/>
           <p:cNvSpPr txBox="1"/>
           <p:nvPr/>
         </p:nvSpPr>
         <p:spPr>
           <a:xfrm>
-            <a:off x="432000" y="1457280"/>
-            <a:ext cx="9097200" cy="2202120"/>
+            <a:off x="432000" y="1421280"/>
+            <a:ext cx="9097200" cy="1900440"/>
           </a:xfrm>
           <a:prstGeom prst="rect">
             <a:avLst/>
@@ -9735,22 +10045,303 @@
                 <a:latin typeface="Arial"/>
                 <a:ea typeface="Noto Sans CJK SC Regular"/>
               </a:rPr>
-              <a:t>Runtime Overhead </a:t>
-            </a:r>
-            <a:r>
-              <a:rPr b="0" lang="en-US" sz="1600" spc="-1" strike="noStrike">
-                <a:solidFill>
-                  <a:srgbClr val="000000"/>
-                </a:solidFill>
-                <a:uFill>
-                  <a:solidFill>
-                    <a:srgbClr val="ffffff"/>
-                  </a:solidFill>
-                </a:uFill>
-                <a:latin typeface="Arial"/>
-                <a:ea typeface="Noto Sans CJK SC Regular"/>
-              </a:rPr>
-              <a:t>관점에서도 분석해보자</a:t>
+              <a:t>A) Baseline Algorithm </a:t>
+            </a:r>
+            <a:r>
+              <a:rPr b="1" lang="en-US" sz="1600" spc="-1" strike="noStrike">
+                <a:solidFill>
+                  <a:srgbClr val="000000"/>
+                </a:solidFill>
+                <a:uFill>
+                  <a:solidFill>
+                    <a:srgbClr val="ffffff"/>
+                  </a:solidFill>
+                </a:uFill>
+                <a:latin typeface="Arial"/>
+                <a:ea typeface="Noto Sans CJK SC Regular"/>
+              </a:rPr>
+              <a:t>비교 </a:t>
+            </a:r>
+            <a:r>
+              <a:rPr b="1" lang="en-US" sz="1600" spc="-1" strike="noStrike">
+                <a:solidFill>
+                  <a:srgbClr val="000000"/>
+                </a:solidFill>
+                <a:uFill>
+                  <a:solidFill>
+                    <a:srgbClr val="ffffff"/>
+                  </a:solidFill>
+                </a:uFill>
+                <a:latin typeface="Arial"/>
+                <a:ea typeface="Noto Sans CJK SC Regular"/>
+              </a:rPr>
+              <a:t>(WDAC vs DAM)</a:t>
+            </a:r>
+            <a:endParaRPr b="0" lang="en-US" sz="1800" spc="-1" strike="noStrike">
+              <a:solidFill>
+                <a:srgbClr val="000000"/>
+              </a:solidFill>
+              <a:uFill>
+                <a:solidFill>
+                  <a:srgbClr val="ffffff"/>
+                </a:solidFill>
+              </a:uFill>
+              <a:latin typeface="Arial"/>
+            </a:endParaRPr>
+          </a:p>
+          <a:p>
+            <a:r>
+              <a:rPr b="0" lang="en-US" sz="1600" spc="-1" strike="noStrike">
+                <a:solidFill>
+                  <a:srgbClr val="000000"/>
+                </a:solidFill>
+                <a:uFill>
+                  <a:solidFill>
+                    <a:srgbClr val="ffffff"/>
+                  </a:solidFill>
+                </a:uFill>
+                <a:latin typeface="Arial"/>
+                <a:ea typeface="Noto Sans CJK SC Regular"/>
+              </a:rPr>
+              <a:t>  </a:t>
+            </a:r>
+            <a:r>
+              <a:rPr b="0" lang="en-US" sz="1600" spc="-1" strike="noStrike">
+                <a:solidFill>
+                  <a:srgbClr val="000000"/>
+                </a:solidFill>
+                <a:uFill>
+                  <a:solidFill>
+                    <a:srgbClr val="ffffff"/>
+                  </a:solidFill>
+                </a:uFill>
+                <a:latin typeface="Arial"/>
+                <a:ea typeface="Noto Sans CJK SC Regular"/>
+              </a:rPr>
+              <a:t>그림</a:t>
+            </a:r>
+            <a:r>
+              <a:rPr b="0" lang="en-US" sz="1600" spc="-1" strike="noStrike">
+                <a:solidFill>
+                  <a:srgbClr val="000000"/>
+                </a:solidFill>
+                <a:uFill>
+                  <a:solidFill>
+                    <a:srgbClr val="ffffff"/>
+                  </a:solidFill>
+                </a:uFill>
+                <a:latin typeface="Arial"/>
+                <a:ea typeface="Noto Sans CJK SC Regular"/>
+              </a:rPr>
+              <a:t>8</a:t>
+            </a:r>
+            <a:r>
+              <a:rPr b="0" lang="en-US" sz="1600" spc="-1" strike="noStrike">
+                <a:solidFill>
+                  <a:srgbClr val="000000"/>
+                </a:solidFill>
+                <a:uFill>
+                  <a:solidFill>
+                    <a:srgbClr val="ffffff"/>
+                  </a:solidFill>
+                </a:uFill>
+                <a:latin typeface="Arial"/>
+                <a:ea typeface="Noto Sans CJK SC Regular"/>
+              </a:rPr>
+              <a:t>에 따르면 </a:t>
+            </a:r>
+            <a:r>
+              <a:rPr b="0" lang="en-US" sz="1600" spc="-1" strike="noStrike">
+                <a:solidFill>
+                  <a:srgbClr val="000000"/>
+                </a:solidFill>
+                <a:uFill>
+                  <a:solidFill>
+                    <a:srgbClr val="ffffff"/>
+                  </a:solidFill>
+                </a:uFill>
+                <a:latin typeface="Arial"/>
+                <a:ea typeface="Noto Sans CJK SC Regular"/>
+              </a:rPr>
+              <a:t>hot ratio </a:t>
+            </a:r>
+            <a:r>
+              <a:rPr b="0" lang="en-US" sz="1600" spc="-1" strike="noStrike">
+                <a:solidFill>
+                  <a:srgbClr val="000000"/>
+                </a:solidFill>
+                <a:uFill>
+                  <a:solidFill>
+                    <a:srgbClr val="ffffff"/>
+                  </a:solidFill>
+                </a:uFill>
+                <a:latin typeface="Arial"/>
+                <a:ea typeface="Noto Sans CJK SC Regular"/>
+              </a:rPr>
+              <a:t>측면에서 </a:t>
+            </a:r>
+            <a:r>
+              <a:rPr b="0" lang="en-US" sz="1600" spc="-1" strike="noStrike">
+                <a:solidFill>
+                  <a:srgbClr val="000000"/>
+                </a:solidFill>
+                <a:uFill>
+                  <a:solidFill>
+                    <a:srgbClr val="ffffff"/>
+                  </a:solidFill>
+                </a:uFill>
+                <a:latin typeface="Arial"/>
+                <a:ea typeface="Noto Sans CJK SC Regular"/>
+              </a:rPr>
+              <a:t>Financial1 &amp; MSR </a:t>
+            </a:r>
+            <a:r>
+              <a:rPr b="0" lang="en-US" sz="1600" spc="-1" strike="noStrike">
+                <a:solidFill>
+                  <a:srgbClr val="000000"/>
+                </a:solidFill>
+                <a:uFill>
+                  <a:solidFill>
+                    <a:srgbClr val="ffffff"/>
+                  </a:solidFill>
+                </a:uFill>
+                <a:latin typeface="Arial"/>
+                <a:ea typeface="Noto Sans CJK SC Regular"/>
+              </a:rPr>
+              <a:t>는 서로 다르고</a:t>
+            </a:r>
+            <a:r>
+              <a:rPr b="0" lang="en-US" sz="1600" spc="-1" strike="noStrike">
+                <a:solidFill>
+                  <a:srgbClr val="000000"/>
+                </a:solidFill>
+                <a:uFill>
+                  <a:solidFill>
+                    <a:srgbClr val="ffffff"/>
+                  </a:solidFill>
+                </a:uFill>
+                <a:latin typeface="Arial"/>
+                <a:ea typeface="Noto Sans CJK SC Regular"/>
+              </a:rPr>
+              <a:t>, Distilled &amp; ReadSSD </a:t>
+            </a:r>
+            <a:r>
+              <a:rPr b="0" lang="en-US" sz="1600" spc="-1" strike="noStrike">
+                <a:solidFill>
+                  <a:srgbClr val="000000"/>
+                </a:solidFill>
+                <a:uFill>
+                  <a:solidFill>
+                    <a:srgbClr val="ffffff"/>
+                  </a:solidFill>
+                </a:uFill>
+                <a:latin typeface="Arial"/>
+                <a:ea typeface="Noto Sans CJK SC Regular"/>
+              </a:rPr>
+              <a:t>는 아주 유사</a:t>
+            </a:r>
+            <a:endParaRPr b="0" lang="en-US" sz="1800" spc="-1" strike="noStrike">
+              <a:solidFill>
+                <a:srgbClr val="000000"/>
+              </a:solidFill>
+              <a:uFill>
+                <a:solidFill>
+                  <a:srgbClr val="ffffff"/>
+                </a:solidFill>
+              </a:uFill>
+              <a:latin typeface="Arial"/>
+            </a:endParaRPr>
+          </a:p>
+          <a:p>
+            <a:r>
+              <a:rPr b="0" lang="en-US" sz="1600" spc="-1" strike="noStrike">
+                <a:solidFill>
+                  <a:srgbClr val="000000"/>
+                </a:solidFill>
+                <a:uFill>
+                  <a:solidFill>
+                    <a:srgbClr val="ffffff"/>
+                  </a:solidFill>
+                </a:uFill>
+                <a:latin typeface="Arial"/>
+                <a:ea typeface="Noto Sans CJK SC Regular"/>
+              </a:rPr>
+              <a:t>  </a:t>
+            </a:r>
+            <a:r>
+              <a:rPr b="0" lang="en-US" sz="1600" spc="-1" strike="noStrike">
+                <a:solidFill>
+                  <a:srgbClr val="000000"/>
+                </a:solidFill>
+                <a:uFill>
+                  <a:solidFill>
+                    <a:srgbClr val="ffffff"/>
+                  </a:solidFill>
+                </a:uFill>
+                <a:latin typeface="Arial"/>
+                <a:ea typeface="Noto Sans CJK SC Regular"/>
+              </a:rPr>
+              <a:t>이것만 가지고는 알 수 없으므로 그림</a:t>
+            </a:r>
+            <a:r>
+              <a:rPr b="0" lang="en-US" sz="1600" spc="-1" strike="noStrike">
+                <a:solidFill>
+                  <a:srgbClr val="000000"/>
+                </a:solidFill>
+                <a:uFill>
+                  <a:solidFill>
+                    <a:srgbClr val="ffffff"/>
+                  </a:solidFill>
+                </a:uFill>
+                <a:latin typeface="Arial"/>
+                <a:ea typeface="Noto Sans CJK SC Regular"/>
+              </a:rPr>
+              <a:t>9</a:t>
+            </a:r>
+            <a:r>
+              <a:rPr b="0" lang="en-US" sz="1600" spc="-1" strike="noStrike">
+                <a:solidFill>
+                  <a:srgbClr val="000000"/>
+                </a:solidFill>
+                <a:uFill>
+                  <a:solidFill>
+                    <a:srgbClr val="ffffff"/>
+                  </a:solidFill>
+                </a:uFill>
+                <a:latin typeface="Arial"/>
+                <a:ea typeface="Noto Sans CJK SC Regular"/>
+              </a:rPr>
+              <a:t>처럼 </a:t>
+            </a:r>
+            <a:r>
+              <a:rPr b="0" lang="en-US" sz="1600" spc="-1" strike="noStrike">
+                <a:solidFill>
+                  <a:srgbClr val="000000"/>
+                </a:solidFill>
+                <a:uFill>
+                  <a:solidFill>
+                    <a:srgbClr val="ffffff"/>
+                  </a:solidFill>
+                </a:uFill>
+                <a:latin typeface="Arial"/>
+                <a:ea typeface="Noto Sans CJK SC Regular"/>
+              </a:rPr>
+              <a:t>false identification rate </a:t>
+            </a:r>
+            <a:r>
+              <a:rPr b="0" lang="en-US" sz="1600" spc="-1" strike="noStrike">
+                <a:solidFill>
+                  <a:srgbClr val="000000"/>
+                </a:solidFill>
+                <a:uFill>
+                  <a:solidFill>
+                    <a:srgbClr val="ffffff"/>
+                  </a:solidFill>
+                </a:uFill>
+                <a:latin typeface="Arial"/>
+                <a:ea typeface="Noto Sans CJK SC Regular"/>
+              </a:rPr>
+              <a:t>를 측정해봤다</a:t>
             </a:r>
             <a:r>
               <a:rPr b="0" lang="en-US" sz="1600" spc="-1" strike="noStrike">
@@ -9780,50 +10371,67 @@
                 <a:latin typeface="Arial"/>
                 <a:ea typeface="Noto Sans CJK SC Regular"/>
               </a:rPr>
-              <a:t>오버헤드가 발생할 수 있는 영역은 크게 </a:t>
-            </a:r>
-            <a:endParaRPr b="0" lang="en-US" sz="1800" spc="-1" strike="noStrike">
-              <a:solidFill>
-                <a:srgbClr val="000000"/>
-              </a:solidFill>
-              <a:uFill>
-                <a:solidFill>
-                  <a:srgbClr val="ffffff"/>
-                </a:solidFill>
-              </a:uFill>
-              <a:latin typeface="Arial"/>
-            </a:endParaRPr>
-          </a:p>
-          <a:p>
-            <a:r>
-              <a:rPr b="0" lang="en-US" sz="1600" spc="-1" strike="noStrike">
-                <a:solidFill>
-                  <a:srgbClr val="000000"/>
-                </a:solidFill>
-                <a:uFill>
-                  <a:solidFill>
-                    <a:srgbClr val="ffffff"/>
-                  </a:solidFill>
-                </a:uFill>
-                <a:latin typeface="Arial"/>
-                <a:ea typeface="Noto Sans CJK SC Regular"/>
-              </a:rPr>
-              <a:t>checkup phase(WR Request </a:t>
-            </a:r>
-            <a:r>
-              <a:rPr b="0" lang="en-US" sz="1600" spc="-1" strike="noStrike">
-                <a:solidFill>
-                  <a:srgbClr val="000000"/>
-                </a:solidFill>
-                <a:uFill>
-                  <a:solidFill>
-                    <a:srgbClr val="ffffff"/>
-                  </a:solidFill>
-                </a:uFill>
-                <a:latin typeface="Arial"/>
-                <a:ea typeface="Noto Sans CJK SC Regular"/>
-              </a:rPr>
-              <a:t>발생 시 해당 </a:t>
+              <a:t>설령 </a:t>
+            </a:r>
+            <a:r>
+              <a:rPr b="0" lang="en-US" sz="1600" spc="-1" strike="noStrike">
+                <a:solidFill>
+                  <a:srgbClr val="000000"/>
+                </a:solidFill>
+                <a:uFill>
+                  <a:solidFill>
+                    <a:srgbClr val="ffffff"/>
+                  </a:solidFill>
+                </a:uFill>
+                <a:latin typeface="Arial"/>
+                <a:ea typeface="Noto Sans CJK SC Regular"/>
+              </a:rPr>
+              <a:t>hot ratio</a:t>
+            </a:r>
+            <a:r>
+              <a:rPr b="0" lang="en-US" sz="1600" spc="-1" strike="noStrike">
+                <a:solidFill>
+                  <a:srgbClr val="000000"/>
+                </a:solidFill>
+                <a:uFill>
+                  <a:solidFill>
+                    <a:srgbClr val="ffffff"/>
+                  </a:solidFill>
+                </a:uFill>
+                <a:latin typeface="Arial"/>
+                <a:ea typeface="Noto Sans CJK SC Regular"/>
+              </a:rPr>
+              <a:t>가 비슷하더라도 </a:t>
+            </a:r>
+            <a:r>
+              <a:rPr b="0" lang="en-US" sz="1600" spc="-1" strike="noStrike">
+                <a:solidFill>
+                  <a:srgbClr val="000000"/>
+                </a:solidFill>
+                <a:uFill>
+                  <a:solidFill>
+                    <a:srgbClr val="ffffff"/>
+                  </a:solidFill>
+                </a:uFill>
+                <a:latin typeface="Arial"/>
+                <a:ea typeface="Noto Sans CJK SC Regular"/>
+              </a:rPr>
+              <a:t>WDAC </a:t>
+            </a:r>
+            <a:r>
+              <a:rPr b="0" lang="en-US" sz="1600" spc="-1" strike="noStrike">
+                <a:solidFill>
+                  <a:srgbClr val="000000"/>
+                </a:solidFill>
+                <a:uFill>
+                  <a:solidFill>
+                    <a:srgbClr val="ffffff"/>
+                  </a:solidFill>
+                </a:uFill>
+                <a:latin typeface="Arial"/>
+                <a:ea typeface="Noto Sans CJK SC Regular"/>
+              </a:rPr>
+              <a:t>방식이 보다 넓은 범위의 </a:t>
             </a:r>
             <a:r>
               <a:rPr b="0" lang="en-US" sz="1600" spc="-1" strike="noStrike">
@@ -9853,627 +10461,52 @@
                 <a:latin typeface="Arial"/>
                 <a:ea typeface="Noto Sans CJK SC Regular"/>
               </a:rPr>
-              <a:t>가 </a:t>
-            </a:r>
-            <a:r>
-              <a:rPr b="0" lang="en-US" sz="1600" spc="-1" strike="noStrike">
-                <a:solidFill>
-                  <a:srgbClr val="000000"/>
-                </a:solidFill>
-                <a:uFill>
-                  <a:solidFill>
-                    <a:srgbClr val="ffffff"/>
-                  </a:solidFill>
-                </a:uFill>
-                <a:latin typeface="Arial"/>
-                <a:ea typeface="Noto Sans CJK SC Regular"/>
-              </a:rPr>
-              <a:t>hot data</a:t>
-            </a:r>
-            <a:r>
-              <a:rPr b="0" lang="en-US" sz="1600" spc="-1" strike="noStrike">
-                <a:solidFill>
-                  <a:srgbClr val="000000"/>
-                </a:solidFill>
-                <a:uFill>
-                  <a:solidFill>
-                    <a:srgbClr val="ffffff"/>
-                  </a:solidFill>
-                </a:uFill>
-                <a:latin typeface="Arial"/>
-                <a:ea typeface="Noto Sans CJK SC Regular"/>
-              </a:rPr>
-              <a:t>인지 확인하는 절차</a:t>
-            </a:r>
-            <a:r>
-              <a:rPr b="0" lang="en-US" sz="1600" spc="-1" strike="noStrike">
-                <a:solidFill>
-                  <a:srgbClr val="000000"/>
-                </a:solidFill>
-                <a:uFill>
-                  <a:solidFill>
-                    <a:srgbClr val="ffffff"/>
-                  </a:solidFill>
-                </a:uFill>
-                <a:latin typeface="Arial"/>
-                <a:ea typeface="Noto Sans CJK SC Regular"/>
-              </a:rPr>
-              <a:t>) </a:t>
-            </a:r>
-            <a:r>
-              <a:rPr b="0" lang="en-US" sz="1600" spc="-1" strike="noStrike">
-                <a:solidFill>
-                  <a:srgbClr val="000000"/>
-                </a:solidFill>
-                <a:uFill>
-                  <a:solidFill>
-                    <a:srgbClr val="ffffff"/>
-                  </a:solidFill>
-                </a:uFill>
-                <a:latin typeface="Arial"/>
-                <a:ea typeface="Noto Sans CJK SC Regular"/>
-              </a:rPr>
-              <a:t>와 </a:t>
-            </a:r>
-            <a:endParaRPr b="0" lang="en-US" sz="1800" spc="-1" strike="noStrike">
-              <a:solidFill>
-                <a:srgbClr val="000000"/>
-              </a:solidFill>
-              <a:uFill>
-                <a:solidFill>
-                  <a:srgbClr val="ffffff"/>
-                </a:solidFill>
-              </a:uFill>
-              <a:latin typeface="Arial"/>
-            </a:endParaRPr>
-          </a:p>
-          <a:p>
-            <a:r>
-              <a:rPr b="0" lang="en-US" sz="1600" spc="-1" strike="noStrike">
-                <a:solidFill>
-                  <a:srgbClr val="000000"/>
-                </a:solidFill>
-                <a:uFill>
-                  <a:solidFill>
-                    <a:srgbClr val="ffffff"/>
-                  </a:solidFill>
-                </a:uFill>
-                <a:latin typeface="Arial"/>
-                <a:ea typeface="Noto Sans CJK SC Regular"/>
-              </a:rPr>
-              <a:t>decay phase(</a:t>
-            </a:r>
-            <a:r>
-              <a:rPr b="0" lang="en-US" sz="1600" spc="-1" strike="noStrike">
-                <a:solidFill>
-                  <a:srgbClr val="000000"/>
-                </a:solidFill>
-                <a:uFill>
-                  <a:solidFill>
-                    <a:srgbClr val="ffffff"/>
-                  </a:solidFill>
-                </a:uFill>
-                <a:latin typeface="Arial"/>
-                <a:ea typeface="Noto Sans CJK SC Regular"/>
-              </a:rPr>
-              <a:t>일정 주기 </a:t>
-            </a:r>
-            <a:r>
-              <a:rPr b="0" lang="en-US" sz="1600" spc="-1" strike="noStrike">
-                <a:solidFill>
-                  <a:srgbClr val="000000"/>
-                </a:solidFill>
-                <a:uFill>
-                  <a:solidFill>
-                    <a:srgbClr val="ffffff"/>
-                  </a:solidFill>
-                </a:uFill>
-                <a:latin typeface="Arial"/>
-                <a:ea typeface="Noto Sans CJK SC Regular"/>
-              </a:rPr>
-              <a:t>T </a:t>
-            </a:r>
-            <a:r>
-              <a:rPr b="0" lang="en-US" sz="1600" spc="-1" strike="noStrike">
-                <a:solidFill>
-                  <a:srgbClr val="000000"/>
-                </a:solidFill>
-                <a:uFill>
-                  <a:solidFill>
-                    <a:srgbClr val="ffffff"/>
-                  </a:solidFill>
-                </a:uFill>
-                <a:latin typeface="Arial"/>
-                <a:ea typeface="Noto Sans CJK SC Regular"/>
-              </a:rPr>
-              <a:t>의 경과에 따라서 가중치를 재조정하는 절차</a:t>
-            </a:r>
-            <a:r>
-              <a:rPr b="0" lang="en-US" sz="1600" spc="-1" strike="noStrike">
-                <a:solidFill>
-                  <a:srgbClr val="000000"/>
-                </a:solidFill>
-                <a:uFill>
-                  <a:solidFill>
-                    <a:srgbClr val="ffffff"/>
-                  </a:solidFill>
-                </a:uFill>
-                <a:latin typeface="Arial"/>
-                <a:ea typeface="Noto Sans CJK SC Regular"/>
-              </a:rPr>
-              <a:t>) </a:t>
-            </a:r>
-            <a:r>
-              <a:rPr b="0" lang="en-US" sz="1600" spc="-1" strike="noStrike">
-                <a:solidFill>
-                  <a:srgbClr val="000000"/>
-                </a:solidFill>
-                <a:uFill>
-                  <a:solidFill>
-                    <a:srgbClr val="ffffff"/>
-                  </a:solidFill>
-                </a:uFill>
-                <a:latin typeface="Arial"/>
-                <a:ea typeface="Noto Sans CJK SC Regular"/>
-              </a:rPr>
-              <a:t>로 나눌 수 있다</a:t>
-            </a:r>
-            <a:r>
-              <a:rPr b="0" lang="en-US" sz="1600" spc="-1" strike="noStrike">
-                <a:solidFill>
-                  <a:srgbClr val="000000"/>
-                </a:solidFill>
-                <a:uFill>
-                  <a:solidFill>
-                    <a:srgbClr val="ffffff"/>
-                  </a:solidFill>
-                </a:uFill>
-                <a:latin typeface="Arial"/>
-                <a:ea typeface="Noto Sans CJK SC Regular"/>
-              </a:rPr>
-              <a:t>. </a:t>
-            </a:r>
-            <a:endParaRPr b="0" lang="en-US" sz="1800" spc="-1" strike="noStrike">
-              <a:solidFill>
-                <a:srgbClr val="000000"/>
-              </a:solidFill>
-              <a:uFill>
-                <a:solidFill>
-                  <a:srgbClr val="ffffff"/>
-                </a:solidFill>
-              </a:uFill>
-              <a:latin typeface="Arial"/>
-            </a:endParaRPr>
-          </a:p>
-          <a:p>
-            <a:r>
-              <a:rPr b="0" lang="en-US" sz="1600" spc="-1" strike="noStrike">
-                <a:solidFill>
-                  <a:srgbClr val="000000"/>
-                </a:solidFill>
-                <a:uFill>
-                  <a:solidFill>
-                    <a:srgbClr val="ffffff"/>
-                  </a:solidFill>
-                </a:uFill>
-                <a:latin typeface="Arial"/>
-                <a:ea typeface="Noto Sans CJK SC Regular"/>
-              </a:rPr>
-              <a:t>checkup </a:t>
-            </a:r>
-            <a:r>
-              <a:rPr b="0" lang="en-US" sz="1600" spc="-1" strike="noStrike">
-                <a:solidFill>
-                  <a:srgbClr val="000000"/>
-                </a:solidFill>
-                <a:uFill>
-                  <a:solidFill>
-                    <a:srgbClr val="ffffff"/>
-                  </a:solidFill>
-                </a:uFill>
-                <a:latin typeface="Arial"/>
-                <a:ea typeface="Noto Sans CJK SC Regular"/>
-              </a:rPr>
-              <a:t>은 한번 </a:t>
-            </a:r>
-            <a:r>
-              <a:rPr b="0" lang="en-US" sz="1600" spc="-1" strike="noStrike">
-                <a:solidFill>
-                  <a:srgbClr val="000000"/>
-                </a:solidFill>
-                <a:uFill>
-                  <a:solidFill>
-                    <a:srgbClr val="ffffff"/>
-                  </a:solidFill>
-                </a:uFill>
-                <a:latin typeface="Arial"/>
-                <a:ea typeface="Noto Sans CJK SC Regular"/>
-              </a:rPr>
-              <a:t>hot data</a:t>
-            </a:r>
-            <a:r>
-              <a:rPr b="0" lang="en-US" sz="1600" spc="-1" strike="noStrike">
-                <a:solidFill>
-                  <a:srgbClr val="000000"/>
-                </a:solidFill>
-                <a:uFill>
-                  <a:solidFill>
-                    <a:srgbClr val="ffffff"/>
-                  </a:solidFill>
-                </a:uFill>
-                <a:latin typeface="Arial"/>
-                <a:ea typeface="Noto Sans CJK SC Regular"/>
-              </a:rPr>
-              <a:t>로 인식된 경우 해당 </a:t>
-            </a:r>
-            <a:r>
-              <a:rPr b="0" lang="en-US" sz="1600" spc="-1" strike="noStrike">
-                <a:solidFill>
-                  <a:srgbClr val="000000"/>
-                </a:solidFill>
-                <a:uFill>
-                  <a:solidFill>
-                    <a:srgbClr val="ffffff"/>
-                  </a:solidFill>
-                </a:uFill>
-                <a:latin typeface="Arial"/>
-                <a:ea typeface="Noto Sans CJK SC Regular"/>
-              </a:rPr>
-              <a:t>LBA </a:t>
-            </a:r>
-            <a:r>
-              <a:rPr b="0" lang="en-US" sz="1600" spc="-1" strike="noStrike">
-                <a:solidFill>
-                  <a:srgbClr val="000000"/>
-                </a:solidFill>
-                <a:uFill>
-                  <a:solidFill>
-                    <a:srgbClr val="ffffff"/>
-                  </a:solidFill>
-                </a:uFill>
-                <a:latin typeface="Arial"/>
-                <a:ea typeface="Noto Sans CJK SC Regular"/>
-              </a:rPr>
-              <a:t>정보를 해시 테이블에 저장해서 더 이상의 연산을 </a:t>
-            </a:r>
-            <a:endParaRPr b="0" lang="en-US" sz="1800" spc="-1" strike="noStrike">
-              <a:solidFill>
-                <a:srgbClr val="000000"/>
-              </a:solidFill>
-              <a:uFill>
-                <a:solidFill>
-                  <a:srgbClr val="ffffff"/>
-                </a:solidFill>
-              </a:uFill>
-              <a:latin typeface="Arial"/>
-            </a:endParaRPr>
-          </a:p>
-          <a:p>
-            <a:r>
-              <a:rPr b="0" lang="en-US" sz="1600" spc="-1" strike="noStrike">
-                <a:solidFill>
-                  <a:srgbClr val="000000"/>
-                </a:solidFill>
-                <a:uFill>
-                  <a:solidFill>
-                    <a:srgbClr val="ffffff"/>
-                  </a:solidFill>
-                </a:uFill>
-                <a:latin typeface="Arial"/>
-                <a:ea typeface="Noto Sans CJK SC Regular"/>
-              </a:rPr>
-              <a:t>하지 않는 방식으로 </a:t>
-            </a:r>
-            <a:r>
-              <a:rPr b="0" lang="en-US" sz="1600" spc="-1" strike="noStrike">
-                <a:solidFill>
-                  <a:srgbClr val="000000"/>
-                </a:solidFill>
-                <a:uFill>
-                  <a:solidFill>
-                    <a:srgbClr val="ffffff"/>
-                  </a:solidFill>
-                </a:uFill>
-                <a:latin typeface="Arial"/>
-                <a:ea typeface="Noto Sans CJK SC Regular"/>
-              </a:rPr>
-              <a:t>cpu cycle</a:t>
-            </a:r>
-            <a:r>
-              <a:rPr b="0" lang="en-US" sz="1600" spc="-1" strike="noStrike">
-                <a:solidFill>
-                  <a:srgbClr val="000000"/>
-                </a:solidFill>
-                <a:uFill>
-                  <a:solidFill>
-                    <a:srgbClr val="ffffff"/>
-                  </a:solidFill>
-                </a:uFill>
-                <a:latin typeface="Arial"/>
-                <a:ea typeface="Noto Sans CJK SC Regular"/>
-              </a:rPr>
-              <a:t>을 절약할 수 있다</a:t>
-            </a:r>
-            <a:r>
-              <a:rPr b="0" lang="en-US" sz="1600" spc="-1" strike="noStrike">
-                <a:solidFill>
-                  <a:srgbClr val="000000"/>
-                </a:solidFill>
-                <a:uFill>
-                  <a:solidFill>
-                    <a:srgbClr val="ffffff"/>
-                  </a:solidFill>
-                </a:uFill>
-                <a:latin typeface="Arial"/>
-                <a:ea typeface="Noto Sans CJK SC Regular"/>
-              </a:rPr>
-              <a:t>. </a:t>
-            </a:r>
-            <a:endParaRPr b="0" lang="en-US" sz="1800" spc="-1" strike="noStrike">
-              <a:solidFill>
-                <a:srgbClr val="000000"/>
-              </a:solidFill>
-              <a:uFill>
-                <a:solidFill>
-                  <a:srgbClr val="ffffff"/>
-                </a:solidFill>
-              </a:uFill>
-              <a:latin typeface="Arial"/>
-            </a:endParaRPr>
-          </a:p>
-          <a:p>
-            <a:r>
-              <a:rPr b="0" lang="en-US" sz="1600" spc="-1" strike="noStrike">
-                <a:solidFill>
-                  <a:srgbClr val="000000"/>
-                </a:solidFill>
-                <a:uFill>
-                  <a:solidFill>
-                    <a:srgbClr val="ffffff"/>
-                  </a:solidFill>
-                </a:uFill>
-                <a:latin typeface="Arial"/>
-                <a:ea typeface="Noto Sans CJK SC Regular"/>
-              </a:rPr>
-              <a:t>decay </a:t>
-            </a:r>
-            <a:r>
-              <a:rPr b="0" lang="en-US" sz="1600" spc="-1" strike="noStrike">
-                <a:solidFill>
-                  <a:srgbClr val="000000"/>
-                </a:solidFill>
-                <a:uFill>
-                  <a:solidFill>
-                    <a:srgbClr val="ffffff"/>
-                  </a:solidFill>
-                </a:uFill>
-                <a:latin typeface="Arial"/>
-                <a:ea typeface="Noto Sans CJK SC Regular"/>
-              </a:rPr>
-              <a:t>에서 </a:t>
-            </a:r>
-            <a:r>
-              <a:rPr b="0" lang="en-US" sz="1600" spc="-1" strike="noStrike">
-                <a:solidFill>
-                  <a:srgbClr val="000000"/>
-                </a:solidFill>
-                <a:uFill>
-                  <a:solidFill>
-                    <a:srgbClr val="ffffff"/>
-                  </a:solidFill>
-                </a:uFill>
-                <a:latin typeface="Arial"/>
-                <a:ea typeface="Noto Sans CJK SC Regular"/>
-              </a:rPr>
-              <a:t>MHF </a:t>
-            </a:r>
-            <a:r>
-              <a:rPr b="0" lang="en-US" sz="1600" spc="-1" strike="noStrike">
-                <a:solidFill>
-                  <a:srgbClr val="000000"/>
-                </a:solidFill>
-                <a:uFill>
-                  <a:solidFill>
-                    <a:srgbClr val="ffffff"/>
-                  </a:solidFill>
-                </a:uFill>
-                <a:latin typeface="Arial"/>
-                <a:ea typeface="Noto Sans CJK SC Regular"/>
-              </a:rPr>
-              <a:t>방식은 </a:t>
-            </a:r>
-            <a:r>
-              <a:rPr b="0" lang="en-US" sz="1600" spc="-1" strike="noStrike">
-                <a:solidFill>
-                  <a:srgbClr val="000000"/>
-                </a:solidFill>
-                <a:uFill>
-                  <a:solidFill>
-                    <a:srgbClr val="ffffff"/>
-                  </a:solidFill>
-                </a:uFill>
-                <a:latin typeface="Arial"/>
-                <a:ea typeface="Noto Sans CJK SC Regular"/>
-              </a:rPr>
-              <a:t>4096</a:t>
-            </a:r>
-            <a:r>
-              <a:rPr b="0" lang="en-US" sz="1600" spc="-1" strike="noStrike">
-                <a:solidFill>
-                  <a:srgbClr val="000000"/>
-                </a:solidFill>
-                <a:uFill>
-                  <a:solidFill>
-                    <a:srgbClr val="ffffff"/>
-                  </a:solidFill>
-                </a:uFill>
-                <a:latin typeface="Arial"/>
-                <a:ea typeface="Noto Sans CJK SC Regular"/>
-              </a:rPr>
-              <a:t>개의 엔트리 </a:t>
-            </a:r>
-            <a:r>
-              <a:rPr b="0" lang="en-US" sz="1600" spc="-1" strike="noStrike">
-                <a:solidFill>
-                  <a:srgbClr val="000000"/>
-                </a:solidFill>
-                <a:uFill>
-                  <a:solidFill>
-                    <a:srgbClr val="ffffff"/>
-                  </a:solidFill>
-                </a:uFill>
-                <a:latin typeface="Arial"/>
-                <a:ea typeface="Noto Sans CJK SC Regular"/>
-              </a:rPr>
-              <a:t>* 4 bits </a:t>
-            </a:r>
-            <a:r>
-              <a:rPr b="0" lang="en-US" sz="1600" spc="-1" strike="noStrike">
-                <a:solidFill>
-                  <a:srgbClr val="000000"/>
-                </a:solidFill>
-                <a:uFill>
-                  <a:solidFill>
-                    <a:srgbClr val="ffffff"/>
-                  </a:solidFill>
-                </a:uFill>
-                <a:latin typeface="Arial"/>
-                <a:ea typeface="Noto Sans CJK SC Regular"/>
-              </a:rPr>
-              <a:t>만큼 연산해야 하므로 </a:t>
-            </a:r>
-            <a:r>
-              <a:rPr b="0" lang="en-US" sz="1600" spc="-1" strike="noStrike">
-                <a:solidFill>
-                  <a:srgbClr val="000000"/>
-                </a:solidFill>
-                <a:uFill>
-                  <a:solidFill>
-                    <a:srgbClr val="ffffff"/>
-                  </a:solidFill>
-                </a:uFill>
-                <a:latin typeface="Arial"/>
-                <a:ea typeface="Noto Sans CJK SC Regular"/>
-              </a:rPr>
-              <a:t>MBF </a:t>
-            </a:r>
-            <a:r>
-              <a:rPr b="0" lang="en-US" sz="1600" spc="-1" strike="noStrike">
-                <a:solidFill>
-                  <a:srgbClr val="000000"/>
-                </a:solidFill>
-                <a:uFill>
-                  <a:solidFill>
-                    <a:srgbClr val="ffffff"/>
-                  </a:solidFill>
-                </a:uFill>
-                <a:latin typeface="Arial"/>
-                <a:ea typeface="Noto Sans CJK SC Regular"/>
-              </a:rPr>
-              <a:t>방식에서 </a:t>
-            </a:r>
-            <a:r>
-              <a:rPr b="0" lang="en-US" sz="1600" spc="-1" strike="noStrike">
-                <a:solidFill>
-                  <a:srgbClr val="000000"/>
-                </a:solidFill>
-                <a:uFill>
-                  <a:solidFill>
-                    <a:srgbClr val="ffffff"/>
-                  </a:solidFill>
-                </a:uFill>
-                <a:latin typeface="Arial"/>
-                <a:ea typeface="Noto Sans CJK SC Regular"/>
-              </a:rPr>
-              <a:t>2048 </a:t>
-            </a:r>
-            <a:r>
-              <a:rPr b="0" lang="en-US" sz="1600" spc="-1" strike="noStrike">
-                <a:solidFill>
-                  <a:srgbClr val="000000"/>
-                </a:solidFill>
-                <a:uFill>
-                  <a:solidFill>
-                    <a:srgbClr val="ffffff"/>
-                  </a:solidFill>
-                </a:uFill>
-                <a:latin typeface="Arial"/>
-                <a:ea typeface="Noto Sans CJK SC Regular"/>
-              </a:rPr>
-              <a:t>개의 </a:t>
-            </a:r>
-            <a:endParaRPr b="0" lang="en-US" sz="1800" spc="-1" strike="noStrike">
-              <a:solidFill>
-                <a:srgbClr val="000000"/>
-              </a:solidFill>
-              <a:uFill>
-                <a:solidFill>
-                  <a:srgbClr val="ffffff"/>
-                </a:solidFill>
-              </a:uFill>
-              <a:latin typeface="Arial"/>
-            </a:endParaRPr>
-          </a:p>
-          <a:p>
-            <a:r>
-              <a:rPr b="0" lang="en-US" sz="1600" spc="-1" strike="noStrike">
-                <a:solidFill>
-                  <a:srgbClr val="000000"/>
-                </a:solidFill>
-                <a:uFill>
-                  <a:solidFill>
-                    <a:srgbClr val="ffffff"/>
-                  </a:solidFill>
-                </a:uFill>
-                <a:latin typeface="Arial"/>
-                <a:ea typeface="Noto Sans CJK SC Regular"/>
-              </a:rPr>
-              <a:t>엔트리만 </a:t>
-            </a:r>
-            <a:r>
-              <a:rPr b="0" lang="en-US" sz="1600" spc="-1" strike="noStrike">
-                <a:solidFill>
-                  <a:srgbClr val="000000"/>
-                </a:solidFill>
-                <a:uFill>
-                  <a:solidFill>
-                    <a:srgbClr val="ffffff"/>
-                  </a:solidFill>
-                </a:uFill>
-                <a:latin typeface="Arial"/>
-                <a:ea typeface="Noto Sans CJK SC Regular"/>
-              </a:rPr>
-              <a:t>reset to 0 </a:t>
-            </a:r>
-            <a:r>
-              <a:rPr b="0" lang="en-US" sz="1600" spc="-1" strike="noStrike">
-                <a:solidFill>
-                  <a:srgbClr val="000000"/>
-                </a:solidFill>
-                <a:uFill>
-                  <a:solidFill>
-                    <a:srgbClr val="ffffff"/>
-                  </a:solidFill>
-                </a:uFill>
-                <a:latin typeface="Arial"/>
-                <a:ea typeface="Noto Sans CJK SC Regular"/>
-              </a:rPr>
-              <a:t>하는 것보다 오버헤드가 많을 수 밖에 없다</a:t>
-            </a:r>
-            <a:r>
-              <a:rPr b="0" lang="en-US" sz="1600" spc="-1" strike="noStrike">
-                <a:solidFill>
-                  <a:srgbClr val="000000"/>
-                </a:solidFill>
-                <a:uFill>
-                  <a:solidFill>
-                    <a:srgbClr val="ffffff"/>
-                  </a:solidFill>
-                </a:uFill>
-                <a:latin typeface="Arial"/>
-                <a:ea typeface="Noto Sans CJK SC Regular"/>
-              </a:rPr>
-              <a:t>. (figure 12) </a:t>
+              <a:t>를 </a:t>
+            </a:r>
+            <a:r>
+              <a:rPr b="0" lang="en-US" sz="1600" spc="-1" strike="noStrike">
+                <a:solidFill>
+                  <a:srgbClr val="000000"/>
+                </a:solidFill>
+                <a:uFill>
+                  <a:solidFill>
+                    <a:srgbClr val="ffffff"/>
+                  </a:solidFill>
+                </a:uFill>
+                <a:latin typeface="Arial"/>
+                <a:ea typeface="Noto Sans CJK SC Regular"/>
+              </a:rPr>
+              <a:t>'hot data'</a:t>
+            </a:r>
+            <a:r>
+              <a:rPr b="0" lang="en-US" sz="1600" spc="-1" strike="noStrike">
+                <a:solidFill>
+                  <a:srgbClr val="000000"/>
+                </a:solidFill>
+                <a:uFill>
+                  <a:solidFill>
+                    <a:srgbClr val="ffffff"/>
+                  </a:solidFill>
+                </a:uFill>
+                <a:latin typeface="Arial"/>
+                <a:ea typeface="Noto Sans CJK SC Regular"/>
+              </a:rPr>
+              <a:t>로 포함시켜서 효율적으로 작동했다</a:t>
+            </a:r>
+            <a:r>
+              <a:rPr b="0" lang="en-US" sz="1600" spc="-1" strike="noStrike">
+                <a:solidFill>
+                  <a:srgbClr val="000000"/>
+                </a:solidFill>
+                <a:uFill>
+                  <a:solidFill>
+                    <a:srgbClr val="ffffff"/>
+                  </a:solidFill>
+                </a:uFill>
+                <a:latin typeface="Arial"/>
+                <a:ea typeface="Noto Sans CJK SC Regular"/>
+              </a:rPr>
+              <a:t>.</a:t>
             </a:r>
             <a:endParaRPr b="0" lang="en-US" sz="1800" spc="-1" strike="noStrike">
               <a:solidFill>
@@ -10491,7 +10524,7 @@
       </p:sp>
       <p:pic>
         <p:nvPicPr>
-          <p:cNvPr id="87" name="" descr=""/>
+          <p:cNvPr id="85" name="" descr=""/>
           <p:cNvPicPr/>
           <p:nvPr/>
         </p:nvPicPr>
@@ -10501,8 +10534,8 @@
         </p:blipFill>
         <p:spPr>
           <a:xfrm>
-            <a:off x="2193120" y="4149360"/>
-            <a:ext cx="5762160" cy="2800080"/>
+            <a:off x="604080" y="3474720"/>
+            <a:ext cx="8869680" cy="4179600"/>
           </a:xfrm>
           <a:prstGeom prst="rect">
             <a:avLst/>
@@ -10596,7 +10629,7 @@
                 </a:uFill>
                 <a:latin typeface="Arial"/>
               </a:rPr>
-              <a:t>Background Information</a:t>
+              <a:t>Background</a:t>
             </a:r>
             <a:endParaRPr b="0" lang="en-US" sz="4400" spc="-1" strike="noStrike">
               <a:solidFill>
@@ -11942,7 +11975,7 @@
       </p:grpSpPr>
       <p:sp>
         <p:nvSpPr>
-          <p:cNvPr id="88" name="TextShape 1"/>
+          <p:cNvPr id="86" name="TextShape 1"/>
           <p:cNvSpPr txBox="1"/>
           <p:nvPr/>
         </p:nvSpPr>
@@ -11993,14 +12026,14 @@
       </p:sp>
       <p:sp>
         <p:nvSpPr>
-          <p:cNvPr id="89" name="TextShape 2"/>
+          <p:cNvPr id="87" name="TextShape 2"/>
           <p:cNvSpPr txBox="1"/>
           <p:nvPr/>
         </p:nvSpPr>
         <p:spPr>
           <a:xfrm>
             <a:off x="432000" y="1457280"/>
-            <a:ext cx="9097200" cy="995400"/>
+            <a:ext cx="9097200" cy="3107160"/>
           </a:xfrm>
           <a:prstGeom prst="rect">
             <a:avLst/>
@@ -12026,22 +12059,378 @@
                 <a:latin typeface="Arial"/>
                 <a:ea typeface="Noto Sans CJK SC Regular"/>
               </a:rPr>
-              <a:t>memory size </a:t>
-            </a:r>
-            <a:r>
-              <a:rPr b="0" lang="en-US" sz="1600" spc="-1" strike="noStrike">
-                <a:solidFill>
-                  <a:srgbClr val="000000"/>
-                </a:solidFill>
-                <a:uFill>
-                  <a:solidFill>
-                    <a:srgbClr val="ffffff"/>
-                  </a:solidFill>
-                </a:uFill>
-                <a:latin typeface="Arial"/>
-                <a:ea typeface="Noto Sans CJK SC Regular"/>
-              </a:rPr>
-              <a:t>관점에서는 </a:t>
+              <a:t>B) Scheme </a:t>
+            </a:r>
+            <a:r>
+              <a:rPr b="1" lang="en-US" sz="1600" spc="-1" strike="noStrike">
+                <a:solidFill>
+                  <a:srgbClr val="000000"/>
+                </a:solidFill>
+                <a:uFill>
+                  <a:solidFill>
+                    <a:srgbClr val="ffffff"/>
+                  </a:solidFill>
+                </a:uFill>
+                <a:latin typeface="Arial"/>
+                <a:ea typeface="Noto Sans CJK SC Regular"/>
+              </a:rPr>
+              <a:t>성능 비교 </a:t>
+            </a:r>
+            <a:r>
+              <a:rPr b="1" lang="en-US" sz="1600" spc="-1" strike="noStrike">
+                <a:solidFill>
+                  <a:srgbClr val="000000"/>
+                </a:solidFill>
+                <a:uFill>
+                  <a:solidFill>
+                    <a:srgbClr val="ffffff"/>
+                  </a:solidFill>
+                </a:uFill>
+                <a:latin typeface="Arial"/>
+                <a:ea typeface="Noto Sans CJK SC Regular"/>
+              </a:rPr>
+              <a:t>(MBF vs MHF)</a:t>
+            </a:r>
+            <a:endParaRPr b="0" lang="en-US" sz="1800" spc="-1" strike="noStrike">
+              <a:solidFill>
+                <a:srgbClr val="000000"/>
+              </a:solidFill>
+              <a:uFill>
+                <a:solidFill>
+                  <a:srgbClr val="ffffff"/>
+                </a:solidFill>
+              </a:uFill>
+              <a:latin typeface="Arial"/>
+            </a:endParaRPr>
+          </a:p>
+          <a:p>
+            <a:r>
+              <a:rPr b="0" lang="en-US" sz="1600" spc="-1" strike="noStrike">
+                <a:solidFill>
+                  <a:srgbClr val="000000"/>
+                </a:solidFill>
+                <a:uFill>
+                  <a:solidFill>
+                    <a:srgbClr val="ffffff"/>
+                  </a:solidFill>
+                </a:uFill>
+                <a:latin typeface="Arial"/>
+                <a:ea typeface="Noto Sans CJK SC Regular"/>
+              </a:rPr>
+              <a:t>  </a:t>
+            </a:r>
+            <a:r>
+              <a:rPr b="0" lang="en-US" sz="1600" spc="-1" strike="noStrike">
+                <a:solidFill>
+                  <a:srgbClr val="000000"/>
+                </a:solidFill>
+                <a:uFill>
+                  <a:solidFill>
+                    <a:srgbClr val="ffffff"/>
+                  </a:solidFill>
+                </a:uFill>
+                <a:latin typeface="Arial"/>
+                <a:ea typeface="Noto Sans CJK SC Regular"/>
+              </a:rPr>
+              <a:t>기존의 </a:t>
+            </a:r>
+            <a:r>
+              <a:rPr b="0" lang="en-US" sz="1600" spc="-1" strike="noStrike">
+                <a:solidFill>
+                  <a:srgbClr val="000000"/>
+                </a:solidFill>
+                <a:uFill>
+                  <a:solidFill>
+                    <a:srgbClr val="ffffff"/>
+                  </a:solidFill>
+                </a:uFill>
+                <a:latin typeface="Arial"/>
+                <a:ea typeface="Noto Sans CJK SC Regular"/>
+              </a:rPr>
+              <a:t>MHF </a:t>
+            </a:r>
+            <a:r>
+              <a:rPr b="0" lang="en-US" sz="1600" spc="-1" strike="noStrike">
+                <a:solidFill>
+                  <a:srgbClr val="000000"/>
+                </a:solidFill>
+                <a:uFill>
+                  <a:solidFill>
+                    <a:srgbClr val="ffffff"/>
+                  </a:solidFill>
+                </a:uFill>
+                <a:latin typeface="Arial"/>
+                <a:ea typeface="Noto Sans CJK SC Regular"/>
+              </a:rPr>
+              <a:t>방식은 </a:t>
+            </a:r>
+            <a:r>
+              <a:rPr b="0" lang="en-US" sz="1600" spc="-1" strike="noStrike">
+                <a:solidFill>
+                  <a:srgbClr val="000000"/>
+                </a:solidFill>
+                <a:uFill>
+                  <a:solidFill>
+                    <a:srgbClr val="ffffff"/>
+                  </a:solidFill>
+                </a:uFill>
+                <a:latin typeface="Arial"/>
+                <a:ea typeface="Noto Sans CJK SC Regular"/>
+              </a:rPr>
+              <a:t>hash collision </a:t>
+            </a:r>
+            <a:r>
+              <a:rPr b="0" lang="en-US" sz="1600" spc="-1" strike="noStrike">
+                <a:solidFill>
+                  <a:srgbClr val="000000"/>
+                </a:solidFill>
+                <a:uFill>
+                  <a:solidFill>
+                    <a:srgbClr val="ffffff"/>
+                  </a:solidFill>
+                </a:uFill>
+                <a:latin typeface="Arial"/>
+                <a:ea typeface="Noto Sans CJK SC Regular"/>
+              </a:rPr>
+              <a:t>을 막을 수 없기 때문에 시간이 지날수록 </a:t>
+            </a:r>
+            <a:r>
+              <a:rPr b="0" lang="en-US" sz="1600" spc="-1" strike="noStrike">
+                <a:solidFill>
+                  <a:srgbClr val="000000"/>
+                </a:solidFill>
+                <a:uFill>
+                  <a:solidFill>
+                    <a:srgbClr val="ffffff"/>
+                  </a:solidFill>
+                </a:uFill>
+                <a:latin typeface="Arial"/>
+                <a:ea typeface="Noto Sans CJK SC Regular"/>
+              </a:rPr>
+              <a:t>false identification rate</a:t>
+            </a:r>
+            <a:r>
+              <a:rPr b="0" lang="en-US" sz="1600" spc="-1" strike="noStrike">
+                <a:solidFill>
+                  <a:srgbClr val="000000"/>
+                </a:solidFill>
+                <a:uFill>
+                  <a:solidFill>
+                    <a:srgbClr val="ffffff"/>
+                  </a:solidFill>
+                </a:uFill>
+                <a:latin typeface="Arial"/>
+                <a:ea typeface="Noto Sans CJK SC Regular"/>
+              </a:rPr>
+              <a:t>가 높아질 수 밖에 없다</a:t>
+            </a:r>
+            <a:r>
+              <a:rPr b="0" lang="en-US" sz="1600" spc="-1" strike="noStrike">
+                <a:solidFill>
+                  <a:srgbClr val="000000"/>
+                </a:solidFill>
+                <a:uFill>
+                  <a:solidFill>
+                    <a:srgbClr val="ffffff"/>
+                  </a:solidFill>
+                </a:uFill>
+                <a:latin typeface="Arial"/>
+                <a:ea typeface="Noto Sans CJK SC Regular"/>
+              </a:rPr>
+              <a:t>. cold data </a:t>
+            </a:r>
+            <a:r>
+              <a:rPr b="0" lang="en-US" sz="1600" spc="-1" strike="noStrike">
+                <a:solidFill>
+                  <a:srgbClr val="000000"/>
+                </a:solidFill>
+                <a:uFill>
+                  <a:solidFill>
+                    <a:srgbClr val="ffffff"/>
+                  </a:solidFill>
+                </a:uFill>
+                <a:latin typeface="Arial"/>
+                <a:ea typeface="Noto Sans CJK SC Regular"/>
+              </a:rPr>
+              <a:t>위주로만 </a:t>
+            </a:r>
+            <a:r>
+              <a:rPr b="0" lang="en-US" sz="1600" spc="-1" strike="noStrike">
+                <a:solidFill>
+                  <a:srgbClr val="000000"/>
+                </a:solidFill>
+                <a:uFill>
+                  <a:solidFill>
+                    <a:srgbClr val="ffffff"/>
+                  </a:solidFill>
+                </a:uFill>
+                <a:latin typeface="Arial"/>
+                <a:ea typeface="Noto Sans CJK SC Regular"/>
+              </a:rPr>
+              <a:t>I/O Request </a:t>
+            </a:r>
+            <a:r>
+              <a:rPr b="0" lang="en-US" sz="1600" spc="-1" strike="noStrike">
+                <a:solidFill>
+                  <a:srgbClr val="000000"/>
+                </a:solidFill>
+                <a:uFill>
+                  <a:solidFill>
+                    <a:srgbClr val="ffffff"/>
+                  </a:solidFill>
+                </a:uFill>
+                <a:latin typeface="Arial"/>
+                <a:ea typeface="Noto Sans CJK SC Regular"/>
+              </a:rPr>
+              <a:t>가 일어나더라도 </a:t>
+            </a:r>
+            <a:r>
+              <a:rPr b="0" lang="en-US" sz="1600" spc="-1" strike="noStrike">
+                <a:solidFill>
+                  <a:srgbClr val="000000"/>
+                </a:solidFill>
+                <a:uFill>
+                  <a:solidFill>
+                    <a:srgbClr val="ffffff"/>
+                  </a:solidFill>
+                </a:uFill>
+                <a:latin typeface="Arial"/>
+                <a:ea typeface="Noto Sans CJK SC Regular"/>
+              </a:rPr>
+              <a:t>hot ratio</a:t>
+            </a:r>
+            <a:r>
+              <a:rPr b="0" lang="en-US" sz="1600" spc="-1" strike="noStrike">
+                <a:solidFill>
+                  <a:srgbClr val="000000"/>
+                </a:solidFill>
+                <a:uFill>
+                  <a:solidFill>
+                    <a:srgbClr val="ffffff"/>
+                  </a:solidFill>
+                </a:uFill>
+                <a:latin typeface="Arial"/>
+                <a:ea typeface="Noto Sans CJK SC Regular"/>
+              </a:rPr>
+              <a:t>가 점진적으로 증가하기 때문이다</a:t>
+            </a:r>
+            <a:r>
+              <a:rPr b="0" lang="en-US" sz="1600" spc="-1" strike="noStrike">
+                <a:solidFill>
+                  <a:srgbClr val="000000"/>
+                </a:solidFill>
+                <a:uFill>
+                  <a:solidFill>
+                    <a:srgbClr val="ffffff"/>
+                  </a:solidFill>
+                </a:uFill>
+                <a:latin typeface="Arial"/>
+                <a:ea typeface="Noto Sans CJK SC Regular"/>
+              </a:rPr>
+              <a:t>. </a:t>
+            </a:r>
+            <a:r>
+              <a:rPr b="0" lang="en-US" sz="1600" spc="-1" strike="noStrike">
+                <a:solidFill>
+                  <a:srgbClr val="000000"/>
+                </a:solidFill>
+                <a:uFill>
+                  <a:solidFill>
+                    <a:srgbClr val="ffffff"/>
+                  </a:solidFill>
+                </a:uFill>
+                <a:latin typeface="Arial"/>
+                <a:ea typeface="Noto Sans CJK SC Regular"/>
+              </a:rPr>
+              <a:t>이에 대한 해결책으로 해시 테이블을 증가시키거나 일정한 간격으로 </a:t>
+            </a:r>
+            <a:r>
+              <a:rPr b="0" lang="en-US" sz="1600" spc="-1" strike="noStrike">
+                <a:solidFill>
+                  <a:srgbClr val="000000"/>
+                </a:solidFill>
+                <a:uFill>
+                  <a:solidFill>
+                    <a:srgbClr val="ffffff"/>
+                  </a:solidFill>
+                </a:uFill>
+                <a:latin typeface="Arial"/>
+                <a:ea typeface="Noto Sans CJK SC Regular"/>
+              </a:rPr>
+              <a:t>decay </a:t>
+            </a:r>
+            <a:r>
+              <a:rPr b="0" lang="en-US" sz="1600" spc="-1" strike="noStrike">
+                <a:solidFill>
+                  <a:srgbClr val="000000"/>
+                </a:solidFill>
+                <a:uFill>
+                  <a:solidFill>
+                    <a:srgbClr val="ffffff"/>
+                  </a:solidFill>
+                </a:uFill>
+                <a:latin typeface="Arial"/>
+                <a:ea typeface="Noto Sans CJK SC Regular"/>
+              </a:rPr>
+              <a:t>를 할지라도 이런 아이디어가 본질적인 해결책이 되지 못한다</a:t>
+            </a:r>
+            <a:r>
+              <a:rPr b="0" lang="en-US" sz="1600" spc="-1" strike="noStrike">
+                <a:solidFill>
+                  <a:srgbClr val="000000"/>
+                </a:solidFill>
+                <a:uFill>
+                  <a:solidFill>
+                    <a:srgbClr val="ffffff"/>
+                  </a:solidFill>
+                </a:uFill>
+                <a:latin typeface="Arial"/>
+                <a:ea typeface="Noto Sans CJK SC Regular"/>
+              </a:rPr>
+              <a:t>.</a:t>
+            </a:r>
+            <a:endParaRPr b="0" lang="en-US" sz="1800" spc="-1" strike="noStrike">
+              <a:solidFill>
+                <a:srgbClr val="000000"/>
+              </a:solidFill>
+              <a:uFill>
+                <a:solidFill>
+                  <a:srgbClr val="ffffff"/>
+                </a:solidFill>
+              </a:uFill>
+              <a:latin typeface="Arial"/>
+            </a:endParaRPr>
+          </a:p>
+          <a:p>
+            <a:r>
+              <a:rPr b="0" lang="en-US" sz="1600" spc="-1" strike="noStrike">
+                <a:solidFill>
+                  <a:srgbClr val="000000"/>
+                </a:solidFill>
+                <a:uFill>
+                  <a:solidFill>
+                    <a:srgbClr val="ffffff"/>
+                  </a:solidFill>
+                </a:uFill>
+                <a:latin typeface="Arial"/>
+                <a:ea typeface="Noto Sans CJK SC Regular"/>
+              </a:rPr>
+              <a:t>  </a:t>
+            </a:r>
+            <a:r>
+              <a:rPr b="0" lang="en-US" sz="1600" spc="-1" strike="noStrike">
+                <a:solidFill>
+                  <a:srgbClr val="000000"/>
+                </a:solidFill>
+                <a:uFill>
+                  <a:solidFill>
+                    <a:srgbClr val="ffffff"/>
+                  </a:solidFill>
+                </a:uFill>
+                <a:latin typeface="Arial"/>
+                <a:ea typeface="Noto Sans CJK SC Regular"/>
+              </a:rPr>
+              <a:t>이에 반해 </a:t>
             </a:r>
             <a:r>
               <a:rPr b="0" lang="en-US" sz="1600" spc="-1" strike="noStrike">
@@ -12071,7 +12460,275 @@
                 <a:latin typeface="Arial"/>
                 <a:ea typeface="Noto Sans CJK SC Regular"/>
               </a:rPr>
-              <a:t>방식이 </a:t>
+              <a:t>방식은 </a:t>
+            </a:r>
+            <a:r>
+              <a:rPr b="0" lang="en-US" sz="1600" spc="-1" strike="noStrike">
+                <a:solidFill>
+                  <a:srgbClr val="000000"/>
+                </a:solidFill>
+                <a:uFill>
+                  <a:solidFill>
+                    <a:srgbClr val="ffffff"/>
+                  </a:solidFill>
+                </a:uFill>
+                <a:latin typeface="Arial"/>
+                <a:ea typeface="Noto Sans CJK SC Regular"/>
+              </a:rPr>
+              <a:t>threashold value</a:t>
+            </a:r>
+            <a:r>
+              <a:rPr b="0" lang="en-US" sz="1600" spc="-1" strike="noStrike">
+                <a:solidFill>
+                  <a:srgbClr val="000000"/>
+                </a:solidFill>
+                <a:uFill>
+                  <a:solidFill>
+                    <a:srgbClr val="ffffff"/>
+                  </a:solidFill>
+                </a:uFill>
+                <a:latin typeface="Arial"/>
+                <a:ea typeface="Noto Sans CJK SC Regular"/>
+              </a:rPr>
+              <a:t>를 초과한 </a:t>
+            </a:r>
+            <a:r>
+              <a:rPr b="0" lang="en-US" sz="1600" spc="-1" strike="noStrike">
+                <a:solidFill>
+                  <a:srgbClr val="000000"/>
+                </a:solidFill>
+                <a:uFill>
+                  <a:solidFill>
+                    <a:srgbClr val="ffffff"/>
+                  </a:solidFill>
+                </a:uFill>
+                <a:latin typeface="Arial"/>
+                <a:ea typeface="Noto Sans CJK SC Regular"/>
+              </a:rPr>
+              <a:t>LBA</a:t>
+            </a:r>
+            <a:r>
+              <a:rPr b="0" lang="en-US" sz="1600" spc="-1" strike="noStrike">
+                <a:solidFill>
+                  <a:srgbClr val="000000"/>
+                </a:solidFill>
+                <a:uFill>
+                  <a:solidFill>
+                    <a:srgbClr val="ffffff"/>
+                  </a:solidFill>
+                </a:uFill>
+                <a:latin typeface="Arial"/>
+                <a:ea typeface="Noto Sans CJK SC Regular"/>
+              </a:rPr>
+              <a:t>의 </a:t>
+            </a:r>
+            <a:r>
+              <a:rPr b="0" lang="en-US" sz="1600" spc="-1" strike="noStrike">
+                <a:solidFill>
+                  <a:srgbClr val="000000"/>
+                </a:solidFill>
+                <a:uFill>
+                  <a:solidFill>
+                    <a:srgbClr val="ffffff"/>
+                  </a:solidFill>
+                </a:uFill>
+                <a:latin typeface="Arial"/>
+                <a:ea typeface="Noto Sans CJK SC Regular"/>
+              </a:rPr>
+              <a:t>I/O </a:t>
+            </a:r>
+            <a:r>
+              <a:rPr b="0" lang="en-US" sz="1600" spc="-1" strike="noStrike">
+                <a:solidFill>
+                  <a:srgbClr val="000000"/>
+                </a:solidFill>
+                <a:uFill>
+                  <a:solidFill>
+                    <a:srgbClr val="ffffff"/>
+                  </a:solidFill>
+                </a:uFill>
+                <a:latin typeface="Arial"/>
+                <a:ea typeface="Noto Sans CJK SC Regular"/>
+              </a:rPr>
+              <a:t>요청에 대해서 더 이상 블룸필터의 값을 증가시키지 않으므로 위와 같은 문제는 발생하지 않는 특장점을 지니고 있다</a:t>
+            </a:r>
+            <a:r>
+              <a:rPr b="0" lang="en-US" sz="1600" spc="-1" strike="noStrike">
+                <a:solidFill>
+                  <a:srgbClr val="000000"/>
+                </a:solidFill>
+                <a:uFill>
+                  <a:solidFill>
+                    <a:srgbClr val="ffffff"/>
+                  </a:solidFill>
+                </a:uFill>
+                <a:latin typeface="Arial"/>
+                <a:ea typeface="Noto Sans CJK SC Regular"/>
+              </a:rPr>
+              <a:t>.</a:t>
+            </a:r>
+            <a:endParaRPr b="0" lang="en-US" sz="1800" spc="-1" strike="noStrike">
+              <a:solidFill>
+                <a:srgbClr val="000000"/>
+              </a:solidFill>
+              <a:uFill>
+                <a:solidFill>
+                  <a:srgbClr val="ffffff"/>
+                </a:solidFill>
+              </a:uFill>
+              <a:latin typeface="Arial"/>
+            </a:endParaRPr>
+          </a:p>
+          <a:p>
+            <a:r>
+              <a:rPr b="0" lang="en-US" sz="1600" spc="-1" strike="noStrike">
+                <a:solidFill>
+                  <a:srgbClr val="000000"/>
+                </a:solidFill>
+                <a:uFill>
+                  <a:solidFill>
+                    <a:srgbClr val="ffffff"/>
+                  </a:solidFill>
+                </a:uFill>
+                <a:latin typeface="Arial"/>
+                <a:ea typeface="Noto Sans CJK SC Regular"/>
+              </a:rPr>
+              <a:t>  </a:t>
+            </a:r>
+            <a:r>
+              <a:rPr b="0" lang="en-US" sz="1600" spc="-1" strike="noStrike">
+                <a:solidFill>
+                  <a:srgbClr val="000000"/>
+                </a:solidFill>
+                <a:uFill>
+                  <a:solidFill>
+                    <a:srgbClr val="ffffff"/>
+                  </a:solidFill>
+                </a:uFill>
+                <a:latin typeface="Arial"/>
+                <a:ea typeface="Noto Sans CJK SC Regular"/>
+              </a:rPr>
+              <a:t>실제로 정 결과에서도 새로운 </a:t>
+            </a:r>
+            <a:r>
+              <a:rPr b="0" lang="en-US" sz="1600" spc="-1" strike="noStrike">
+                <a:solidFill>
+                  <a:srgbClr val="000000"/>
+                </a:solidFill>
+                <a:uFill>
+                  <a:solidFill>
+                    <a:srgbClr val="ffffff"/>
+                  </a:solidFill>
+                </a:uFill>
+                <a:latin typeface="Arial"/>
+                <a:ea typeface="Noto Sans CJK SC Regular"/>
+              </a:rPr>
+              <a:t>MBF </a:t>
+            </a:r>
+            <a:r>
+              <a:rPr b="0" lang="en-US" sz="1600" spc="-1" strike="noStrike">
+                <a:solidFill>
+                  <a:srgbClr val="000000"/>
+                </a:solidFill>
+                <a:uFill>
+                  <a:solidFill>
+                    <a:srgbClr val="ffffff"/>
+                  </a:solidFill>
+                </a:uFill>
+                <a:latin typeface="Arial"/>
+                <a:ea typeface="Noto Sans CJK SC Regular"/>
+              </a:rPr>
+              <a:t>방식이 네 번의 테스트에서 각각 </a:t>
+            </a:r>
+            <a:r>
+              <a:rPr b="0" lang="en-US" sz="1600" spc="-1" strike="noStrike">
+                <a:solidFill>
+                  <a:srgbClr val="000000"/>
+                </a:solidFill>
+                <a:uFill>
+                  <a:solidFill>
+                    <a:srgbClr val="ffffff"/>
+                  </a:solidFill>
+                </a:uFill>
+                <a:latin typeface="Arial"/>
+                <a:ea typeface="Noto Sans CJK SC Regular"/>
+              </a:rPr>
+              <a:t>41%, 65%, 59%, 36% </a:t>
+            </a:r>
+            <a:r>
+              <a:rPr b="0" lang="en-US" sz="1600" spc="-1" strike="noStrike">
+                <a:solidFill>
+                  <a:srgbClr val="000000"/>
+                </a:solidFill>
+                <a:uFill>
+                  <a:solidFill>
+                    <a:srgbClr val="ffffff"/>
+                  </a:solidFill>
+                </a:uFill>
+                <a:latin typeface="Arial"/>
+                <a:ea typeface="Noto Sans CJK SC Regular"/>
+              </a:rPr>
+              <a:t>발전된 성능을 보여준다</a:t>
+            </a:r>
+            <a:r>
+              <a:rPr b="0" lang="en-US" sz="1600" spc="-1" strike="noStrike">
+                <a:solidFill>
+                  <a:srgbClr val="000000"/>
+                </a:solidFill>
+                <a:uFill>
+                  <a:solidFill>
+                    <a:srgbClr val="ffffff"/>
+                  </a:solidFill>
+                </a:uFill>
+                <a:latin typeface="Arial"/>
+                <a:ea typeface="Noto Sans CJK SC Regular"/>
+              </a:rPr>
+              <a:t>. </a:t>
+            </a:r>
+            <a:r>
+              <a:rPr b="0" lang="en-US" sz="1600" spc="-1" strike="noStrike">
+                <a:solidFill>
+                  <a:srgbClr val="000000"/>
+                </a:solidFill>
+                <a:uFill>
+                  <a:solidFill>
+                    <a:srgbClr val="ffffff"/>
+                  </a:solidFill>
+                </a:uFill>
+                <a:latin typeface="Arial"/>
+                <a:ea typeface="Noto Sans CJK SC Regular"/>
+              </a:rPr>
+              <a:t>그림</a:t>
+            </a:r>
+            <a:r>
+              <a:rPr b="0" lang="en-US" sz="1600" spc="-1" strike="noStrike">
+                <a:solidFill>
+                  <a:srgbClr val="000000"/>
+                </a:solidFill>
+                <a:uFill>
+                  <a:solidFill>
+                    <a:srgbClr val="ffffff"/>
+                  </a:solidFill>
+                </a:uFill>
+                <a:latin typeface="Arial"/>
+                <a:ea typeface="Noto Sans CJK SC Regular"/>
+              </a:rPr>
+              <a:t>10</a:t>
+            </a:r>
+            <a:r>
+              <a:rPr b="0" lang="en-US" sz="1600" spc="-1" strike="noStrike">
+                <a:solidFill>
+                  <a:srgbClr val="000000"/>
+                </a:solidFill>
+                <a:uFill>
+                  <a:solidFill>
+                    <a:srgbClr val="ffffff"/>
+                  </a:solidFill>
+                </a:uFill>
+                <a:latin typeface="Arial"/>
+                <a:ea typeface="Noto Sans CJK SC Regular"/>
+              </a:rPr>
+              <a:t>을 보면 알 수 있듯이 </a:t>
             </a:r>
             <a:r>
               <a:rPr b="0" lang="en-US" sz="1600" spc="-1" strike="noStrike">
@@ -12101,65 +12758,7 @@
                 <a:latin typeface="Arial"/>
                 <a:ea typeface="Noto Sans CJK SC Regular"/>
               </a:rPr>
-              <a:t>에 비해 절반의 </a:t>
-            </a:r>
-            <a:r>
-              <a:rPr b="0" lang="en-US" sz="1600" spc="-1" strike="noStrike">
-                <a:solidFill>
-                  <a:srgbClr val="000000"/>
-                </a:solidFill>
-                <a:uFill>
-                  <a:solidFill>
-                    <a:srgbClr val="ffffff"/>
-                  </a:solidFill>
-                </a:uFill>
-                <a:latin typeface="Arial"/>
-                <a:ea typeface="Noto Sans CJK SC Regular"/>
-              </a:rPr>
-              <a:t>memory usage </a:t>
-            </a:r>
-            <a:r>
-              <a:rPr b="0" lang="en-US" sz="1600" spc="-1" strike="noStrike">
-                <a:solidFill>
-                  <a:srgbClr val="000000"/>
-                </a:solidFill>
-                <a:uFill>
-                  <a:solidFill>
-                    <a:srgbClr val="ffffff"/>
-                  </a:solidFill>
-                </a:uFill>
-                <a:latin typeface="Arial"/>
-                <a:ea typeface="Noto Sans CJK SC Regular"/>
-              </a:rPr>
-              <a:t>를 보이는 </a:t>
-            </a:r>
-            <a:endParaRPr b="0" lang="en-US" sz="1800" spc="-1" strike="noStrike">
-              <a:solidFill>
-                <a:srgbClr val="000000"/>
-              </a:solidFill>
-              <a:uFill>
-                <a:solidFill>
-                  <a:srgbClr val="ffffff"/>
-                </a:solidFill>
-              </a:uFill>
-              <a:latin typeface="Arial"/>
-            </a:endParaRPr>
-          </a:p>
-          <a:p>
-            <a:r>
-              <a:rPr b="0" lang="en-US" sz="1600" spc="-1" strike="noStrike">
-                <a:solidFill>
-                  <a:srgbClr val="000000"/>
-                </a:solidFill>
-                <a:uFill>
-                  <a:solidFill>
-                    <a:srgbClr val="ffffff"/>
-                  </a:solidFill>
-                </a:uFill>
-                <a:latin typeface="Arial"/>
-                <a:ea typeface="Noto Sans CJK SC Regular"/>
-              </a:rPr>
-              <a:t>것이 당연하다</a:t>
+              <a:t>혼자 동떨어진 성능을 보여준다</a:t>
             </a:r>
             <a:r>
               <a:rPr b="0" lang="en-US" sz="1600" spc="-1" strike="noStrike">
@@ -12189,95 +12788,82 @@
                 <a:latin typeface="Arial"/>
                 <a:ea typeface="Noto Sans CJK SC Regular"/>
               </a:rPr>
-              <a:t>여기서 더 나아가 </a:t>
-            </a:r>
-            <a:r>
-              <a:rPr b="0" lang="en-US" sz="1600" spc="-1" strike="noStrike">
-                <a:solidFill>
-                  <a:srgbClr val="000000"/>
-                </a:solidFill>
-                <a:uFill>
-                  <a:solidFill>
-                    <a:srgbClr val="ffffff"/>
-                  </a:solidFill>
-                </a:uFill>
-                <a:latin typeface="Arial"/>
-                <a:ea typeface="Noto Sans CJK SC Regular"/>
-              </a:rPr>
-              <a:t>false identification rate per same memory space </a:t>
-            </a:r>
-            <a:r>
-              <a:rPr b="0" lang="en-US" sz="1600" spc="-1" strike="noStrike">
-                <a:solidFill>
-                  <a:srgbClr val="000000"/>
-                </a:solidFill>
-                <a:uFill>
-                  <a:solidFill>
-                    <a:srgbClr val="ffffff"/>
-                  </a:solidFill>
-                </a:uFill>
-                <a:latin typeface="Arial"/>
-                <a:ea typeface="Noto Sans CJK SC Regular"/>
-              </a:rPr>
-              <a:t>비율을 봐도 </a:t>
-            </a:r>
-            <a:endParaRPr b="0" lang="en-US" sz="1800" spc="-1" strike="noStrike">
-              <a:solidFill>
-                <a:srgbClr val="000000"/>
-              </a:solidFill>
-              <a:uFill>
-                <a:solidFill>
-                  <a:srgbClr val="ffffff"/>
-                </a:solidFill>
-              </a:uFill>
-              <a:latin typeface="Arial"/>
-            </a:endParaRPr>
-          </a:p>
-          <a:p>
-            <a:r>
-              <a:rPr b="0" lang="en-US" sz="1600" spc="-1" strike="noStrike">
-                <a:solidFill>
-                  <a:srgbClr val="000000"/>
-                </a:solidFill>
-                <a:uFill>
-                  <a:solidFill>
-                    <a:srgbClr val="ffffff"/>
-                  </a:solidFill>
-                </a:uFill>
-                <a:latin typeface="Arial"/>
-                <a:ea typeface="Noto Sans CJK SC Regular"/>
-              </a:rPr>
-              <a:t>MBF </a:t>
-            </a:r>
-            <a:r>
-              <a:rPr b="0" lang="en-US" sz="1600" spc="-1" strike="noStrike">
-                <a:solidFill>
-                  <a:srgbClr val="000000"/>
-                </a:solidFill>
-                <a:uFill>
-                  <a:solidFill>
-                    <a:srgbClr val="ffffff"/>
-                  </a:solidFill>
-                </a:uFill>
-                <a:latin typeface="Arial"/>
-                <a:ea typeface="Noto Sans CJK SC Regular"/>
-              </a:rPr>
-              <a:t>방식이 월등한 정확도를 기록한다는 것을 알 수 있다</a:t>
-            </a:r>
-            <a:r>
-              <a:rPr b="0" lang="en-US" sz="1600" spc="-1" strike="noStrike">
-                <a:solidFill>
-                  <a:srgbClr val="000000"/>
-                </a:solidFill>
-                <a:uFill>
-                  <a:solidFill>
-                    <a:srgbClr val="ffffff"/>
-                  </a:solidFill>
-                </a:uFill>
-                <a:latin typeface="Arial"/>
-                <a:ea typeface="Noto Sans CJK SC Regular"/>
-              </a:rPr>
-              <a:t>. (figure 13) </a:t>
+              <a:t>그림</a:t>
+            </a:r>
+            <a:r>
+              <a:rPr b="0" lang="en-US" sz="1600" spc="-1" strike="noStrike">
+                <a:solidFill>
+                  <a:srgbClr val="000000"/>
+                </a:solidFill>
+                <a:uFill>
+                  <a:solidFill>
+                    <a:srgbClr val="ffffff"/>
+                  </a:solidFill>
+                </a:uFill>
+                <a:latin typeface="Arial"/>
+                <a:ea typeface="Noto Sans CJK SC Regular"/>
+              </a:rPr>
+              <a:t>11</a:t>
+            </a:r>
+            <a:r>
+              <a:rPr b="0" lang="en-US" sz="1600" spc="-1" strike="noStrike">
+                <a:solidFill>
+                  <a:srgbClr val="000000"/>
+                </a:solidFill>
+                <a:uFill>
+                  <a:solidFill>
+                    <a:srgbClr val="ffffff"/>
+                  </a:solidFill>
+                </a:uFill>
+                <a:latin typeface="Arial"/>
+                <a:ea typeface="Noto Sans CJK SC Regular"/>
+              </a:rPr>
+              <a:t>을 보면 </a:t>
+            </a:r>
+            <a:r>
+              <a:rPr b="0" lang="en-US" sz="1600" spc="-1" strike="noStrike">
+                <a:solidFill>
+                  <a:srgbClr val="000000"/>
+                </a:solidFill>
+                <a:uFill>
+                  <a:solidFill>
+                    <a:srgbClr val="ffffff"/>
+                  </a:solidFill>
+                </a:uFill>
+                <a:latin typeface="Arial"/>
+                <a:ea typeface="Noto Sans CJK SC Regular"/>
+              </a:rPr>
+              <a:t>MBF</a:t>
+            </a:r>
+            <a:r>
+              <a:rPr b="0" lang="en-US" sz="1600" spc="-1" strike="noStrike">
+                <a:solidFill>
+                  <a:srgbClr val="000000"/>
+                </a:solidFill>
+                <a:uFill>
+                  <a:solidFill>
+                    <a:srgbClr val="ffffff"/>
+                  </a:solidFill>
+                </a:uFill>
+                <a:latin typeface="Arial"/>
+                <a:ea typeface="Noto Sans CJK SC Regular"/>
+              </a:rPr>
+              <a:t>가 얼마나 안정된 툴이 될 수 있을지 보다 극명하게 알 수 있다</a:t>
+            </a:r>
+            <a:r>
+              <a:rPr b="0" lang="en-US" sz="1600" spc="-1" strike="noStrike">
+                <a:solidFill>
+                  <a:srgbClr val="000000"/>
+                </a:solidFill>
+                <a:uFill>
+                  <a:solidFill>
+                    <a:srgbClr val="ffffff"/>
+                  </a:solidFill>
+                </a:uFill>
+                <a:latin typeface="Arial"/>
+                <a:ea typeface="Noto Sans CJK SC Regular"/>
+              </a:rPr>
+              <a:t>.</a:t>
             </a:r>
             <a:endParaRPr b="0" lang="en-US" sz="1800" spc="-1" strike="noStrike">
               <a:solidFill>
@@ -12295,7 +12881,7 @@
       </p:sp>
       <p:pic>
         <p:nvPicPr>
-          <p:cNvPr id="90" name="" descr=""/>
+          <p:cNvPr id="88" name="" descr=""/>
           <p:cNvPicPr/>
           <p:nvPr/>
         </p:nvPicPr>
@@ -12305,8 +12891,8 @@
         </p:blipFill>
         <p:spPr>
           <a:xfrm>
-            <a:off x="-35640" y="3585600"/>
-            <a:ext cx="10079640" cy="2536920"/>
+            <a:off x="2011680" y="4793760"/>
+            <a:ext cx="5916600" cy="2766240"/>
           </a:xfrm>
           <a:prstGeom prst="rect">
             <a:avLst/>
@@ -12367,7 +12953,7 @@
       </p:grpSpPr>
       <p:sp>
         <p:nvSpPr>
-          <p:cNvPr id="91" name="TextShape 1"/>
+          <p:cNvPr id="89" name="TextShape 1"/>
           <p:cNvSpPr txBox="1"/>
           <p:nvPr/>
         </p:nvSpPr>
@@ -12416,16 +13002,39 @@
           </a:p>
         </p:txBody>
       </p:sp>
+      <p:pic>
+        <p:nvPicPr>
+          <p:cNvPr id="90" name="" descr=""/>
+          <p:cNvPicPr/>
+          <p:nvPr/>
+        </p:nvPicPr>
+        <p:blipFill>
+          <a:blip r:embed="rId1"/>
+          <a:stretch/>
+        </p:blipFill>
+        <p:spPr>
+          <a:xfrm>
+            <a:off x="2467440" y="4753440"/>
+            <a:ext cx="5762160" cy="2800080"/>
+          </a:xfrm>
+          <a:prstGeom prst="rect">
+            <a:avLst/>
+          </a:prstGeom>
+          <a:ln>
+            <a:noFill/>
+          </a:ln>
+        </p:spPr>
+      </p:pic>
       <p:sp>
         <p:nvSpPr>
-          <p:cNvPr id="92" name="TextShape 2"/>
+          <p:cNvPr id="91" name="TextShape 2"/>
           <p:cNvSpPr txBox="1"/>
           <p:nvPr/>
         </p:nvSpPr>
         <p:spPr>
           <a:xfrm>
             <a:off x="432000" y="1457280"/>
-            <a:ext cx="9097200" cy="1824480"/>
+            <a:ext cx="9097200" cy="3408840"/>
           </a:xfrm>
           <a:prstGeom prst="rect">
             <a:avLst/>
@@ -12451,52 +13060,200 @@
                 <a:latin typeface="Arial"/>
                 <a:ea typeface="Noto Sans CJK SC Regular"/>
               </a:rPr>
-              <a:t>window size </a:t>
-            </a:r>
-            <a:r>
-              <a:rPr b="0" lang="en-US" sz="1600" spc="-1" strike="noStrike">
-                <a:solidFill>
-                  <a:srgbClr val="000000"/>
-                </a:solidFill>
-                <a:uFill>
-                  <a:solidFill>
-                    <a:srgbClr val="ffffff"/>
-                  </a:solidFill>
-                </a:uFill>
-                <a:latin typeface="Arial"/>
-                <a:ea typeface="Noto Sans CJK SC Regular"/>
-              </a:rPr>
-              <a:t>를 어느 정도로 설정할 것인지도 </a:t>
-            </a:r>
-            <a:r>
-              <a:rPr b="0" lang="en-US" sz="1600" spc="-1" strike="noStrike">
-                <a:solidFill>
-                  <a:srgbClr val="000000"/>
-                </a:solidFill>
-                <a:uFill>
-                  <a:solidFill>
-                    <a:srgbClr val="ffffff"/>
-                  </a:solidFill>
-                </a:uFill>
-                <a:latin typeface="Arial"/>
-                <a:ea typeface="Noto Sans CJK SC Regular"/>
-              </a:rPr>
-              <a:t>WDAC </a:t>
-            </a:r>
-            <a:r>
-              <a:rPr b="0" lang="en-US" sz="1600" spc="-1" strike="noStrike">
-                <a:solidFill>
-                  <a:srgbClr val="000000"/>
-                </a:solidFill>
-                <a:uFill>
-                  <a:solidFill>
-                    <a:srgbClr val="ffffff"/>
-                  </a:solidFill>
-                </a:uFill>
-                <a:latin typeface="Arial"/>
-                <a:ea typeface="Noto Sans CJK SC Regular"/>
-              </a:rPr>
-              <a:t>방식에서는 중요한 문제 중에 하나이다</a:t>
+              <a:t>C) Runtime Overhead </a:t>
+            </a:r>
+            <a:r>
+              <a:rPr b="1" lang="en-US" sz="1600" spc="-1" strike="noStrike">
+                <a:solidFill>
+                  <a:srgbClr val="000000"/>
+                </a:solidFill>
+                <a:uFill>
+                  <a:solidFill>
+                    <a:srgbClr val="ffffff"/>
+                  </a:solidFill>
+                </a:uFill>
+                <a:latin typeface="Arial"/>
+                <a:ea typeface="Noto Sans CJK SC Regular"/>
+              </a:rPr>
+              <a:t>성능 비교</a:t>
+            </a:r>
+            <a:endParaRPr b="0" lang="en-US" sz="1800" spc="-1" strike="noStrike">
+              <a:solidFill>
+                <a:srgbClr val="000000"/>
+              </a:solidFill>
+              <a:uFill>
+                <a:solidFill>
+                  <a:srgbClr val="ffffff"/>
+                </a:solidFill>
+              </a:uFill>
+              <a:latin typeface="Arial"/>
+            </a:endParaRPr>
+          </a:p>
+          <a:p>
+            <a:r>
+              <a:rPr b="0" lang="en-US" sz="1600" spc="-1" strike="noStrike">
+                <a:solidFill>
+                  <a:srgbClr val="000000"/>
+                </a:solidFill>
+                <a:uFill>
+                  <a:solidFill>
+                    <a:srgbClr val="ffffff"/>
+                  </a:solidFill>
+                </a:uFill>
+                <a:latin typeface="Arial"/>
+                <a:ea typeface="Noto Sans CJK SC Regular"/>
+              </a:rPr>
+              <a:t>  </a:t>
+            </a:r>
+            <a:r>
+              <a:rPr b="0" lang="en-US" sz="1600" spc="-1" strike="noStrike">
+                <a:solidFill>
+                  <a:srgbClr val="000000"/>
+                </a:solidFill>
+                <a:uFill>
+                  <a:solidFill>
+                    <a:srgbClr val="ffffff"/>
+                  </a:solidFill>
+                </a:uFill>
+                <a:latin typeface="Arial"/>
+                <a:ea typeface="Noto Sans CJK SC Regular"/>
+              </a:rPr>
+              <a:t>AMD X2 3800+ (2GHz) CPU</a:t>
+            </a:r>
+            <a:r>
+              <a:rPr b="0" lang="en-US" sz="1600" spc="-1" strike="noStrike">
+                <a:solidFill>
+                  <a:srgbClr val="000000"/>
+                </a:solidFill>
+                <a:uFill>
+                  <a:solidFill>
+                    <a:srgbClr val="ffffff"/>
+                  </a:solidFill>
+                </a:uFill>
+                <a:latin typeface="Arial"/>
+                <a:ea typeface="Noto Sans CJK SC Regular"/>
+              </a:rPr>
+              <a:t>와 </a:t>
+            </a:r>
+            <a:r>
+              <a:rPr b="0" lang="en-US" sz="1600" spc="-1" strike="noStrike">
+                <a:solidFill>
+                  <a:srgbClr val="000000"/>
+                </a:solidFill>
+                <a:uFill>
+                  <a:solidFill>
+                    <a:srgbClr val="ffffff"/>
+                  </a:solidFill>
+                </a:uFill>
+                <a:latin typeface="Arial"/>
+                <a:ea typeface="Noto Sans CJK SC Regular"/>
+              </a:rPr>
+              <a:t>2G</a:t>
+            </a:r>
+            <a:r>
+              <a:rPr b="0" lang="en-US" sz="1600" spc="-1" strike="noStrike">
+                <a:solidFill>
+                  <a:srgbClr val="000000"/>
+                </a:solidFill>
+                <a:uFill>
+                  <a:solidFill>
+                    <a:srgbClr val="ffffff"/>
+                  </a:solidFill>
+                </a:uFill>
+                <a:latin typeface="Arial"/>
+                <a:ea typeface="Noto Sans CJK SC Regular"/>
+              </a:rPr>
+              <a:t>의 </a:t>
+            </a:r>
+            <a:r>
+              <a:rPr b="0" lang="en-US" sz="1600" spc="-1" strike="noStrike">
+                <a:solidFill>
+                  <a:srgbClr val="000000"/>
+                </a:solidFill>
+                <a:uFill>
+                  <a:solidFill>
+                    <a:srgbClr val="ffffff"/>
+                  </a:solidFill>
+                </a:uFill>
+                <a:latin typeface="Arial"/>
+                <a:ea typeface="Noto Sans CJK SC Regular"/>
+              </a:rPr>
+              <a:t>RAM</a:t>
+            </a:r>
+            <a:r>
+              <a:rPr b="0" lang="en-US" sz="1600" spc="-1" strike="noStrike">
+                <a:solidFill>
+                  <a:srgbClr val="000000"/>
+                </a:solidFill>
+                <a:uFill>
+                  <a:solidFill>
+                    <a:srgbClr val="ffffff"/>
+                  </a:solidFill>
+                </a:uFill>
+                <a:latin typeface="Arial"/>
+                <a:ea typeface="Noto Sans CJK SC Regular"/>
+              </a:rPr>
+              <a:t>메모리를 장착한 </a:t>
+            </a:r>
+            <a:r>
+              <a:rPr b="0" lang="en-US" sz="1600" spc="-1" strike="noStrike">
+                <a:solidFill>
+                  <a:srgbClr val="000000"/>
+                </a:solidFill>
+                <a:uFill>
+                  <a:solidFill>
+                    <a:srgbClr val="ffffff"/>
+                  </a:solidFill>
+                </a:uFill>
+                <a:latin typeface="Arial"/>
+                <a:ea typeface="Noto Sans CJK SC Regular"/>
+              </a:rPr>
+              <a:t>Windows XP Professional</a:t>
+            </a:r>
+            <a:r>
+              <a:rPr b="0" lang="en-US" sz="1600" spc="-1" strike="noStrike">
+                <a:solidFill>
+                  <a:srgbClr val="000000"/>
+                </a:solidFill>
+                <a:uFill>
+                  <a:solidFill>
+                    <a:srgbClr val="ffffff"/>
+                  </a:solidFill>
+                </a:uFill>
+                <a:latin typeface="Arial"/>
+                <a:ea typeface="Noto Sans CJK SC Regular"/>
+              </a:rPr>
+              <a:t>에서 </a:t>
+            </a:r>
+            <a:r>
+              <a:rPr b="0" lang="en-US" sz="1600" spc="-1" strike="noStrike">
+                <a:solidFill>
+                  <a:srgbClr val="000000"/>
+                </a:solidFill>
+                <a:uFill>
+                  <a:solidFill>
+                    <a:srgbClr val="ffffff"/>
+                  </a:solidFill>
+                </a:uFill>
+                <a:latin typeface="Arial"/>
+                <a:ea typeface="Noto Sans CJK SC Regular"/>
+              </a:rPr>
+              <a:t>MSR</a:t>
+            </a:r>
+            <a:r>
+              <a:rPr b="0" lang="en-US" sz="1600" spc="-1" strike="noStrike">
+                <a:solidFill>
+                  <a:srgbClr val="000000"/>
+                </a:solidFill>
+                <a:uFill>
+                  <a:solidFill>
+                    <a:srgbClr val="ffffff"/>
+                  </a:solidFill>
+                </a:uFill>
+                <a:latin typeface="Arial"/>
+                <a:ea typeface="Noto Sans CJK SC Regular"/>
+              </a:rPr>
+              <a:t>데이터를 가지고 테스트를 진행했다</a:t>
             </a:r>
             <a:r>
               <a:rPr b="0" lang="en-US" sz="1600" spc="-1" strike="noStrike">
@@ -12513,6 +13270,96 @@
               </a:rPr>
               <a:t>. </a:t>
             </a:r>
+            <a:r>
+              <a:rPr b="0" lang="en-US" sz="1600" spc="-1" strike="noStrike">
+                <a:solidFill>
+                  <a:srgbClr val="000000"/>
+                </a:solidFill>
+                <a:uFill>
+                  <a:solidFill>
+                    <a:srgbClr val="ffffff"/>
+                  </a:solidFill>
+                </a:uFill>
+                <a:latin typeface="Arial"/>
+                <a:ea typeface="Noto Sans CJK SC Regular"/>
+              </a:rPr>
+              <a:t>처음에는 </a:t>
+            </a:r>
+            <a:r>
+              <a:rPr b="0" lang="en-US" sz="1600" spc="-1" strike="noStrike">
+                <a:solidFill>
+                  <a:srgbClr val="000000"/>
+                </a:solidFill>
+                <a:uFill>
+                  <a:solidFill>
+                    <a:srgbClr val="ffffff"/>
+                  </a:solidFill>
+                </a:uFill>
+                <a:latin typeface="Arial"/>
+                <a:ea typeface="Noto Sans CJK SC Regular"/>
+              </a:rPr>
+              <a:t>cache-miss</a:t>
+            </a:r>
+            <a:r>
+              <a:rPr b="0" lang="en-US" sz="1600" spc="-1" strike="noStrike">
+                <a:solidFill>
+                  <a:srgbClr val="000000"/>
+                </a:solidFill>
+                <a:uFill>
+                  <a:solidFill>
+                    <a:srgbClr val="ffffff"/>
+                  </a:solidFill>
+                </a:uFill>
+                <a:latin typeface="Arial"/>
+                <a:ea typeface="Noto Sans CJK SC Regular"/>
+              </a:rPr>
+              <a:t>가 발생해서 많은 </a:t>
+            </a:r>
+            <a:r>
+              <a:rPr b="0" lang="en-US" sz="1600" spc="-1" strike="noStrike">
+                <a:solidFill>
+                  <a:srgbClr val="000000"/>
+                </a:solidFill>
+                <a:uFill>
+                  <a:solidFill>
+                    <a:srgbClr val="ffffff"/>
+                  </a:solidFill>
+                </a:uFill>
+                <a:latin typeface="Arial"/>
+                <a:ea typeface="Noto Sans CJK SC Regular"/>
+              </a:rPr>
+              <a:t>clock cycle</a:t>
+            </a:r>
+            <a:r>
+              <a:rPr b="0" lang="en-US" sz="1600" spc="-1" strike="noStrike">
+                <a:solidFill>
+                  <a:srgbClr val="000000"/>
+                </a:solidFill>
+                <a:uFill>
+                  <a:solidFill>
+                    <a:srgbClr val="ffffff"/>
+                  </a:solidFill>
+                </a:uFill>
+                <a:latin typeface="Arial"/>
+                <a:ea typeface="Noto Sans CJK SC Regular"/>
+              </a:rPr>
+              <a:t>이 낭비되기도 했지만 데이터가 메모리로 어느 정도 올라온 뒤로는 태스크 처리가 신속해졌다</a:t>
+            </a:r>
+            <a:r>
+              <a:rPr b="0" lang="en-US" sz="1600" spc="-1" strike="noStrike">
+                <a:solidFill>
+                  <a:srgbClr val="000000"/>
+                </a:solidFill>
+                <a:uFill>
+                  <a:solidFill>
+                    <a:srgbClr val="ffffff"/>
+                  </a:solidFill>
+                </a:uFill>
+                <a:latin typeface="Arial"/>
+                <a:ea typeface="Noto Sans CJK SC Regular"/>
+              </a:rPr>
+              <a:t>.</a:t>
+            </a:r>
             <a:endParaRPr b="0" lang="en-US" sz="1800" spc="-1" strike="noStrike">
               <a:solidFill>
                 <a:srgbClr val="000000"/>
@@ -12539,128 +13386,470 @@
                 <a:latin typeface="Arial"/>
                 <a:ea typeface="Noto Sans CJK SC Regular"/>
               </a:rPr>
-              <a:t>윈도우 크기를 크게 할수록 그 안에 포함되는 </a:t>
-            </a:r>
-            <a:r>
-              <a:rPr b="0" lang="en-US" sz="1600" spc="-1" strike="noStrike">
-                <a:solidFill>
-                  <a:srgbClr val="000000"/>
-                </a:solidFill>
-                <a:uFill>
-                  <a:solidFill>
-                    <a:srgbClr val="ffffff"/>
-                  </a:solidFill>
-                </a:uFill>
-                <a:latin typeface="Arial"/>
-                <a:ea typeface="Noto Sans CJK SC Regular"/>
-              </a:rPr>
-              <a:t>LBA </a:t>
-            </a:r>
-            <a:r>
-              <a:rPr b="0" lang="en-US" sz="1600" spc="-1" strike="noStrike">
-                <a:solidFill>
-                  <a:srgbClr val="000000"/>
-                </a:solidFill>
-                <a:uFill>
-                  <a:solidFill>
-                    <a:srgbClr val="ffffff"/>
-                  </a:solidFill>
-                </a:uFill>
-                <a:latin typeface="Arial"/>
-                <a:ea typeface="Noto Sans CJK SC Regular"/>
-              </a:rPr>
-              <a:t>개수가 증가해서 </a:t>
-            </a:r>
-            <a:r>
-              <a:rPr b="0" lang="en-US" sz="1600" spc="-1" strike="noStrike">
-                <a:solidFill>
-                  <a:srgbClr val="000000"/>
-                </a:solidFill>
-                <a:uFill>
-                  <a:solidFill>
-                    <a:srgbClr val="ffffff"/>
-                  </a:solidFill>
-                </a:uFill>
-                <a:latin typeface="Arial"/>
-                <a:ea typeface="Noto Sans CJK SC Regular"/>
-              </a:rPr>
-              <a:t>hot data ratio</a:t>
-            </a:r>
-            <a:r>
-              <a:rPr b="0" lang="en-US" sz="1600" spc="-1" strike="noStrike">
-                <a:solidFill>
-                  <a:srgbClr val="000000"/>
-                </a:solidFill>
-                <a:uFill>
-                  <a:solidFill>
-                    <a:srgbClr val="ffffff"/>
-                  </a:solidFill>
-                </a:uFill>
-                <a:latin typeface="Arial"/>
-                <a:ea typeface="Noto Sans CJK SC Regular"/>
-              </a:rPr>
-              <a:t>도 증가하게 마련이다</a:t>
-            </a:r>
-            <a:r>
-              <a:rPr b="0" lang="en-US" sz="1600" spc="-1" strike="noStrike">
-                <a:solidFill>
-                  <a:srgbClr val="000000"/>
-                </a:solidFill>
-                <a:uFill>
-                  <a:solidFill>
-                    <a:srgbClr val="ffffff"/>
-                  </a:solidFill>
-                </a:uFill>
-                <a:latin typeface="Arial"/>
-                <a:ea typeface="Noto Sans CJK SC Regular"/>
-              </a:rPr>
-              <a:t>. (figure 14) </a:t>
-            </a:r>
-            <a:r>
-              <a:rPr b="0" lang="en-US" sz="1600" spc="-1" strike="noStrike">
-                <a:solidFill>
-                  <a:srgbClr val="000000"/>
-                </a:solidFill>
-                <a:uFill>
-                  <a:solidFill>
-                    <a:srgbClr val="ffffff"/>
-                  </a:solidFill>
-                </a:uFill>
-                <a:latin typeface="Arial"/>
-                <a:ea typeface="Noto Sans CJK SC Regular"/>
-              </a:rPr>
-              <a:t>
-</a:t>
-            </a:r>
-            <a:r>
-              <a:rPr b="1" lang="en-US" sz="1600" spc="-1" strike="noStrike">
-                <a:solidFill>
-                  <a:srgbClr val="000000"/>
-                </a:solidFill>
-                <a:uFill>
-                  <a:solidFill>
-                    <a:srgbClr val="ffffff"/>
-                  </a:solidFill>
-                </a:uFill>
-                <a:latin typeface="Arial"/>
-                <a:ea typeface="Noto Sans CJK SC Regular"/>
-              </a:rPr>
-              <a:t>bloom filter </a:t>
-            </a:r>
-            <a:r>
-              <a:rPr b="0" lang="en-US" sz="1600" spc="-1" strike="noStrike">
-                <a:solidFill>
-                  <a:srgbClr val="000000"/>
-                </a:solidFill>
-                <a:uFill>
-                  <a:solidFill>
-                    <a:srgbClr val="ffffff"/>
-                  </a:solidFill>
-                </a:uFill>
-                <a:latin typeface="Arial"/>
-                <a:ea typeface="Noto Sans CJK SC Regular"/>
-              </a:rPr>
-              <a:t>개수를 몇으로 지정하는 지도 중요한 문제이다</a:t>
+              <a:t>  </a:t>
+            </a:r>
+            <a:r>
+              <a:rPr b="0" lang="en-US" sz="1600" spc="-1" strike="noStrike">
+                <a:solidFill>
+                  <a:srgbClr val="000000"/>
+                </a:solidFill>
+                <a:uFill>
+                  <a:solidFill>
+                    <a:srgbClr val="ffffff"/>
+                  </a:solidFill>
+                </a:uFill>
+                <a:latin typeface="Arial"/>
+                <a:ea typeface="Noto Sans CJK SC Regular"/>
+              </a:rPr>
+              <a:t>check operation </a:t>
+            </a:r>
+            <a:r>
+              <a:rPr b="0" lang="en-US" sz="1600" spc="-1" strike="noStrike">
+                <a:solidFill>
+                  <a:srgbClr val="000000"/>
+                </a:solidFill>
+                <a:uFill>
+                  <a:solidFill>
+                    <a:srgbClr val="ffffff"/>
+                  </a:solidFill>
+                </a:uFill>
+                <a:latin typeface="Arial"/>
+                <a:ea typeface="Noto Sans CJK SC Regular"/>
+              </a:rPr>
+              <a:t>이란 새로운 </a:t>
+            </a:r>
+            <a:r>
+              <a:rPr b="0" lang="en-US" sz="1600" spc="-1" strike="noStrike">
+                <a:solidFill>
+                  <a:srgbClr val="000000"/>
+                </a:solidFill>
+                <a:uFill>
+                  <a:solidFill>
+                    <a:srgbClr val="ffffff"/>
+                  </a:solidFill>
+                </a:uFill>
+                <a:latin typeface="Arial"/>
+                <a:ea typeface="Noto Sans CJK SC Regular"/>
+              </a:rPr>
+              <a:t>I/O </a:t>
+            </a:r>
+            <a:r>
+              <a:rPr b="0" lang="en-US" sz="1600" spc="-1" strike="noStrike">
+                <a:solidFill>
+                  <a:srgbClr val="000000"/>
+                </a:solidFill>
+                <a:uFill>
+                  <a:solidFill>
+                    <a:srgbClr val="ffffff"/>
+                  </a:solidFill>
+                </a:uFill>
+                <a:latin typeface="Arial"/>
+                <a:ea typeface="Noto Sans CJK SC Regular"/>
+              </a:rPr>
+              <a:t>요청이 발생했을 때 </a:t>
+            </a:r>
+            <a:r>
+              <a:rPr b="0" lang="en-US" sz="1600" spc="-1" strike="noStrike">
+                <a:solidFill>
+                  <a:srgbClr val="000000"/>
+                </a:solidFill>
+                <a:uFill>
+                  <a:solidFill>
+                    <a:srgbClr val="ffffff"/>
+                  </a:solidFill>
+                </a:uFill>
+                <a:latin typeface="Arial"/>
+                <a:ea typeface="Noto Sans CJK SC Regular"/>
+              </a:rPr>
+              <a:t>Scheme</a:t>
+            </a:r>
+            <a:r>
+              <a:rPr b="0" lang="en-US" sz="1600" spc="-1" strike="noStrike">
+                <a:solidFill>
+                  <a:srgbClr val="000000"/>
+                </a:solidFill>
+                <a:uFill>
+                  <a:solidFill>
+                    <a:srgbClr val="ffffff"/>
+                  </a:solidFill>
+                </a:uFill>
+                <a:latin typeface="Arial"/>
+                <a:ea typeface="Noto Sans CJK SC Regular"/>
+              </a:rPr>
+              <a:t>이나 </a:t>
+            </a:r>
+            <a:r>
+              <a:rPr b="0" lang="en-US" sz="1600" spc="-1" strike="noStrike">
+                <a:solidFill>
+                  <a:srgbClr val="000000"/>
+                </a:solidFill>
+                <a:uFill>
+                  <a:solidFill>
+                    <a:srgbClr val="ffffff"/>
+                  </a:solidFill>
+                </a:uFill>
+                <a:latin typeface="Arial"/>
+                <a:ea typeface="Noto Sans CJK SC Regular"/>
+              </a:rPr>
+              <a:t>Baseline Algorithm</a:t>
+            </a:r>
+            <a:r>
+              <a:rPr b="0" lang="en-US" sz="1600" spc="-1" strike="noStrike">
+                <a:solidFill>
+                  <a:srgbClr val="000000"/>
+                </a:solidFill>
+                <a:uFill>
+                  <a:solidFill>
+                    <a:srgbClr val="ffffff"/>
+                  </a:solidFill>
+                </a:uFill>
+                <a:latin typeface="Arial"/>
+                <a:ea typeface="Noto Sans CJK SC Regular"/>
+              </a:rPr>
+              <a:t>으로 진입하기에 앞서 해당 </a:t>
+            </a:r>
+            <a:r>
+              <a:rPr b="0" lang="en-US" sz="1600" spc="-1" strike="noStrike">
+                <a:solidFill>
+                  <a:srgbClr val="000000"/>
+                </a:solidFill>
+                <a:uFill>
+                  <a:solidFill>
+                    <a:srgbClr val="ffffff"/>
+                  </a:solidFill>
+                </a:uFill>
+                <a:latin typeface="Arial"/>
+                <a:ea typeface="Noto Sans CJK SC Regular"/>
+              </a:rPr>
+              <a:t>LBA</a:t>
+            </a:r>
+            <a:r>
+              <a:rPr b="0" lang="en-US" sz="1600" spc="-1" strike="noStrike">
+                <a:solidFill>
+                  <a:srgbClr val="000000"/>
+                </a:solidFill>
+                <a:uFill>
+                  <a:solidFill>
+                    <a:srgbClr val="ffffff"/>
+                  </a:solidFill>
+                </a:uFill>
+                <a:latin typeface="Arial"/>
+                <a:ea typeface="Noto Sans CJK SC Regular"/>
+              </a:rPr>
+              <a:t>가 </a:t>
+            </a:r>
+            <a:r>
+              <a:rPr b="0" lang="en-US" sz="1600" spc="-1" strike="noStrike">
+                <a:solidFill>
+                  <a:srgbClr val="000000"/>
+                </a:solidFill>
+                <a:uFill>
+                  <a:solidFill>
+                    <a:srgbClr val="ffffff"/>
+                  </a:solidFill>
+                </a:uFill>
+                <a:latin typeface="Arial"/>
+                <a:ea typeface="Noto Sans CJK SC Regular"/>
+              </a:rPr>
+              <a:t>hot data</a:t>
+            </a:r>
+            <a:r>
+              <a:rPr b="0" lang="en-US" sz="1600" spc="-1" strike="noStrike">
+                <a:solidFill>
+                  <a:srgbClr val="000000"/>
+                </a:solidFill>
+                <a:uFill>
+                  <a:solidFill>
+                    <a:srgbClr val="ffffff"/>
+                  </a:solidFill>
+                </a:uFill>
+                <a:latin typeface="Arial"/>
+                <a:ea typeface="Noto Sans CJK SC Regular"/>
+              </a:rPr>
+              <a:t>인지 확인하는 절차를 말한다</a:t>
+            </a:r>
+            <a:r>
+              <a:rPr b="0" lang="en-US" sz="1600" spc="-1" strike="noStrike">
+                <a:solidFill>
+                  <a:srgbClr val="000000"/>
+                </a:solidFill>
+                <a:uFill>
+                  <a:solidFill>
+                    <a:srgbClr val="ffffff"/>
+                  </a:solidFill>
+                </a:uFill>
+                <a:latin typeface="Arial"/>
+                <a:ea typeface="Noto Sans CJK SC Regular"/>
+              </a:rPr>
+              <a:t>. checkup </a:t>
+            </a:r>
+            <a:r>
+              <a:rPr b="0" lang="en-US" sz="1600" spc="-1" strike="noStrike">
+                <a:solidFill>
+                  <a:srgbClr val="000000"/>
+                </a:solidFill>
+                <a:uFill>
+                  <a:solidFill>
+                    <a:srgbClr val="ffffff"/>
+                  </a:solidFill>
+                </a:uFill>
+                <a:latin typeface="Arial"/>
+                <a:ea typeface="Noto Sans CJK SC Regular"/>
+              </a:rPr>
+              <a:t>부분에서 </a:t>
+            </a:r>
+            <a:r>
+              <a:rPr b="0" lang="en-US" sz="1600" spc="-1" strike="noStrike">
+                <a:solidFill>
+                  <a:srgbClr val="000000"/>
+                </a:solidFill>
+                <a:uFill>
+                  <a:solidFill>
+                    <a:srgbClr val="ffffff"/>
+                  </a:solidFill>
+                </a:uFill>
+                <a:latin typeface="Arial"/>
+                <a:ea typeface="Noto Sans CJK SC Regular"/>
+              </a:rPr>
+              <a:t>MBF</a:t>
+            </a:r>
+            <a:r>
+              <a:rPr b="0" lang="en-US" sz="1600" spc="-1" strike="noStrike">
+                <a:solidFill>
+                  <a:srgbClr val="000000"/>
+                </a:solidFill>
+                <a:uFill>
+                  <a:solidFill>
+                    <a:srgbClr val="ffffff"/>
+                  </a:solidFill>
+                </a:uFill>
+                <a:latin typeface="Arial"/>
+                <a:ea typeface="Noto Sans CJK SC Regular"/>
+              </a:rPr>
+              <a:t>는 한 비트만 판별하기에 </a:t>
+            </a:r>
+            <a:r>
+              <a:rPr b="0" lang="en-US" sz="1600" spc="-1" strike="noStrike">
+                <a:solidFill>
+                  <a:srgbClr val="000000"/>
+                </a:solidFill>
+                <a:uFill>
+                  <a:solidFill>
+                    <a:srgbClr val="ffffff"/>
+                  </a:solidFill>
+                </a:uFill>
+                <a:latin typeface="Arial"/>
+                <a:ea typeface="Noto Sans CJK SC Regular"/>
+              </a:rPr>
+              <a:t>Counting BF</a:t>
+            </a:r>
+            <a:r>
+              <a:rPr b="0" lang="en-US" sz="1600" spc="-1" strike="noStrike">
+                <a:solidFill>
+                  <a:srgbClr val="000000"/>
+                </a:solidFill>
+                <a:uFill>
+                  <a:solidFill>
+                    <a:srgbClr val="ffffff"/>
+                  </a:solidFill>
+                </a:uFill>
+                <a:latin typeface="Arial"/>
+                <a:ea typeface="Noto Sans CJK SC Regular"/>
+              </a:rPr>
+              <a:t>를 사용하는 </a:t>
+            </a:r>
+            <a:r>
+              <a:rPr b="0" lang="en-US" sz="1600" spc="-1" strike="noStrike">
+                <a:solidFill>
+                  <a:srgbClr val="000000"/>
+                </a:solidFill>
+                <a:uFill>
+                  <a:solidFill>
+                    <a:srgbClr val="ffffff"/>
+                  </a:solidFill>
+                </a:uFill>
+                <a:latin typeface="Arial"/>
+                <a:ea typeface="Noto Sans CJK SC Regular"/>
+              </a:rPr>
+              <a:t>MHF</a:t>
+            </a:r>
+            <a:r>
+              <a:rPr b="0" lang="en-US" sz="1600" spc="-1" strike="noStrike">
+                <a:solidFill>
+                  <a:srgbClr val="000000"/>
+                </a:solidFill>
+                <a:uFill>
+                  <a:solidFill>
+                    <a:srgbClr val="ffffff"/>
+                  </a:solidFill>
+                </a:uFill>
+                <a:latin typeface="Arial"/>
+                <a:ea typeface="Noto Sans CJK SC Regular"/>
+              </a:rPr>
+              <a:t>에 비해 </a:t>
+            </a:r>
+            <a:r>
+              <a:rPr b="0" lang="en-US" sz="1600" spc="-1" strike="noStrike">
+                <a:solidFill>
+                  <a:srgbClr val="000000"/>
+                </a:solidFill>
+                <a:uFill>
+                  <a:solidFill>
+                    <a:srgbClr val="ffffff"/>
+                  </a:solidFill>
+                </a:uFill>
+                <a:latin typeface="Arial"/>
+                <a:ea typeface="Noto Sans CJK SC Regular"/>
+              </a:rPr>
+              <a:t>6% </a:t>
+            </a:r>
+            <a:r>
+              <a:rPr b="0" lang="en-US" sz="1600" spc="-1" strike="noStrike">
+                <a:solidFill>
+                  <a:srgbClr val="000000"/>
+                </a:solidFill>
+                <a:uFill>
+                  <a:solidFill>
+                    <a:srgbClr val="ffffff"/>
+                  </a:solidFill>
+                </a:uFill>
+                <a:latin typeface="Arial"/>
+                <a:ea typeface="Noto Sans CJK SC Regular"/>
+              </a:rPr>
+              <a:t>정도의 적은 오버헤드를 지닌다</a:t>
+            </a:r>
+            <a:r>
+              <a:rPr b="0" lang="en-US" sz="1600" spc="-1" strike="noStrike">
+                <a:solidFill>
+                  <a:srgbClr val="000000"/>
+                </a:solidFill>
+                <a:uFill>
+                  <a:solidFill>
+                    <a:srgbClr val="ffffff"/>
+                  </a:solidFill>
+                </a:uFill>
+                <a:latin typeface="Arial"/>
+                <a:ea typeface="Noto Sans CJK SC Regular"/>
+              </a:rPr>
+              <a:t>.</a:t>
+            </a:r>
+            <a:endParaRPr b="0" lang="en-US" sz="1800" spc="-1" strike="noStrike">
+              <a:solidFill>
+                <a:srgbClr val="000000"/>
+              </a:solidFill>
+              <a:uFill>
+                <a:solidFill>
+                  <a:srgbClr val="ffffff"/>
+                </a:solidFill>
+              </a:uFill>
+              <a:latin typeface="Arial"/>
+            </a:endParaRPr>
+          </a:p>
+          <a:p>
+            <a:r>
+              <a:rPr b="0" lang="en-US" sz="1600" spc="-1" strike="noStrike">
+                <a:solidFill>
+                  <a:srgbClr val="000000"/>
+                </a:solidFill>
+                <a:uFill>
+                  <a:solidFill>
+                    <a:srgbClr val="ffffff"/>
+                  </a:solidFill>
+                </a:uFill>
+                <a:latin typeface="Arial"/>
+                <a:ea typeface="Noto Sans CJK SC Regular"/>
+              </a:rPr>
+              <a:t>  </a:t>
+            </a:r>
+            <a:r>
+              <a:rPr b="0" lang="en-US" sz="1600" spc="-1" strike="noStrike">
+                <a:solidFill>
+                  <a:srgbClr val="000000"/>
+                </a:solidFill>
+                <a:uFill>
+                  <a:solidFill>
+                    <a:srgbClr val="ffffff"/>
+                  </a:solidFill>
+                </a:uFill>
+                <a:latin typeface="Arial"/>
+                <a:ea typeface="Noto Sans CJK SC Regular"/>
+              </a:rPr>
+              <a:t>MBF </a:t>
+            </a:r>
+            <a:r>
+              <a:rPr b="0" lang="en-US" sz="1600" spc="-1" strike="noStrike">
+                <a:solidFill>
+                  <a:srgbClr val="000000"/>
+                </a:solidFill>
+                <a:uFill>
+                  <a:solidFill>
+                    <a:srgbClr val="ffffff"/>
+                  </a:solidFill>
+                </a:uFill>
+                <a:latin typeface="Arial"/>
+                <a:ea typeface="Noto Sans CJK SC Regular"/>
+              </a:rPr>
+              <a:t>방식이 첫번째 </a:t>
+            </a:r>
+            <a:r>
+              <a:rPr b="0" lang="en-US" sz="1600" spc="-1" strike="noStrike">
+                <a:solidFill>
+                  <a:srgbClr val="000000"/>
+                </a:solidFill>
+                <a:uFill>
+                  <a:solidFill>
+                    <a:srgbClr val="ffffff"/>
+                  </a:solidFill>
+                </a:uFill>
+                <a:latin typeface="Arial"/>
+                <a:ea typeface="Noto Sans CJK SC Regular"/>
+              </a:rPr>
+              <a:t>BF</a:t>
+            </a:r>
+            <a:r>
+              <a:rPr b="0" lang="en-US" sz="1600" spc="-1" strike="noStrike">
+                <a:solidFill>
+                  <a:srgbClr val="000000"/>
+                </a:solidFill>
+                <a:uFill>
+                  <a:solidFill>
+                    <a:srgbClr val="ffffff"/>
+                  </a:solidFill>
+                </a:uFill>
+                <a:latin typeface="Arial"/>
+                <a:ea typeface="Noto Sans CJK SC Regular"/>
+              </a:rPr>
+              <a:t>부터 마지막 </a:t>
+            </a:r>
+            <a:r>
+              <a:rPr b="0" lang="en-US" sz="1600" spc="-1" strike="noStrike">
+                <a:solidFill>
+                  <a:srgbClr val="000000"/>
+                </a:solidFill>
+                <a:uFill>
+                  <a:solidFill>
+                    <a:srgbClr val="ffffff"/>
+                  </a:solidFill>
+                </a:uFill>
+                <a:latin typeface="Arial"/>
+                <a:ea typeface="Noto Sans CJK SC Regular"/>
+              </a:rPr>
+              <a:t>BF</a:t>
+            </a:r>
+            <a:r>
+              <a:rPr b="0" lang="en-US" sz="1600" spc="-1" strike="noStrike">
+                <a:solidFill>
+                  <a:srgbClr val="000000"/>
+                </a:solidFill>
+                <a:uFill>
+                  <a:solidFill>
+                    <a:srgbClr val="ffffff"/>
+                  </a:solidFill>
+                </a:uFill>
+                <a:latin typeface="Arial"/>
+                <a:ea typeface="Noto Sans CJK SC Regular"/>
+              </a:rPr>
+              <a:t>까지 차례로 기록 가능한 비트가 있는지 확인하며 순환하기 때문에 추가적인 오버헤드를 일으키는 것처럼 보일 수도 있다</a:t>
             </a:r>
             <a:r>
               <a:rPr b="0" lang="en-US" sz="1600" spc="-1" strike="noStrike">
@@ -12690,213 +13879,172 @@
                 <a:latin typeface="Arial"/>
                 <a:ea typeface="Noto Sans CJK SC Regular"/>
               </a:rPr>
-              <a:t>이 </a:t>
-            </a:r>
-            <a:r>
-              <a:rPr b="0" lang="en-US" sz="1600" spc="-1" strike="noStrike">
-                <a:solidFill>
-                  <a:srgbClr val="000000"/>
-                </a:solidFill>
-                <a:uFill>
-                  <a:solidFill>
-                    <a:srgbClr val="ffffff"/>
-                  </a:solidFill>
-                </a:uFill>
-                <a:latin typeface="Arial"/>
-                <a:ea typeface="Noto Sans CJK SC Regular"/>
-              </a:rPr>
-              <a:t>size of BF</a:t>
-            </a:r>
-            <a:r>
-              <a:rPr b="0" lang="en-US" sz="1600" spc="-1" strike="noStrike">
-                <a:solidFill>
-                  <a:srgbClr val="000000"/>
-                </a:solidFill>
-                <a:uFill>
-                  <a:solidFill>
-                    <a:srgbClr val="ffffff"/>
-                  </a:solidFill>
-                </a:uFill>
-                <a:latin typeface="Arial"/>
-                <a:ea typeface="Noto Sans CJK SC Regular"/>
-              </a:rPr>
-              <a:t>에 따라서 </a:t>
-            </a:r>
-            <a:endParaRPr b="0" lang="en-US" sz="1800" spc="-1" strike="noStrike">
-              <a:solidFill>
-                <a:srgbClr val="000000"/>
-              </a:solidFill>
-              <a:uFill>
-                <a:solidFill>
-                  <a:srgbClr val="ffffff"/>
-                </a:solidFill>
-              </a:uFill>
-              <a:latin typeface="Arial"/>
-            </a:endParaRPr>
-          </a:p>
-          <a:p>
-            <a:r>
-              <a:rPr b="0" lang="en-US" sz="1600" spc="-1" strike="noStrike">
-                <a:solidFill>
-                  <a:srgbClr val="000000"/>
-                </a:solidFill>
-                <a:uFill>
-                  <a:solidFill>
-                    <a:srgbClr val="ffffff"/>
-                  </a:solidFill>
-                </a:uFill>
-                <a:latin typeface="Arial"/>
-                <a:ea typeface="Noto Sans CJK SC Regular"/>
-              </a:rPr>
-              <a:t>decay period T </a:t>
-            </a:r>
-            <a:r>
-              <a:rPr b="0" lang="en-US" sz="1600" spc="-1" strike="noStrike">
-                <a:solidFill>
-                  <a:srgbClr val="000000"/>
-                </a:solidFill>
-                <a:uFill>
-                  <a:solidFill>
-                    <a:srgbClr val="ffffff"/>
-                  </a:solidFill>
-                </a:uFill>
-                <a:latin typeface="Arial"/>
-                <a:ea typeface="Noto Sans CJK SC Regular"/>
-              </a:rPr>
-              <a:t>도 결정이 된다</a:t>
-            </a:r>
-            <a:r>
-              <a:rPr b="0" lang="en-US" sz="1600" spc="-1" strike="noStrike">
-                <a:solidFill>
-                  <a:srgbClr val="000000"/>
-                </a:solidFill>
-                <a:uFill>
-                  <a:solidFill>
-                    <a:srgbClr val="ffffff"/>
-                  </a:solidFill>
-                </a:uFill>
-                <a:latin typeface="Arial"/>
-                <a:ea typeface="Noto Sans CJK SC Regular"/>
-              </a:rPr>
-              <a:t>. MBF </a:t>
-            </a:r>
-            <a:r>
-              <a:rPr b="0" lang="en-US" sz="1600" spc="-1" strike="noStrike">
-                <a:solidFill>
-                  <a:srgbClr val="000000"/>
-                </a:solidFill>
-                <a:uFill>
-                  <a:solidFill>
-                    <a:srgbClr val="ffffff"/>
-                  </a:solidFill>
-                </a:uFill>
-                <a:latin typeface="Arial"/>
-                <a:ea typeface="Noto Sans CJK SC Regular"/>
-              </a:rPr>
-              <a:t>방식은 </a:t>
-            </a:r>
-            <a:r>
-              <a:rPr b="0" lang="en-US" sz="1600" spc="-1" strike="noStrike">
-                <a:solidFill>
-                  <a:srgbClr val="000000"/>
-                </a:solidFill>
-                <a:uFill>
-                  <a:solidFill>
-                    <a:srgbClr val="ffffff"/>
-                  </a:solidFill>
-                </a:uFill>
-                <a:latin typeface="Arial"/>
-                <a:ea typeface="Noto Sans CJK SC Regular"/>
-              </a:rPr>
-              <a:t>V = 8 </a:t>
-            </a:r>
-            <a:r>
-              <a:rPr b="0" lang="en-US" sz="1600" spc="-1" strike="noStrike">
-                <a:solidFill>
-                  <a:srgbClr val="000000"/>
-                </a:solidFill>
-                <a:uFill>
-                  <a:solidFill>
-                    <a:srgbClr val="ffffff"/>
-                  </a:solidFill>
-                </a:uFill>
-                <a:latin typeface="Arial"/>
-                <a:ea typeface="Noto Sans CJK SC Regular"/>
-              </a:rPr>
-              <a:t>로 바꾸면 </a:t>
-            </a:r>
-            <a:r>
-              <a:rPr b="0" lang="en-US" sz="1600" spc="-1" strike="noStrike">
-                <a:solidFill>
-                  <a:srgbClr val="000000"/>
-                </a:solidFill>
-                <a:uFill>
-                  <a:solidFill>
-                    <a:srgbClr val="ffffff"/>
-                  </a:solidFill>
-                </a:uFill>
-                <a:latin typeface="Arial"/>
-                <a:ea typeface="Noto Sans CJK SC Regular"/>
-              </a:rPr>
-              <a:t>false identification </a:t>
-            </a:r>
-            <a:r>
-              <a:rPr b="0" lang="en-US" sz="1600" spc="-1" strike="noStrike">
-                <a:solidFill>
-                  <a:srgbClr val="000000"/>
-                </a:solidFill>
-                <a:uFill>
-                  <a:solidFill>
-                    <a:srgbClr val="ffffff"/>
-                  </a:solidFill>
-                </a:uFill>
-                <a:latin typeface="Arial"/>
-                <a:ea typeface="Noto Sans CJK SC Regular"/>
-              </a:rPr>
-              <a:t>은 동일하면서 </a:t>
-            </a:r>
-            <a:endParaRPr b="0" lang="en-US" sz="1800" spc="-1" strike="noStrike">
-              <a:solidFill>
-                <a:srgbClr val="000000"/>
-              </a:solidFill>
-              <a:uFill>
-                <a:solidFill>
-                  <a:srgbClr val="ffffff"/>
-                </a:solidFill>
-              </a:uFill>
-              <a:latin typeface="Arial"/>
-            </a:endParaRPr>
-          </a:p>
-          <a:p>
-            <a:r>
-              <a:rPr b="0" lang="en-US" sz="1600" spc="-1" strike="noStrike">
-                <a:solidFill>
-                  <a:srgbClr val="000000"/>
-                </a:solidFill>
-                <a:uFill>
-                  <a:solidFill>
-                    <a:srgbClr val="ffffff"/>
-                  </a:solidFill>
-                </a:uFill>
-                <a:latin typeface="Arial"/>
-                <a:ea typeface="Noto Sans CJK SC Regular"/>
-              </a:rPr>
-              <a:t>조금 더 나은 성능을 보인다</a:t>
-            </a:r>
-            <a:r>
-              <a:rPr b="0" lang="en-US" sz="1600" spc="-1" strike="noStrike">
-                <a:solidFill>
-                  <a:srgbClr val="000000"/>
-                </a:solidFill>
-                <a:uFill>
-                  <a:solidFill>
-                    <a:srgbClr val="ffffff"/>
-                  </a:solidFill>
-                </a:uFill>
-                <a:latin typeface="Arial"/>
-                <a:ea typeface="Noto Sans CJK SC Regular"/>
-              </a:rPr>
-              <a:t>. (figure 15) </a:t>
+              <a:t>그러나 한번 </a:t>
+            </a:r>
+            <a:r>
+              <a:rPr b="0" lang="en-US" sz="1600" spc="-1" strike="noStrike">
+                <a:solidFill>
+                  <a:srgbClr val="000000"/>
+                </a:solidFill>
+                <a:uFill>
+                  <a:solidFill>
+                    <a:srgbClr val="ffffff"/>
+                  </a:solidFill>
+                </a:uFill>
+                <a:latin typeface="Arial"/>
+                <a:ea typeface="Noto Sans CJK SC Regular"/>
+              </a:rPr>
+              <a:t>hot data</a:t>
+            </a:r>
+            <a:r>
+              <a:rPr b="0" lang="en-US" sz="1600" spc="-1" strike="noStrike">
+                <a:solidFill>
+                  <a:srgbClr val="000000"/>
+                </a:solidFill>
+                <a:uFill>
+                  <a:solidFill>
+                    <a:srgbClr val="ffffff"/>
+                  </a:solidFill>
+                </a:uFill>
+                <a:latin typeface="Arial"/>
+                <a:ea typeface="Noto Sans CJK SC Regular"/>
+              </a:rPr>
+              <a:t>로 판별되고 나면 더 이상 위의 작업은 하지 않으므로 오히려 오버헤드가 사라지는 장점이 있다</a:t>
+            </a:r>
+            <a:r>
+              <a:rPr b="0" lang="en-US" sz="1600" spc="-1" strike="noStrike">
+                <a:solidFill>
+                  <a:srgbClr val="000000"/>
+                </a:solidFill>
+                <a:uFill>
+                  <a:solidFill>
+                    <a:srgbClr val="ffffff"/>
+                  </a:solidFill>
+                </a:uFill>
+                <a:latin typeface="Arial"/>
+                <a:ea typeface="Noto Sans CJK SC Regular"/>
+              </a:rPr>
+              <a:t>. </a:t>
+            </a:r>
+            <a:r>
+              <a:rPr b="0" lang="en-US" sz="1600" spc="-1" strike="noStrike">
+                <a:solidFill>
+                  <a:srgbClr val="000000"/>
+                </a:solidFill>
+                <a:uFill>
+                  <a:solidFill>
+                    <a:srgbClr val="ffffff"/>
+                  </a:solidFill>
+                </a:uFill>
+                <a:latin typeface="Arial"/>
+                <a:ea typeface="Noto Sans CJK SC Regular"/>
+              </a:rPr>
+              <a:t>그림</a:t>
+            </a:r>
+            <a:r>
+              <a:rPr b="0" lang="en-US" sz="1600" spc="-1" strike="noStrike">
+                <a:solidFill>
+                  <a:srgbClr val="000000"/>
+                </a:solidFill>
+                <a:uFill>
+                  <a:solidFill>
+                    <a:srgbClr val="ffffff"/>
+                  </a:solidFill>
+                </a:uFill>
+                <a:latin typeface="Arial"/>
+                <a:ea typeface="Noto Sans CJK SC Regular"/>
+              </a:rPr>
+              <a:t>12</a:t>
+            </a:r>
+            <a:r>
+              <a:rPr b="0" lang="en-US" sz="1600" spc="-1" strike="noStrike">
+                <a:solidFill>
+                  <a:srgbClr val="000000"/>
+                </a:solidFill>
+                <a:uFill>
+                  <a:solidFill>
+                    <a:srgbClr val="ffffff"/>
+                  </a:solidFill>
+                </a:uFill>
+                <a:latin typeface="Arial"/>
+                <a:ea typeface="Noto Sans CJK SC Regular"/>
+              </a:rPr>
+              <a:t>를 참고하자</a:t>
+            </a:r>
+            <a:r>
+              <a:rPr b="0" lang="en-US" sz="1600" spc="-1" strike="noStrike">
+                <a:solidFill>
+                  <a:srgbClr val="000000"/>
+                </a:solidFill>
+                <a:uFill>
+                  <a:solidFill>
+                    <a:srgbClr val="ffffff"/>
+                  </a:solidFill>
+                </a:uFill>
+                <a:latin typeface="Arial"/>
+                <a:ea typeface="Noto Sans CJK SC Regular"/>
+              </a:rPr>
+              <a:t>. decay </a:t>
+            </a:r>
+            <a:r>
+              <a:rPr b="0" lang="en-US" sz="1600" spc="-1" strike="noStrike">
+                <a:solidFill>
+                  <a:srgbClr val="000000"/>
+                </a:solidFill>
+                <a:uFill>
+                  <a:solidFill>
+                    <a:srgbClr val="ffffff"/>
+                  </a:solidFill>
+                </a:uFill>
+                <a:latin typeface="Arial"/>
+                <a:ea typeface="Noto Sans CJK SC Regular"/>
+              </a:rPr>
+              <a:t>프로세스는 당연히 더 적은 비트를 조작하는 </a:t>
+            </a:r>
+            <a:r>
+              <a:rPr b="0" lang="en-US" sz="1600" spc="-1" strike="noStrike">
+                <a:solidFill>
+                  <a:srgbClr val="000000"/>
+                </a:solidFill>
+                <a:uFill>
+                  <a:solidFill>
+                    <a:srgbClr val="ffffff"/>
+                  </a:solidFill>
+                </a:uFill>
+                <a:latin typeface="Arial"/>
+                <a:ea typeface="Noto Sans CJK SC Regular"/>
+              </a:rPr>
+              <a:t>MBF </a:t>
+            </a:r>
+            <a:r>
+              <a:rPr b="0" lang="en-US" sz="1600" spc="-1" strike="noStrike">
+                <a:solidFill>
+                  <a:srgbClr val="000000"/>
+                </a:solidFill>
+                <a:uFill>
+                  <a:solidFill>
+                    <a:srgbClr val="ffffff"/>
+                  </a:solidFill>
+                </a:uFill>
+                <a:latin typeface="Arial"/>
+                <a:ea typeface="Noto Sans CJK SC Regular"/>
+              </a:rPr>
+              <a:t>가 우월한 성능을 보여준다</a:t>
+            </a:r>
+            <a:r>
+              <a:rPr b="0" lang="en-US" sz="1600" spc="-1" strike="noStrike">
+                <a:solidFill>
+                  <a:srgbClr val="000000"/>
+                </a:solidFill>
+                <a:uFill>
+                  <a:solidFill>
+                    <a:srgbClr val="ffffff"/>
+                  </a:solidFill>
+                </a:uFill>
+                <a:latin typeface="Arial"/>
+                <a:ea typeface="Noto Sans CJK SC Regular"/>
+              </a:rPr>
+              <a:t>.</a:t>
             </a:r>
             <a:endParaRPr b="0" lang="en-US" sz="1800" spc="-1" strike="noStrike">
               <a:solidFill>
@@ -12912,52 +14060,6 @@
           </a:p>
         </p:txBody>
       </p:sp>
-      <p:pic>
-        <p:nvPicPr>
-          <p:cNvPr id="93" name="" descr=""/>
-          <p:cNvPicPr/>
-          <p:nvPr/>
-        </p:nvPicPr>
-        <p:blipFill>
-          <a:blip r:embed="rId1"/>
-          <a:stretch/>
-        </p:blipFill>
-        <p:spPr>
-          <a:xfrm>
-            <a:off x="91440" y="3960720"/>
-            <a:ext cx="4846320" cy="2651040"/>
-          </a:xfrm>
-          <a:prstGeom prst="rect">
-            <a:avLst/>
-          </a:prstGeom>
-          <a:ln>
-            <a:noFill/>
-          </a:ln>
-        </p:spPr>
-      </p:pic>
-      <p:pic>
-        <p:nvPicPr>
-          <p:cNvPr id="94" name="" descr=""/>
-          <p:cNvPicPr/>
-          <p:nvPr/>
-        </p:nvPicPr>
-        <p:blipFill>
-          <a:blip r:embed="rId2"/>
-          <a:stretch/>
-        </p:blipFill>
-        <p:spPr>
-          <a:xfrm>
-            <a:off x="5120640" y="3969360"/>
-            <a:ext cx="4846320" cy="2702880"/>
-          </a:xfrm>
-          <a:prstGeom prst="rect">
-            <a:avLst/>
-          </a:prstGeom>
-          <a:ln>
-            <a:noFill/>
-          </a:ln>
-        </p:spPr>
-      </p:pic>
     </p:spTree>
   </p:cSld>
   <p:timing>
@@ -13009,7 +14111,7 @@
       </p:grpSpPr>
       <p:sp>
         <p:nvSpPr>
-          <p:cNvPr id="95" name="TextShape 1"/>
+          <p:cNvPr id="92" name="TextShape 1"/>
           <p:cNvSpPr txBox="1"/>
           <p:nvPr/>
         </p:nvSpPr>
@@ -13042,7 +14144,7 @@
                 </a:uFill>
                 <a:latin typeface="Arial"/>
               </a:rPr>
-              <a:t>Personal Opinion</a:t>
+              <a:t>Performance</a:t>
             </a:r>
             <a:endParaRPr b="0" lang="en-US" sz="4400" spc="-1" strike="noStrike">
               <a:solidFill>
@@ -13060,14 +14162,14 @@
       </p:sp>
       <p:sp>
         <p:nvSpPr>
-          <p:cNvPr id="96" name="TextShape 2"/>
+          <p:cNvPr id="93" name="TextShape 2"/>
           <p:cNvSpPr txBox="1"/>
           <p:nvPr/>
         </p:nvSpPr>
         <p:spPr>
           <a:xfrm>
             <a:off x="432000" y="1457280"/>
-            <a:ext cx="9097200" cy="3634560"/>
+            <a:ext cx="9097200" cy="1297080"/>
           </a:xfrm>
           <a:prstGeom prst="rect">
             <a:avLst/>
@@ -13081,19 +14183,34 @@
           <a:bodyPr lIns="90000" rIns="90000" tIns="45000" bIns="45000"/>
           <a:p>
             <a:r>
-              <a:rPr b="0" lang="en-US" sz="1600" spc="-1" strike="noStrike">
-                <a:solidFill>
-                  <a:srgbClr val="000000"/>
-                </a:solidFill>
-                <a:uFill>
-                  <a:solidFill>
-                    <a:srgbClr val="ffffff"/>
-                  </a:solidFill>
-                </a:uFill>
-                <a:latin typeface="Arial"/>
-                <a:ea typeface="Noto Sans CJK SC Regular"/>
-              </a:rPr>
-              <a:t>이 논문 아이디어나 디자인에 대한 문제 제기 또는 개선을 위한 본인의 의견</a:t>
+              <a:rPr b="1" lang="en-US" sz="1600" spc="-1" strike="noStrike">
+                <a:solidFill>
+                  <a:srgbClr val="000000"/>
+                </a:solidFill>
+                <a:uFill>
+                  <a:solidFill>
+                    <a:srgbClr val="ffffff"/>
+                  </a:solidFill>
+                </a:uFill>
+                <a:latin typeface="Arial"/>
+                <a:ea typeface="Noto Sans CJK SC Regular"/>
+              </a:rPr>
+              <a:t>D) Impact of Memory Size </a:t>
+            </a:r>
+            <a:r>
+              <a:rPr b="1" lang="en-US" sz="1600" spc="-1" strike="noStrike">
+                <a:solidFill>
+                  <a:srgbClr val="000000"/>
+                </a:solidFill>
+                <a:uFill>
+                  <a:solidFill>
+                    <a:srgbClr val="ffffff"/>
+                  </a:solidFill>
+                </a:uFill>
+                <a:latin typeface="Arial"/>
+                <a:ea typeface="Noto Sans CJK SC Regular"/>
+              </a:rPr>
+              <a:t>관점에서</a:t>
             </a:r>
             <a:endParaRPr b="0" lang="en-US" sz="1800" spc="-1" strike="noStrike">
               <a:solidFill>
@@ -13121,22 +14238,185 @@
                 <a:latin typeface="Arial"/>
                 <a:ea typeface="Noto Sans CJK SC Regular"/>
               </a:rPr>
-              <a:t>(</a:t>
-            </a:r>
-            <a:r>
-              <a:rPr b="0" lang="en-US" sz="1600" spc="-1" strike="noStrike">
-                <a:solidFill>
-                  <a:srgbClr val="000000"/>
-                </a:solidFill>
-                <a:uFill>
-                  <a:solidFill>
-                    <a:srgbClr val="ffffff"/>
-                  </a:solidFill>
-                </a:uFill>
-                <a:latin typeface="Arial"/>
-                <a:ea typeface="Noto Sans CJK SC Regular"/>
-              </a:rPr>
-              <a:t>이 부분은 오류가 있을 수도 있다</a:t>
+              <a:t>  </a:t>
+            </a:r>
+            <a:r>
+              <a:rPr b="0" lang="en-US" sz="1600" spc="-1" strike="noStrike">
+                <a:solidFill>
+                  <a:srgbClr val="000000"/>
+                </a:solidFill>
+                <a:uFill>
+                  <a:solidFill>
+                    <a:srgbClr val="ffffff"/>
+                  </a:solidFill>
+                </a:uFill>
+                <a:latin typeface="Arial"/>
+                <a:ea typeface="Noto Sans CJK SC Regular"/>
+              </a:rPr>
+              <a:t>MBF</a:t>
+            </a:r>
+            <a:r>
+              <a:rPr b="0" lang="en-US" sz="1600" spc="-1" strike="noStrike">
+                <a:solidFill>
+                  <a:srgbClr val="000000"/>
+                </a:solidFill>
+                <a:uFill>
+                  <a:solidFill>
+                    <a:srgbClr val="ffffff"/>
+                  </a:solidFill>
+                </a:uFill>
+                <a:latin typeface="Arial"/>
+                <a:ea typeface="Noto Sans CJK SC Regular"/>
+              </a:rPr>
+              <a:t>의 메모리 사용량은 </a:t>
+            </a:r>
+            <a:r>
+              <a:rPr b="0" lang="en-US" sz="1600" spc="-1" strike="noStrike">
+                <a:solidFill>
+                  <a:srgbClr val="000000"/>
+                </a:solidFill>
+                <a:uFill>
+                  <a:solidFill>
+                    <a:srgbClr val="ffffff"/>
+                  </a:solidFill>
+                </a:uFill>
+                <a:latin typeface="Arial"/>
+                <a:ea typeface="Noto Sans CJK SC Regular"/>
+              </a:rPr>
+              <a:t>MHF</a:t>
+            </a:r>
+            <a:r>
+              <a:rPr b="0" lang="en-US" sz="1600" spc="-1" strike="noStrike">
+                <a:solidFill>
+                  <a:srgbClr val="000000"/>
+                </a:solidFill>
+                <a:uFill>
+                  <a:solidFill>
+                    <a:srgbClr val="ffffff"/>
+                  </a:solidFill>
+                </a:uFill>
+                <a:latin typeface="Arial"/>
+                <a:ea typeface="Noto Sans CJK SC Regular"/>
+              </a:rPr>
+              <a:t>의 절반이다</a:t>
+            </a:r>
+            <a:r>
+              <a:rPr b="0" lang="en-US" sz="1600" spc="-1" strike="noStrike">
+                <a:solidFill>
+                  <a:srgbClr val="000000"/>
+                </a:solidFill>
+                <a:uFill>
+                  <a:solidFill>
+                    <a:srgbClr val="ffffff"/>
+                  </a:solidFill>
+                </a:uFill>
+                <a:latin typeface="Arial"/>
+                <a:ea typeface="Noto Sans CJK SC Regular"/>
+              </a:rPr>
+              <a:t>.</a:t>
+            </a:r>
+            <a:endParaRPr b="0" lang="en-US" sz="1800" spc="-1" strike="noStrike">
+              <a:solidFill>
+                <a:srgbClr val="000000"/>
+              </a:solidFill>
+              <a:uFill>
+                <a:solidFill>
+                  <a:srgbClr val="ffffff"/>
+                </a:solidFill>
+              </a:uFill>
+              <a:latin typeface="Arial"/>
+            </a:endParaRPr>
+          </a:p>
+          <a:p>
+            <a:r>
+              <a:rPr b="0" lang="en-US" sz="1600" spc="-1" strike="noStrike">
+                <a:solidFill>
+                  <a:srgbClr val="000000"/>
+                </a:solidFill>
+                <a:uFill>
+                  <a:solidFill>
+                    <a:srgbClr val="ffffff"/>
+                  </a:solidFill>
+                </a:uFill>
+                <a:latin typeface="Arial"/>
+                <a:ea typeface="Noto Sans CJK SC Regular"/>
+              </a:rPr>
+              <a:t>  </a:t>
+            </a:r>
+            <a:r>
+              <a:rPr b="0" lang="en-US" sz="1600" spc="-1" strike="noStrike">
+                <a:solidFill>
+                  <a:srgbClr val="000000"/>
+                </a:solidFill>
+                <a:uFill>
+                  <a:solidFill>
+                    <a:srgbClr val="ffffff"/>
+                  </a:solidFill>
+                </a:uFill>
+                <a:latin typeface="Arial"/>
+                <a:ea typeface="Noto Sans CJK SC Regular"/>
+              </a:rPr>
+              <a:t>그림</a:t>
+            </a:r>
+            <a:r>
+              <a:rPr b="0" lang="en-US" sz="1600" spc="-1" strike="noStrike">
+                <a:solidFill>
+                  <a:srgbClr val="000000"/>
+                </a:solidFill>
+                <a:uFill>
+                  <a:solidFill>
+                    <a:srgbClr val="ffffff"/>
+                  </a:solidFill>
+                </a:uFill>
+                <a:latin typeface="Arial"/>
+                <a:ea typeface="Noto Sans CJK SC Regular"/>
+              </a:rPr>
+              <a:t>13</a:t>
+            </a:r>
+            <a:r>
+              <a:rPr b="0" lang="en-US" sz="1600" spc="-1" strike="noStrike">
+                <a:solidFill>
+                  <a:srgbClr val="000000"/>
+                </a:solidFill>
+                <a:uFill>
+                  <a:solidFill>
+                    <a:srgbClr val="ffffff"/>
+                  </a:solidFill>
+                </a:uFill>
+                <a:latin typeface="Arial"/>
+                <a:ea typeface="Noto Sans CJK SC Regular"/>
+              </a:rPr>
+              <a:t>은 동일한 메모리 사용량에서 </a:t>
+            </a:r>
+            <a:r>
+              <a:rPr b="0" lang="en-US" sz="1600" spc="-1" strike="noStrike">
+                <a:solidFill>
+                  <a:srgbClr val="000000"/>
+                </a:solidFill>
+                <a:uFill>
+                  <a:solidFill>
+                    <a:srgbClr val="ffffff"/>
+                  </a:solidFill>
+                </a:uFill>
+                <a:latin typeface="Arial"/>
+                <a:ea typeface="Noto Sans CJK SC Regular"/>
+              </a:rPr>
+              <a:t>false rate</a:t>
+            </a:r>
+            <a:r>
+              <a:rPr b="0" lang="en-US" sz="1600" spc="-1" strike="noStrike">
+                <a:solidFill>
+                  <a:srgbClr val="000000"/>
+                </a:solidFill>
+                <a:uFill>
+                  <a:solidFill>
+                    <a:srgbClr val="ffffff"/>
+                  </a:solidFill>
+                </a:uFill>
+                <a:latin typeface="Arial"/>
+                <a:ea typeface="Noto Sans CJK SC Regular"/>
+              </a:rPr>
+              <a:t>가 어떻게 변하는지를 보여준다</a:t>
             </a:r>
             <a:r>
               <a:rPr b="0" lang="en-US" sz="1600" spc="-1" strike="noStrike">
@@ -13153,36 +14433,6 @@
               </a:rPr>
               <a:t>. </a:t>
             </a:r>
-            <a:r>
-              <a:rPr b="0" lang="en-US" sz="1600" spc="-1" strike="noStrike">
-                <a:solidFill>
-                  <a:srgbClr val="000000"/>
-                </a:solidFill>
-                <a:uFill>
-                  <a:solidFill>
-                    <a:srgbClr val="ffffff"/>
-                  </a:solidFill>
-                </a:uFill>
-                <a:latin typeface="Arial"/>
-                <a:ea typeface="Noto Sans CJK SC Regular"/>
-              </a:rPr>
-              <a:t>개인적인 분석이므로</a:t>
-            </a:r>
-            <a:r>
-              <a:rPr b="0" lang="en-US" sz="1600" spc="-1" strike="noStrike">
-                <a:solidFill>
-                  <a:srgbClr val="000000"/>
-                </a:solidFill>
-                <a:uFill>
-                  <a:solidFill>
-                    <a:srgbClr val="ffffff"/>
-                  </a:solidFill>
-                </a:uFill>
-                <a:latin typeface="Arial"/>
-                <a:ea typeface="Noto Sans CJK SC Regular"/>
-              </a:rPr>
-              <a:t>)</a:t>
-            </a:r>
             <a:endParaRPr b="0" lang="en-US" sz="1800" spc="-1" strike="noStrike">
               <a:solidFill>
                 <a:srgbClr val="000000"/>
@@ -13196,797 +14446,50 @@
             </a:endParaRPr>
           </a:p>
           <a:p>
-            <a:endParaRPr b="0" lang="en-US" sz="1800" spc="-1" strike="noStrike">
-              <a:solidFill>
-                <a:srgbClr val="000000"/>
-              </a:solidFill>
-              <a:uFill>
-                <a:solidFill>
-                  <a:srgbClr val="ffffff"/>
-                </a:solidFill>
-              </a:uFill>
-              <a:latin typeface="Arial"/>
-            </a:endParaRPr>
-          </a:p>
-          <a:p>
-            <a:r>
-              <a:rPr b="0" lang="en-US" sz="1600" spc="-1" strike="noStrike">
-                <a:solidFill>
-                  <a:srgbClr val="000000"/>
-                </a:solidFill>
-                <a:uFill>
-                  <a:solidFill>
-                    <a:srgbClr val="ffffff"/>
-                  </a:solidFill>
-                </a:uFill>
-                <a:latin typeface="Arial"/>
-                <a:ea typeface="Noto Sans CJK SC Regular"/>
-              </a:rPr>
-              <a:t>테스트 성능 결과는 </a:t>
-            </a:r>
-            <a:r>
-              <a:rPr b="0" lang="en-US" sz="1600" spc="-1" strike="noStrike">
-                <a:solidFill>
-                  <a:srgbClr val="000000"/>
-                </a:solidFill>
-                <a:uFill>
-                  <a:solidFill>
-                    <a:srgbClr val="ffffff"/>
-                  </a:solidFill>
-                </a:uFill>
-                <a:latin typeface="Arial"/>
-                <a:ea typeface="Noto Sans CJK SC Regular"/>
-              </a:rPr>
-              <a:t>MBF </a:t>
-            </a:r>
-            <a:r>
-              <a:rPr b="0" lang="en-US" sz="1600" spc="-1" strike="noStrike">
-                <a:solidFill>
-                  <a:srgbClr val="000000"/>
-                </a:solidFill>
-                <a:uFill>
-                  <a:solidFill>
-                    <a:srgbClr val="ffffff"/>
-                  </a:solidFill>
-                </a:uFill>
-                <a:latin typeface="Arial"/>
-                <a:ea typeface="Noto Sans CJK SC Regular"/>
-              </a:rPr>
-              <a:t>에 기반한 </a:t>
-            </a:r>
-            <a:r>
-              <a:rPr b="0" lang="en-US" sz="1600" spc="-1" strike="noStrike">
-                <a:solidFill>
-                  <a:srgbClr val="000000"/>
-                </a:solidFill>
-                <a:uFill>
-                  <a:solidFill>
-                    <a:srgbClr val="ffffff"/>
-                  </a:solidFill>
-                </a:uFill>
-                <a:latin typeface="Arial"/>
-                <a:ea typeface="Noto Sans CJK SC Regular"/>
-              </a:rPr>
-              <a:t>WDAC </a:t>
-            </a:r>
-            <a:r>
-              <a:rPr b="0" lang="en-US" sz="1600" spc="-1" strike="noStrike">
-                <a:solidFill>
-                  <a:srgbClr val="000000"/>
-                </a:solidFill>
-                <a:uFill>
-                  <a:solidFill>
-                    <a:srgbClr val="ffffff"/>
-                  </a:solidFill>
-                </a:uFill>
-                <a:latin typeface="Arial"/>
-                <a:ea typeface="Noto Sans CJK SC Regular"/>
-              </a:rPr>
-              <a:t>방식이 기존 논문의 알고리즘보다 나은 것으로 사료된다</a:t>
-            </a:r>
-            <a:r>
-              <a:rPr b="0" lang="en-US" sz="1600" spc="-1" strike="noStrike">
-                <a:solidFill>
-                  <a:srgbClr val="000000"/>
-                </a:solidFill>
-                <a:uFill>
-                  <a:solidFill>
-                    <a:srgbClr val="ffffff"/>
-                  </a:solidFill>
-                </a:uFill>
-                <a:latin typeface="Arial"/>
-                <a:ea typeface="Noto Sans CJK SC Regular"/>
-              </a:rPr>
-              <a:t>. </a:t>
-            </a:r>
-            <a:endParaRPr b="0" lang="en-US" sz="1800" spc="-1" strike="noStrike">
-              <a:solidFill>
-                <a:srgbClr val="000000"/>
-              </a:solidFill>
-              <a:uFill>
-                <a:solidFill>
-                  <a:srgbClr val="ffffff"/>
-                </a:solidFill>
-              </a:uFill>
-              <a:latin typeface="Arial"/>
-            </a:endParaRPr>
-          </a:p>
-          <a:p>
-            <a:r>
-              <a:rPr b="0" lang="en-US" sz="1600" spc="-1" strike="noStrike">
-                <a:solidFill>
-                  <a:srgbClr val="000000"/>
-                </a:solidFill>
-                <a:uFill>
-                  <a:solidFill>
-                    <a:srgbClr val="ffffff"/>
-                  </a:solidFill>
-                </a:uFill>
-                <a:latin typeface="Arial"/>
-                <a:ea typeface="Noto Sans CJK SC Regular"/>
-              </a:rPr>
-              <a:t>대부분의 상황에서는 이 분석이 옳은 것으로 판명날 것이다</a:t>
-            </a:r>
-            <a:r>
-              <a:rPr b="0" lang="en-US" sz="1600" spc="-1" strike="noStrike">
-                <a:solidFill>
-                  <a:srgbClr val="000000"/>
-                </a:solidFill>
-                <a:uFill>
-                  <a:solidFill>
-                    <a:srgbClr val="ffffff"/>
-                  </a:solidFill>
-                </a:uFill>
-                <a:latin typeface="Arial"/>
-                <a:ea typeface="Noto Sans CJK SC Regular"/>
-              </a:rPr>
-              <a:t>. </a:t>
-            </a:r>
-            <a:endParaRPr b="0" lang="en-US" sz="1800" spc="-1" strike="noStrike">
-              <a:solidFill>
-                <a:srgbClr val="000000"/>
-              </a:solidFill>
-              <a:uFill>
-                <a:solidFill>
-                  <a:srgbClr val="ffffff"/>
-                </a:solidFill>
-              </a:uFill>
-              <a:latin typeface="Arial"/>
-            </a:endParaRPr>
-          </a:p>
-          <a:p>
-            <a:r>
-              <a:rPr b="0" lang="en-US" sz="1600" spc="-1" strike="noStrike">
-                <a:solidFill>
-                  <a:srgbClr val="000000"/>
-                </a:solidFill>
-                <a:uFill>
-                  <a:solidFill>
-                    <a:srgbClr val="ffffff"/>
-                  </a:solidFill>
-                </a:uFill>
-                <a:latin typeface="Arial"/>
-                <a:ea typeface="Noto Sans CJK SC Regular"/>
-              </a:rPr>
-              <a:t>그러나 이런 방식으로도 생각해볼 수 있을 것 같다</a:t>
-            </a:r>
-            <a:r>
-              <a:rPr b="0" lang="en-US" sz="1600" spc="-1" strike="noStrike">
-                <a:solidFill>
-                  <a:srgbClr val="000000"/>
-                </a:solidFill>
-                <a:uFill>
-                  <a:solidFill>
-                    <a:srgbClr val="ffffff"/>
-                  </a:solidFill>
-                </a:uFill>
-                <a:latin typeface="Arial"/>
-                <a:ea typeface="Noto Sans CJK SC Regular"/>
-              </a:rPr>
-              <a:t>. </a:t>
-            </a:r>
-            <a:r>
-              <a:rPr b="0" lang="en-US" sz="1600" spc="-1" strike="noStrike">
-                <a:solidFill>
-                  <a:srgbClr val="000000"/>
-                </a:solidFill>
-                <a:uFill>
-                  <a:solidFill>
-                    <a:srgbClr val="ffffff"/>
-                  </a:solidFill>
-                </a:uFill>
-                <a:latin typeface="Arial"/>
-                <a:ea typeface="Noto Sans CJK SC Regular"/>
-              </a:rPr>
-              <a:t>뛰어난 성능을 보이기는 하지만 </a:t>
-            </a:r>
-            <a:r>
-              <a:rPr b="0" lang="en-US" sz="1600" spc="-1" strike="noStrike">
-                <a:solidFill>
-                  <a:srgbClr val="000000"/>
-                </a:solidFill>
-                <a:uFill>
-                  <a:solidFill>
-                    <a:srgbClr val="ffffff"/>
-                  </a:solidFill>
-                </a:uFill>
-                <a:latin typeface="Arial"/>
-                <a:ea typeface="Noto Sans CJK SC Regular"/>
-              </a:rPr>
-              <a:t>MBF </a:t>
-            </a:r>
-            <a:r>
-              <a:rPr b="0" lang="en-US" sz="1600" spc="-1" strike="noStrike">
-                <a:solidFill>
-                  <a:srgbClr val="000000"/>
-                </a:solidFill>
-                <a:uFill>
-                  <a:solidFill>
-                    <a:srgbClr val="ffffff"/>
-                  </a:solidFill>
-                </a:uFill>
-                <a:latin typeface="Arial"/>
-                <a:ea typeface="Noto Sans CJK SC Regular"/>
-              </a:rPr>
-              <a:t>방식은 </a:t>
-            </a:r>
-            <a:endParaRPr b="0" lang="en-US" sz="1800" spc="-1" strike="noStrike">
-              <a:solidFill>
-                <a:srgbClr val="000000"/>
-              </a:solidFill>
-              <a:uFill>
-                <a:solidFill>
-                  <a:srgbClr val="ffffff"/>
-                </a:solidFill>
-              </a:uFill>
-              <a:latin typeface="Arial"/>
-            </a:endParaRPr>
-          </a:p>
-          <a:p>
-            <a:r>
-              <a:rPr b="0" lang="en-US" sz="1600" spc="-1" strike="noStrike">
-                <a:solidFill>
-                  <a:srgbClr val="000000"/>
-                </a:solidFill>
-                <a:uFill>
-                  <a:solidFill>
-                    <a:srgbClr val="ffffff"/>
-                  </a:solidFill>
-                </a:uFill>
-                <a:latin typeface="Arial"/>
-                <a:ea typeface="Noto Sans CJK SC Regular"/>
-              </a:rPr>
-              <a:t>구조적으로 복잡하며 알고리즘을 실행했을 때 수많은 </a:t>
-            </a:r>
-            <a:r>
-              <a:rPr b="0" lang="en-US" sz="1600" spc="-1" strike="noStrike">
-                <a:solidFill>
-                  <a:srgbClr val="000000"/>
-                </a:solidFill>
-                <a:uFill>
-                  <a:solidFill>
-                    <a:srgbClr val="ffffff"/>
-                  </a:solidFill>
-                </a:uFill>
-                <a:latin typeface="Arial"/>
-                <a:ea typeface="Noto Sans CJK SC Regular"/>
-              </a:rPr>
-              <a:t>branch</a:t>
-            </a:r>
-            <a:r>
-              <a:rPr b="0" lang="en-US" sz="1600" spc="-1" strike="noStrike">
-                <a:solidFill>
-                  <a:srgbClr val="000000"/>
-                </a:solidFill>
-                <a:uFill>
-                  <a:solidFill>
-                    <a:srgbClr val="ffffff"/>
-                  </a:solidFill>
-                </a:uFill>
-                <a:latin typeface="Arial"/>
-                <a:ea typeface="Noto Sans CJK SC Regular"/>
-              </a:rPr>
-              <a:t>가 생긴다는 것을 알 수 있다</a:t>
-            </a:r>
-            <a:r>
-              <a:rPr b="0" lang="en-US" sz="1600" spc="-1" strike="noStrike">
-                <a:solidFill>
-                  <a:srgbClr val="000000"/>
-                </a:solidFill>
-                <a:uFill>
-                  <a:solidFill>
-                    <a:srgbClr val="ffffff"/>
-                  </a:solidFill>
-                </a:uFill>
-                <a:latin typeface="Arial"/>
-                <a:ea typeface="Noto Sans CJK SC Regular"/>
-              </a:rPr>
-              <a:t>. </a:t>
-            </a:r>
-            <a:endParaRPr b="0" lang="en-US" sz="1800" spc="-1" strike="noStrike">
-              <a:solidFill>
-                <a:srgbClr val="000000"/>
-              </a:solidFill>
-              <a:uFill>
-                <a:solidFill>
-                  <a:srgbClr val="ffffff"/>
-                </a:solidFill>
-              </a:uFill>
-              <a:latin typeface="Arial"/>
-            </a:endParaRPr>
-          </a:p>
-          <a:p>
-            <a:r>
-              <a:rPr b="0" lang="en-US" sz="1600" spc="-1" strike="noStrike">
-                <a:solidFill>
-                  <a:srgbClr val="000000"/>
-                </a:solidFill>
-                <a:uFill>
-                  <a:solidFill>
-                    <a:srgbClr val="ffffff"/>
-                  </a:solidFill>
-                </a:uFill>
-                <a:latin typeface="Arial"/>
-                <a:ea typeface="Noto Sans CJK SC Regular"/>
-              </a:rPr>
-              <a:t>반면에 </a:t>
-            </a:r>
-            <a:r>
-              <a:rPr b="0" lang="en-US" sz="1600" spc="-1" strike="noStrike">
-                <a:solidFill>
-                  <a:srgbClr val="000000"/>
-                </a:solidFill>
-                <a:uFill>
-                  <a:solidFill>
-                    <a:srgbClr val="ffffff"/>
-                  </a:solidFill>
-                </a:uFill>
-                <a:latin typeface="Arial"/>
-                <a:ea typeface="Noto Sans CJK SC Regular"/>
-              </a:rPr>
-              <a:t>MHF </a:t>
-            </a:r>
-            <a:r>
-              <a:rPr b="0" lang="en-US" sz="1600" spc="-1" strike="noStrike">
-                <a:solidFill>
-                  <a:srgbClr val="000000"/>
-                </a:solidFill>
-                <a:uFill>
-                  <a:solidFill>
-                    <a:srgbClr val="ffffff"/>
-                  </a:solidFill>
-                </a:uFill>
-                <a:latin typeface="Arial"/>
-                <a:ea typeface="Noto Sans CJK SC Regular"/>
-              </a:rPr>
-              <a:t>는 구조적으로 단순하며 알고리즘의 대부분이 </a:t>
-            </a:r>
-            <a:r>
-              <a:rPr b="0" lang="en-US" sz="1600" spc="-1" strike="noStrike">
-                <a:solidFill>
-                  <a:srgbClr val="000000"/>
-                </a:solidFill>
-                <a:uFill>
-                  <a:solidFill>
-                    <a:srgbClr val="ffffff"/>
-                  </a:solidFill>
-                </a:uFill>
-                <a:latin typeface="Arial"/>
-                <a:ea typeface="Noto Sans CJK SC Regular"/>
-              </a:rPr>
-              <a:t>loop</a:t>
-            </a:r>
-            <a:r>
-              <a:rPr b="0" lang="en-US" sz="1600" spc="-1" strike="noStrike">
-                <a:solidFill>
-                  <a:srgbClr val="000000"/>
-                </a:solidFill>
-                <a:uFill>
-                  <a:solidFill>
-                    <a:srgbClr val="ffffff"/>
-                  </a:solidFill>
-                </a:uFill>
-                <a:latin typeface="Arial"/>
-                <a:ea typeface="Noto Sans CJK SC Regular"/>
-              </a:rPr>
-              <a:t>로 이루어져 있다</a:t>
-            </a:r>
-            <a:r>
-              <a:rPr b="0" lang="en-US" sz="1600" spc="-1" strike="noStrike">
-                <a:solidFill>
-                  <a:srgbClr val="000000"/>
-                </a:solidFill>
-                <a:uFill>
-                  <a:solidFill>
-                    <a:srgbClr val="ffffff"/>
-                  </a:solidFill>
-                </a:uFill>
-                <a:latin typeface="Arial"/>
-                <a:ea typeface="Noto Sans CJK SC Regular"/>
-              </a:rPr>
-              <a:t>. </a:t>
-            </a:r>
-            <a:r>
-              <a:rPr b="0" lang="en-US" sz="1600" spc="-1" strike="noStrike">
-                <a:solidFill>
-                  <a:srgbClr val="000000"/>
-                </a:solidFill>
-                <a:uFill>
-                  <a:solidFill>
-                    <a:srgbClr val="ffffff"/>
-                  </a:solidFill>
-                </a:uFill>
-                <a:latin typeface="Arial"/>
-                <a:ea typeface="Noto Sans CJK SC Regular"/>
-              </a:rPr>
-              <a:t>예를 들어서 아주 </a:t>
-            </a:r>
-            <a:endParaRPr b="0" lang="en-US" sz="1800" spc="-1" strike="noStrike">
-              <a:solidFill>
-                <a:srgbClr val="000000"/>
-              </a:solidFill>
-              <a:uFill>
-                <a:solidFill>
-                  <a:srgbClr val="ffffff"/>
-                </a:solidFill>
-              </a:uFill>
-              <a:latin typeface="Arial"/>
-            </a:endParaRPr>
-          </a:p>
-          <a:p>
-            <a:r>
-              <a:rPr b="0" lang="en-US" sz="1600" spc="-1" strike="noStrike">
-                <a:solidFill>
-                  <a:srgbClr val="000000"/>
-                </a:solidFill>
-                <a:uFill>
-                  <a:solidFill>
-                    <a:srgbClr val="ffffff"/>
-                  </a:solidFill>
-                </a:uFill>
-                <a:latin typeface="Arial"/>
-                <a:ea typeface="Noto Sans CJK SC Regular"/>
-              </a:rPr>
-              <a:t>오랜 시간 동안 엄청나게 아주 아주 많은 </a:t>
-            </a:r>
-            <a:r>
-              <a:rPr b="0" lang="en-US" sz="1600" spc="-1" strike="noStrike">
-                <a:solidFill>
-                  <a:srgbClr val="000000"/>
-                </a:solidFill>
-                <a:uFill>
-                  <a:solidFill>
-                    <a:srgbClr val="ffffff"/>
-                  </a:solidFill>
-                </a:uFill>
-                <a:latin typeface="Arial"/>
-                <a:ea typeface="Noto Sans CJK SC Regular"/>
-              </a:rPr>
-              <a:t>Write Request </a:t>
-            </a:r>
-            <a:r>
-              <a:rPr b="0" lang="en-US" sz="1600" spc="-1" strike="noStrike">
-                <a:solidFill>
-                  <a:srgbClr val="000000"/>
-                </a:solidFill>
-                <a:uFill>
-                  <a:solidFill>
-                    <a:srgbClr val="ffffff"/>
-                  </a:solidFill>
-                </a:uFill>
-                <a:latin typeface="Arial"/>
-                <a:ea typeface="Noto Sans CJK SC Regular"/>
-              </a:rPr>
-              <a:t>가 집약적으로 발생하는 빅데이터 상황을 </a:t>
-            </a:r>
-            <a:endParaRPr b="0" lang="en-US" sz="1800" spc="-1" strike="noStrike">
-              <a:solidFill>
-                <a:srgbClr val="000000"/>
-              </a:solidFill>
-              <a:uFill>
-                <a:solidFill>
-                  <a:srgbClr val="ffffff"/>
-                </a:solidFill>
-              </a:uFill>
-              <a:latin typeface="Arial"/>
-            </a:endParaRPr>
-          </a:p>
-          <a:p>
-            <a:r>
-              <a:rPr b="0" lang="en-US" sz="1600" spc="-1" strike="noStrike">
-                <a:solidFill>
-                  <a:srgbClr val="000000"/>
-                </a:solidFill>
-                <a:uFill>
-                  <a:solidFill>
-                    <a:srgbClr val="ffffff"/>
-                  </a:solidFill>
-                </a:uFill>
-                <a:latin typeface="Arial"/>
-                <a:ea typeface="Noto Sans CJK SC Regular"/>
-              </a:rPr>
-              <a:t>가정해보자</a:t>
-            </a:r>
-            <a:r>
-              <a:rPr b="0" lang="en-US" sz="1600" spc="-1" strike="noStrike">
-                <a:solidFill>
-                  <a:srgbClr val="000000"/>
-                </a:solidFill>
-                <a:uFill>
-                  <a:solidFill>
-                    <a:srgbClr val="ffffff"/>
-                  </a:solidFill>
-                </a:uFill>
-                <a:latin typeface="Arial"/>
-                <a:ea typeface="Noto Sans CJK SC Regular"/>
-              </a:rPr>
-              <a:t>. </a:t>
-            </a:r>
-            <a:r>
-              <a:rPr b="0" lang="en-US" sz="1600" spc="-1" strike="noStrike">
-                <a:solidFill>
-                  <a:srgbClr val="000000"/>
-                </a:solidFill>
-                <a:uFill>
-                  <a:solidFill>
-                    <a:srgbClr val="ffffff"/>
-                  </a:solidFill>
-                </a:uFill>
-                <a:latin typeface="Arial"/>
-                <a:ea typeface="Noto Sans CJK SC Regular"/>
-              </a:rPr>
-              <a:t>그런 상황에서는 코드에 대한  </a:t>
-            </a:r>
-            <a:r>
-              <a:rPr b="0" lang="en-US" sz="1600" spc="-1" strike="noStrike">
-                <a:solidFill>
-                  <a:srgbClr val="000000"/>
-                </a:solidFill>
-                <a:uFill>
-                  <a:solidFill>
-                    <a:srgbClr val="ffffff"/>
-                  </a:solidFill>
-                </a:uFill>
-                <a:latin typeface="Arial"/>
-                <a:ea typeface="Noto Sans CJK SC Regular"/>
-              </a:rPr>
-              <a:t>Compiler Optimization Level </a:t>
-            </a:r>
-            <a:r>
-              <a:rPr b="0" lang="en-US" sz="1600" spc="-1" strike="noStrike">
-                <a:solidFill>
-                  <a:srgbClr val="000000"/>
-                </a:solidFill>
-                <a:uFill>
-                  <a:solidFill>
-                    <a:srgbClr val="ffffff"/>
-                  </a:solidFill>
-                </a:uFill>
-                <a:latin typeface="Arial"/>
-                <a:ea typeface="Noto Sans CJK SC Regular"/>
-              </a:rPr>
-              <a:t>을 필연적으로 높게 설정할 </a:t>
-            </a:r>
-            <a:endParaRPr b="0" lang="en-US" sz="1800" spc="-1" strike="noStrike">
-              <a:solidFill>
-                <a:srgbClr val="000000"/>
-              </a:solidFill>
-              <a:uFill>
-                <a:solidFill>
-                  <a:srgbClr val="ffffff"/>
-                </a:solidFill>
-              </a:uFill>
-              <a:latin typeface="Arial"/>
-            </a:endParaRPr>
-          </a:p>
-          <a:p>
-            <a:r>
-              <a:rPr b="0" lang="en-US" sz="1600" spc="-1" strike="noStrike">
-                <a:solidFill>
-                  <a:srgbClr val="000000"/>
-                </a:solidFill>
-                <a:uFill>
-                  <a:solidFill>
-                    <a:srgbClr val="ffffff"/>
-                  </a:solidFill>
-                </a:uFill>
-                <a:latin typeface="Arial"/>
-                <a:ea typeface="Noto Sans CJK SC Regular"/>
-              </a:rPr>
-              <a:t>것이다</a:t>
-            </a:r>
-            <a:r>
-              <a:rPr b="0" lang="en-US" sz="1600" spc="-1" strike="noStrike">
-                <a:solidFill>
-                  <a:srgbClr val="000000"/>
-                </a:solidFill>
-                <a:uFill>
-                  <a:solidFill>
-                    <a:srgbClr val="ffffff"/>
-                  </a:solidFill>
-                </a:uFill>
-                <a:latin typeface="Arial"/>
-                <a:ea typeface="Noto Sans CJK SC Regular"/>
-              </a:rPr>
-              <a:t>. </a:t>
-            </a:r>
-            <a:r>
-              <a:rPr b="0" lang="en-US" sz="1600" spc="-1" strike="noStrike">
-                <a:solidFill>
-                  <a:srgbClr val="000000"/>
-                </a:solidFill>
-                <a:uFill>
-                  <a:solidFill>
-                    <a:srgbClr val="ffffff"/>
-                  </a:solidFill>
-                </a:uFill>
-                <a:latin typeface="Arial"/>
-                <a:ea typeface="Noto Sans CJK SC Regular"/>
-              </a:rPr>
-              <a:t>최적화 관점에서는 </a:t>
-            </a:r>
-            <a:r>
-              <a:rPr b="0" lang="en-US" sz="1600" spc="-1" strike="noStrike">
-                <a:solidFill>
-                  <a:srgbClr val="000000"/>
-                </a:solidFill>
-                <a:uFill>
-                  <a:solidFill>
-                    <a:srgbClr val="ffffff"/>
-                  </a:solidFill>
-                </a:uFill>
-                <a:latin typeface="Arial"/>
-                <a:ea typeface="Noto Sans CJK SC Regular"/>
-              </a:rPr>
-              <a:t>branch prediction </a:t>
-            </a:r>
-            <a:r>
-              <a:rPr b="0" lang="en-US" sz="1600" spc="-1" strike="noStrike">
-                <a:solidFill>
-                  <a:srgbClr val="000000"/>
-                </a:solidFill>
-                <a:uFill>
-                  <a:solidFill>
-                    <a:srgbClr val="ffffff"/>
-                  </a:solidFill>
-                </a:uFill>
-                <a:latin typeface="Arial"/>
-                <a:ea typeface="Noto Sans CJK SC Regular"/>
-              </a:rPr>
-              <a:t>보다는 </a:t>
-            </a:r>
-            <a:r>
-              <a:rPr b="0" lang="en-US" sz="1600" spc="-1" strike="noStrike">
-                <a:solidFill>
-                  <a:srgbClr val="000000"/>
-                </a:solidFill>
-                <a:uFill>
-                  <a:solidFill>
-                    <a:srgbClr val="ffffff"/>
-                  </a:solidFill>
-                </a:uFill>
-                <a:latin typeface="Arial"/>
-                <a:ea typeface="Noto Sans CJK SC Regular"/>
-              </a:rPr>
-              <a:t>loop optimization </a:t>
-            </a:r>
-            <a:r>
-              <a:rPr b="0" lang="en-US" sz="1600" spc="-1" strike="noStrike">
-                <a:solidFill>
-                  <a:srgbClr val="000000"/>
-                </a:solidFill>
-                <a:uFill>
-                  <a:solidFill>
-                    <a:srgbClr val="ffffff"/>
-                  </a:solidFill>
-                </a:uFill>
-                <a:latin typeface="Arial"/>
-                <a:ea typeface="Noto Sans CJK SC Regular"/>
-              </a:rPr>
-              <a:t>이 더 높은 성능 향상을 </a:t>
-            </a:r>
-            <a:endParaRPr b="0" lang="en-US" sz="1800" spc="-1" strike="noStrike">
-              <a:solidFill>
-                <a:srgbClr val="000000"/>
-              </a:solidFill>
-              <a:uFill>
-                <a:solidFill>
-                  <a:srgbClr val="ffffff"/>
-                </a:solidFill>
-              </a:uFill>
-              <a:latin typeface="Arial"/>
-            </a:endParaRPr>
-          </a:p>
-          <a:p>
-            <a:r>
-              <a:rPr b="0" lang="en-US" sz="1600" spc="-1" strike="noStrike">
-                <a:solidFill>
-                  <a:srgbClr val="000000"/>
-                </a:solidFill>
-                <a:uFill>
-                  <a:solidFill>
-                    <a:srgbClr val="ffffff"/>
-                  </a:solidFill>
-                </a:uFill>
-                <a:latin typeface="Arial"/>
-                <a:ea typeface="Noto Sans CJK SC Regular"/>
-              </a:rPr>
-              <a:t>보장한다</a:t>
-            </a:r>
-            <a:r>
-              <a:rPr b="0" lang="en-US" sz="1600" spc="-1" strike="noStrike">
-                <a:solidFill>
-                  <a:srgbClr val="000000"/>
-                </a:solidFill>
-                <a:uFill>
-                  <a:solidFill>
-                    <a:srgbClr val="ffffff"/>
-                  </a:solidFill>
-                </a:uFill>
-                <a:latin typeface="Arial"/>
-                <a:ea typeface="Noto Sans CJK SC Regular"/>
-              </a:rPr>
-              <a:t>. </a:t>
-            </a:r>
-            <a:r>
-              <a:rPr b="0" lang="en-US" sz="1600" spc="-1" strike="noStrike">
-                <a:solidFill>
-                  <a:srgbClr val="000000"/>
-                </a:solidFill>
-                <a:uFill>
-                  <a:solidFill>
-                    <a:srgbClr val="ffffff"/>
-                  </a:solidFill>
-                </a:uFill>
-                <a:latin typeface="Arial"/>
-                <a:ea typeface="Noto Sans CJK SC Regular"/>
-              </a:rPr>
-              <a:t>그러므로 위에서 가정한 특수한 상황 등에서는 </a:t>
-            </a:r>
-            <a:r>
-              <a:rPr b="0" lang="en-US" sz="1600" spc="-1" strike="noStrike">
-                <a:solidFill>
-                  <a:srgbClr val="000000"/>
-                </a:solidFill>
-                <a:uFill>
-                  <a:solidFill>
-                    <a:srgbClr val="ffffff"/>
-                  </a:solidFill>
-                </a:uFill>
-                <a:latin typeface="Arial"/>
-                <a:ea typeface="Noto Sans CJK SC Regular"/>
-              </a:rPr>
-              <a:t>MHF </a:t>
-            </a:r>
-            <a:r>
-              <a:rPr b="0" lang="en-US" sz="1600" spc="-1" strike="noStrike">
-                <a:solidFill>
-                  <a:srgbClr val="000000"/>
-                </a:solidFill>
-                <a:uFill>
-                  <a:solidFill>
-                    <a:srgbClr val="ffffff"/>
-                  </a:solidFill>
-                </a:uFill>
-                <a:latin typeface="Arial"/>
-                <a:ea typeface="Noto Sans CJK SC Regular"/>
-              </a:rPr>
-              <a:t>에 대한 선호도가 높을 것이다</a:t>
-            </a:r>
-            <a:r>
-              <a:rPr b="0" lang="en-US" sz="1600" spc="-1" strike="noStrike">
-                <a:solidFill>
-                  <a:srgbClr val="000000"/>
-                </a:solidFill>
-                <a:uFill>
-                  <a:solidFill>
-                    <a:srgbClr val="ffffff"/>
-                  </a:solidFill>
-                </a:uFill>
-                <a:latin typeface="Arial"/>
-                <a:ea typeface="Noto Sans CJK SC Regular"/>
-              </a:rPr>
-              <a:t>. </a:t>
+            <a:r>
+              <a:rPr b="0" lang="en-US" sz="1600" spc="-1" strike="noStrike">
+                <a:solidFill>
+                  <a:srgbClr val="000000"/>
+                </a:solidFill>
+                <a:uFill>
+                  <a:solidFill>
+                    <a:srgbClr val="ffffff"/>
+                  </a:solidFill>
+                </a:uFill>
+                <a:latin typeface="Arial"/>
+                <a:ea typeface="Noto Sans CJK SC Regular"/>
+              </a:rPr>
+              <a:t>  </a:t>
+            </a:r>
+            <a:r>
+              <a:rPr b="0" lang="en-US" sz="1600" spc="-1" strike="noStrike">
+                <a:solidFill>
+                  <a:srgbClr val="000000"/>
+                </a:solidFill>
+                <a:uFill>
+                  <a:solidFill>
+                    <a:srgbClr val="ffffff"/>
+                  </a:solidFill>
+                </a:uFill>
+                <a:latin typeface="Arial"/>
+                <a:ea typeface="Noto Sans CJK SC Regular"/>
+              </a:rPr>
+              <a:t>그래프를 통해서 알 수 있듯이 메모리 사용량이 증가할수록 정확도도 증가한다</a:t>
+            </a:r>
+            <a:r>
+              <a:rPr b="0" lang="en-US" sz="1600" spc="-1" strike="noStrike">
+                <a:solidFill>
+                  <a:srgbClr val="000000"/>
+                </a:solidFill>
+                <a:uFill>
+                  <a:solidFill>
+                    <a:srgbClr val="ffffff"/>
+                  </a:solidFill>
+                </a:uFill>
+                <a:latin typeface="Arial"/>
+                <a:ea typeface="Noto Sans CJK SC Regular"/>
+              </a:rPr>
+              <a:t>.</a:t>
             </a:r>
             <a:endParaRPr b="0" lang="en-US" sz="1800" spc="-1" strike="noStrike">
               <a:solidFill>
@@ -14002,6 +14505,29 @@
           </a:p>
         </p:txBody>
       </p:sp>
+      <p:pic>
+        <p:nvPicPr>
+          <p:cNvPr id="94" name="" descr=""/>
+          <p:cNvPicPr/>
+          <p:nvPr/>
+        </p:nvPicPr>
+        <p:blipFill>
+          <a:blip r:embed="rId1"/>
+          <a:stretch/>
+        </p:blipFill>
+        <p:spPr>
+          <a:xfrm>
+            <a:off x="-35640" y="3585600"/>
+            <a:ext cx="10079640" cy="2536920"/>
+          </a:xfrm>
+          <a:prstGeom prst="rect">
+            <a:avLst/>
+          </a:prstGeom>
+          <a:ln>
+            <a:noFill/>
+          </a:ln>
+        </p:spPr>
+      </p:pic>
     </p:spTree>
   </p:cSld>
   <p:timing>
@@ -14053,7 +14579,7 @@
       </p:grpSpPr>
       <p:sp>
         <p:nvSpPr>
-          <p:cNvPr id="97" name="TextShape 1"/>
+          <p:cNvPr id="95" name="TextShape 1"/>
           <p:cNvSpPr txBox="1"/>
           <p:nvPr/>
         </p:nvSpPr>
@@ -14086,7 +14612,7 @@
                 </a:uFill>
                 <a:latin typeface="Arial"/>
               </a:rPr>
-              <a:t>Questions</a:t>
+              <a:t>Performance</a:t>
             </a:r>
             <a:endParaRPr b="0" lang="en-US" sz="4400" spc="-1" strike="noStrike">
               <a:solidFill>
@@ -14104,7 +14630,2985 @@
       </p:sp>
       <p:sp>
         <p:nvSpPr>
-          <p:cNvPr id="98" name="TextShape 2"/>
+          <p:cNvPr id="96" name="TextShape 2"/>
+          <p:cNvSpPr txBox="1"/>
+          <p:nvPr/>
+        </p:nvSpPr>
+        <p:spPr>
+          <a:xfrm>
+            <a:off x="432000" y="1457280"/>
+            <a:ext cx="9097200" cy="3180960"/>
+          </a:xfrm>
+          <a:prstGeom prst="rect">
+            <a:avLst/>
+          </a:prstGeom>
+          <a:noFill/>
+          <a:ln>
+            <a:noFill/>
+          </a:ln>
+        </p:spPr>
+        <p:txBody>
+          <a:bodyPr lIns="90000" rIns="90000" tIns="45000" bIns="45000"/>
+          <a:p>
+            <a:r>
+              <a:rPr b="1" lang="en-US" sz="1600" spc="-1" strike="noStrike">
+                <a:solidFill>
+                  <a:srgbClr val="000000"/>
+                </a:solidFill>
+                <a:uFill>
+                  <a:solidFill>
+                    <a:srgbClr val="ffffff"/>
+                  </a:solidFill>
+                </a:uFill>
+                <a:latin typeface="Arial"/>
+                <a:ea typeface="Noto Sans CJK SC Regular"/>
+              </a:rPr>
+              <a:t>E) Impact of Window Size </a:t>
+            </a:r>
+            <a:endParaRPr b="0" lang="en-US" sz="1800" spc="-1" strike="noStrike">
+              <a:solidFill>
+                <a:srgbClr val="000000"/>
+              </a:solidFill>
+              <a:uFill>
+                <a:solidFill>
+                  <a:srgbClr val="ffffff"/>
+                </a:solidFill>
+              </a:uFill>
+              <a:latin typeface="Arial"/>
+            </a:endParaRPr>
+          </a:p>
+          <a:p>
+            <a:r>
+              <a:rPr b="1" lang="en-US" sz="1600" spc="-1" strike="noStrike">
+                <a:solidFill>
+                  <a:srgbClr val="000000"/>
+                </a:solidFill>
+                <a:uFill>
+                  <a:solidFill>
+                    <a:srgbClr val="ffffff"/>
+                  </a:solidFill>
+                </a:uFill>
+                <a:latin typeface="Arial"/>
+                <a:ea typeface="Noto Sans CJK SC Regular"/>
+              </a:rPr>
+              <a:t>  </a:t>
+            </a:r>
+            <a:r>
+              <a:rPr b="0" lang="en-US" sz="1600" spc="-1" strike="noStrike">
+                <a:solidFill>
+                  <a:srgbClr val="000000"/>
+                </a:solidFill>
+                <a:uFill>
+                  <a:solidFill>
+                    <a:srgbClr val="ffffff"/>
+                  </a:solidFill>
+                </a:uFill>
+                <a:latin typeface="Arial"/>
+                <a:ea typeface="Noto Sans CJK SC Regular"/>
+              </a:rPr>
+              <a:t>그림</a:t>
+            </a:r>
+            <a:r>
+              <a:rPr b="0" lang="en-US" sz="1600" spc="-1" strike="noStrike">
+                <a:solidFill>
+                  <a:srgbClr val="000000"/>
+                </a:solidFill>
+                <a:uFill>
+                  <a:solidFill>
+                    <a:srgbClr val="ffffff"/>
+                  </a:solidFill>
+                </a:uFill>
+                <a:latin typeface="Arial"/>
+                <a:ea typeface="Noto Sans CJK SC Regular"/>
+              </a:rPr>
+              <a:t>4</a:t>
+            </a:r>
+            <a:r>
+              <a:rPr b="0" lang="en-US" sz="1600" spc="-1" strike="noStrike">
+                <a:solidFill>
+                  <a:srgbClr val="000000"/>
+                </a:solidFill>
+                <a:uFill>
+                  <a:solidFill>
+                    <a:srgbClr val="ffffff"/>
+                  </a:solidFill>
+                </a:uFill>
+                <a:latin typeface="Arial"/>
+                <a:ea typeface="Noto Sans CJK SC Regular"/>
+              </a:rPr>
+              <a:t>를 보면 윈도우 크기를 크게 할수록 그 안에 포함되는 </a:t>
+            </a:r>
+            <a:r>
+              <a:rPr b="0" lang="en-US" sz="1600" spc="-1" strike="noStrike">
+                <a:solidFill>
+                  <a:srgbClr val="000000"/>
+                </a:solidFill>
+                <a:uFill>
+                  <a:solidFill>
+                    <a:srgbClr val="ffffff"/>
+                  </a:solidFill>
+                </a:uFill>
+                <a:latin typeface="Arial"/>
+                <a:ea typeface="Noto Sans CJK SC Regular"/>
+              </a:rPr>
+              <a:t>LBA </a:t>
+            </a:r>
+            <a:r>
+              <a:rPr b="0" lang="en-US" sz="1600" spc="-1" strike="noStrike">
+                <a:solidFill>
+                  <a:srgbClr val="000000"/>
+                </a:solidFill>
+                <a:uFill>
+                  <a:solidFill>
+                    <a:srgbClr val="ffffff"/>
+                  </a:solidFill>
+                </a:uFill>
+                <a:latin typeface="Arial"/>
+                <a:ea typeface="Noto Sans CJK SC Regular"/>
+              </a:rPr>
+              <a:t>개수가 증가해서 </a:t>
+            </a:r>
+            <a:r>
+              <a:rPr b="0" lang="en-US" sz="1600" spc="-1" strike="noStrike">
+                <a:solidFill>
+                  <a:srgbClr val="000000"/>
+                </a:solidFill>
+                <a:uFill>
+                  <a:solidFill>
+                    <a:srgbClr val="ffffff"/>
+                  </a:solidFill>
+                </a:uFill>
+                <a:latin typeface="Arial"/>
+                <a:ea typeface="Noto Sans CJK SC Regular"/>
+              </a:rPr>
+              <a:t>hot data ratio</a:t>
+            </a:r>
+            <a:r>
+              <a:rPr b="0" lang="en-US" sz="1600" spc="-1" strike="noStrike">
+                <a:solidFill>
+                  <a:srgbClr val="000000"/>
+                </a:solidFill>
+                <a:uFill>
+                  <a:solidFill>
+                    <a:srgbClr val="ffffff"/>
+                  </a:solidFill>
+                </a:uFill>
+                <a:latin typeface="Arial"/>
+                <a:ea typeface="Noto Sans CJK SC Regular"/>
+              </a:rPr>
+              <a:t>도 증가함을 알 수 있다</a:t>
+            </a:r>
+            <a:r>
+              <a:rPr b="0" lang="en-US" sz="1600" spc="-1" strike="noStrike">
+                <a:solidFill>
+                  <a:srgbClr val="000000"/>
+                </a:solidFill>
+                <a:uFill>
+                  <a:solidFill>
+                    <a:srgbClr val="ffffff"/>
+                  </a:solidFill>
+                </a:uFill>
+                <a:latin typeface="Arial"/>
+                <a:ea typeface="Noto Sans CJK SC Regular"/>
+              </a:rPr>
+              <a:t>. </a:t>
+            </a:r>
+            <a:r>
+              <a:rPr b="0" lang="en-US" sz="1600" spc="-1" strike="noStrike">
+                <a:solidFill>
+                  <a:srgbClr val="000000"/>
+                </a:solidFill>
+                <a:uFill>
+                  <a:solidFill>
+                    <a:srgbClr val="ffffff"/>
+                  </a:solidFill>
+                </a:uFill>
+                <a:latin typeface="Arial"/>
+                <a:ea typeface="Noto Sans CJK SC Regular"/>
+              </a:rPr>
+              <a:t>
+</a:t>
+            </a:r>
+            <a:endParaRPr b="0" lang="en-US" sz="1800" spc="-1" strike="noStrike">
+              <a:solidFill>
+                <a:srgbClr val="000000"/>
+              </a:solidFill>
+              <a:uFill>
+                <a:solidFill>
+                  <a:srgbClr val="ffffff"/>
+                </a:solidFill>
+              </a:uFill>
+              <a:latin typeface="Arial"/>
+            </a:endParaRPr>
+          </a:p>
+          <a:p>
+            <a:r>
+              <a:rPr b="1" lang="en-US" sz="1600" spc="-1" strike="noStrike">
+                <a:solidFill>
+                  <a:srgbClr val="000000"/>
+                </a:solidFill>
+                <a:uFill>
+                  <a:solidFill>
+                    <a:srgbClr val="ffffff"/>
+                  </a:solidFill>
+                </a:uFill>
+                <a:latin typeface="Arial"/>
+                <a:ea typeface="Noto Sans CJK SC Regular"/>
+              </a:rPr>
+              <a:t>F) Impact of the Number of BF</a:t>
+            </a:r>
+            <a:endParaRPr b="0" lang="en-US" sz="1800" spc="-1" strike="noStrike">
+              <a:solidFill>
+                <a:srgbClr val="000000"/>
+              </a:solidFill>
+              <a:uFill>
+                <a:solidFill>
+                  <a:srgbClr val="ffffff"/>
+                </a:solidFill>
+              </a:uFill>
+              <a:latin typeface="Arial"/>
+            </a:endParaRPr>
+          </a:p>
+          <a:p>
+            <a:r>
+              <a:rPr b="0" lang="en-US" sz="1600" spc="-1" strike="noStrike">
+                <a:solidFill>
+                  <a:srgbClr val="000000"/>
+                </a:solidFill>
+                <a:uFill>
+                  <a:solidFill>
+                    <a:srgbClr val="ffffff"/>
+                  </a:solidFill>
+                </a:uFill>
+                <a:latin typeface="Arial"/>
+                <a:ea typeface="Noto Sans CJK SC Regular"/>
+              </a:rPr>
+              <a:t>  </a:t>
+            </a:r>
+            <a:r>
+              <a:rPr b="0" lang="en-US" sz="1600" spc="-1" strike="noStrike">
+                <a:solidFill>
+                  <a:srgbClr val="000000"/>
+                </a:solidFill>
+                <a:uFill>
+                  <a:solidFill>
+                    <a:srgbClr val="ffffff"/>
+                  </a:solidFill>
+                </a:uFill>
+                <a:latin typeface="Arial"/>
+                <a:ea typeface="Noto Sans CJK SC Regular"/>
+              </a:rPr>
+              <a:t>새롭게 제안하는 </a:t>
+            </a:r>
+            <a:r>
+              <a:rPr b="0" lang="en-US" sz="1600" spc="-1" strike="noStrike">
+                <a:solidFill>
+                  <a:srgbClr val="000000"/>
+                </a:solidFill>
+                <a:uFill>
+                  <a:solidFill>
+                    <a:srgbClr val="ffffff"/>
+                  </a:solidFill>
+                </a:uFill>
+                <a:latin typeface="Arial"/>
+                <a:ea typeface="Noto Sans CJK SC Regular"/>
+              </a:rPr>
+              <a:t>MBF-WDAC </a:t>
+            </a:r>
+            <a:r>
+              <a:rPr b="0" lang="en-US" sz="1600" spc="-1" strike="noStrike">
+                <a:solidFill>
+                  <a:srgbClr val="000000"/>
+                </a:solidFill>
+                <a:uFill>
+                  <a:solidFill>
+                    <a:srgbClr val="ffffff"/>
+                  </a:solidFill>
+                </a:uFill>
+                <a:latin typeface="Arial"/>
+                <a:ea typeface="Noto Sans CJK SC Regular"/>
+              </a:rPr>
+              <a:t>에서 </a:t>
+            </a:r>
+            <a:r>
+              <a:rPr b="0" lang="en-US" sz="1600" spc="-1" strike="noStrike">
+                <a:solidFill>
+                  <a:srgbClr val="000000"/>
+                </a:solidFill>
+                <a:uFill>
+                  <a:solidFill>
+                    <a:srgbClr val="ffffff"/>
+                  </a:solidFill>
+                </a:uFill>
+                <a:latin typeface="Arial"/>
+                <a:ea typeface="Noto Sans CJK SC Regular"/>
+              </a:rPr>
+              <a:t>BF</a:t>
+            </a:r>
+            <a:r>
+              <a:rPr b="0" lang="en-US" sz="1600" spc="-1" strike="noStrike">
+                <a:solidFill>
+                  <a:srgbClr val="000000"/>
+                </a:solidFill>
+                <a:uFill>
+                  <a:solidFill>
+                    <a:srgbClr val="ffffff"/>
+                  </a:solidFill>
+                </a:uFill>
+                <a:latin typeface="Arial"/>
+                <a:ea typeface="Noto Sans CJK SC Regular"/>
+              </a:rPr>
+              <a:t>의 개수는 </a:t>
+            </a:r>
+            <a:r>
+              <a:rPr b="0" lang="en-US" sz="1600" spc="-1" strike="noStrike">
+                <a:solidFill>
+                  <a:srgbClr val="000000"/>
+                </a:solidFill>
+                <a:uFill>
+                  <a:solidFill>
+                    <a:srgbClr val="ffffff"/>
+                  </a:solidFill>
+                </a:uFill>
+                <a:latin typeface="Arial"/>
+                <a:ea typeface="Noto Sans CJK SC Regular"/>
+              </a:rPr>
+              <a:t>recency </a:t>
+            </a:r>
+            <a:r>
+              <a:rPr b="0" lang="en-US" sz="1600" spc="-1" strike="noStrike">
+                <a:solidFill>
+                  <a:srgbClr val="000000"/>
+                </a:solidFill>
+                <a:uFill>
+                  <a:solidFill>
+                    <a:srgbClr val="ffffff"/>
+                  </a:solidFill>
+                </a:uFill>
+                <a:latin typeface="Arial"/>
+                <a:ea typeface="Noto Sans CJK SC Regular"/>
+              </a:rPr>
+              <a:t>정밀도와 밀접한 상관관계를 이룬다</a:t>
+            </a:r>
+            <a:r>
+              <a:rPr b="0" lang="en-US" sz="1600" spc="-1" strike="noStrike">
+                <a:solidFill>
+                  <a:srgbClr val="000000"/>
+                </a:solidFill>
+                <a:uFill>
+                  <a:solidFill>
+                    <a:srgbClr val="ffffff"/>
+                  </a:solidFill>
+                </a:uFill>
+                <a:latin typeface="Arial"/>
+                <a:ea typeface="Noto Sans CJK SC Regular"/>
+              </a:rPr>
+              <a:t>. </a:t>
+            </a:r>
+            <a:r>
+              <a:rPr b="0" lang="en-US" sz="1600" spc="-1" strike="noStrike">
+                <a:solidFill>
+                  <a:srgbClr val="000000"/>
+                </a:solidFill>
+                <a:uFill>
+                  <a:solidFill>
+                    <a:srgbClr val="ffffff"/>
+                  </a:solidFill>
+                </a:uFill>
+                <a:latin typeface="Arial"/>
+                <a:ea typeface="Noto Sans CJK SC Regular"/>
+              </a:rPr>
+              <a:t>이를 수치적으로 확인하기 위해서 </a:t>
+            </a:r>
+            <a:r>
+              <a:rPr b="0" lang="en-US" sz="1600" spc="-1" strike="noStrike">
+                <a:solidFill>
+                  <a:srgbClr val="000000"/>
+                </a:solidFill>
+                <a:uFill>
+                  <a:solidFill>
+                    <a:srgbClr val="ffffff"/>
+                  </a:solidFill>
+                </a:uFill>
+                <a:latin typeface="Arial"/>
+                <a:ea typeface="Noto Sans CJK SC Regular"/>
+              </a:rPr>
+              <a:t>BF </a:t>
+            </a:r>
+            <a:r>
+              <a:rPr b="0" lang="en-US" sz="1600" spc="-1" strike="noStrike">
+                <a:solidFill>
+                  <a:srgbClr val="000000"/>
+                </a:solidFill>
+                <a:uFill>
+                  <a:solidFill>
+                    <a:srgbClr val="ffffff"/>
+                  </a:solidFill>
+                </a:uFill>
+                <a:latin typeface="Arial"/>
+                <a:ea typeface="Noto Sans CJK SC Regular"/>
+              </a:rPr>
+              <a:t>사이즈를 다양하게 바꾸면서 실험해보았다</a:t>
+            </a:r>
+            <a:r>
+              <a:rPr b="0" lang="en-US" sz="1600" spc="-1" strike="noStrike">
+                <a:solidFill>
+                  <a:srgbClr val="000000"/>
+                </a:solidFill>
+                <a:uFill>
+                  <a:solidFill>
+                    <a:srgbClr val="ffffff"/>
+                  </a:solidFill>
+                </a:uFill>
+                <a:latin typeface="Arial"/>
+                <a:ea typeface="Noto Sans CJK SC Regular"/>
+              </a:rPr>
+              <a:t>. </a:t>
+            </a:r>
+            <a:endParaRPr b="0" lang="en-US" sz="1800" spc="-1" strike="noStrike">
+              <a:solidFill>
+                <a:srgbClr val="000000"/>
+              </a:solidFill>
+              <a:uFill>
+                <a:solidFill>
+                  <a:srgbClr val="ffffff"/>
+                </a:solidFill>
+              </a:uFill>
+              <a:latin typeface="Arial"/>
+            </a:endParaRPr>
+          </a:p>
+          <a:p>
+            <a:r>
+              <a:rPr b="0" lang="en-US" sz="1600" spc="-1" strike="noStrike">
+                <a:solidFill>
+                  <a:srgbClr val="000000"/>
+                </a:solidFill>
+                <a:uFill>
+                  <a:solidFill>
+                    <a:srgbClr val="ffffff"/>
+                  </a:solidFill>
+                </a:uFill>
+                <a:latin typeface="Arial"/>
+                <a:ea typeface="Noto Sans CJK SC Regular"/>
+              </a:rPr>
+              <a:t>  </a:t>
+            </a:r>
+            <a:r>
+              <a:rPr b="0" lang="en-US" sz="1600" spc="-1" strike="noStrike">
+                <a:solidFill>
+                  <a:srgbClr val="000000"/>
+                </a:solidFill>
+                <a:uFill>
+                  <a:solidFill>
+                    <a:srgbClr val="ffffff"/>
+                  </a:solidFill>
+                </a:uFill>
+                <a:latin typeface="Arial"/>
+                <a:ea typeface="Noto Sans CJK SC Regular"/>
+              </a:rPr>
+              <a:t>BF</a:t>
+            </a:r>
+            <a:r>
+              <a:rPr b="0" lang="en-US" sz="1600" spc="-1" strike="noStrike">
+                <a:solidFill>
+                  <a:srgbClr val="000000"/>
+                </a:solidFill>
+                <a:uFill>
+                  <a:solidFill>
+                    <a:srgbClr val="ffffff"/>
+                  </a:solidFill>
+                </a:uFill>
+                <a:latin typeface="Arial"/>
+                <a:ea typeface="Noto Sans CJK SC Regular"/>
+              </a:rPr>
+              <a:t>의 개수가 증가하면 </a:t>
+            </a:r>
+            <a:r>
+              <a:rPr b="0" lang="en-US" sz="1600" spc="-1" strike="noStrike">
+                <a:solidFill>
+                  <a:srgbClr val="000000"/>
+                </a:solidFill>
+                <a:uFill>
+                  <a:solidFill>
+                    <a:srgbClr val="ffffff"/>
+                  </a:solidFill>
+                </a:uFill>
+                <a:latin typeface="Arial"/>
+                <a:ea typeface="Noto Sans CJK SC Regular"/>
+              </a:rPr>
+              <a:t>false rate</a:t>
+            </a:r>
+            <a:r>
+              <a:rPr b="0" lang="en-US" sz="1600" spc="-1" strike="noStrike">
+                <a:solidFill>
+                  <a:srgbClr val="000000"/>
+                </a:solidFill>
+                <a:uFill>
+                  <a:solidFill>
+                    <a:srgbClr val="ffffff"/>
+                  </a:solidFill>
+                </a:uFill>
+                <a:latin typeface="Arial"/>
+                <a:ea typeface="Noto Sans CJK SC Regular"/>
+              </a:rPr>
+              <a:t>도 증가한다</a:t>
+            </a:r>
+            <a:r>
+              <a:rPr b="0" lang="en-US" sz="1600" spc="-1" strike="noStrike">
+                <a:solidFill>
+                  <a:srgbClr val="000000"/>
+                </a:solidFill>
+                <a:uFill>
+                  <a:solidFill>
+                    <a:srgbClr val="ffffff"/>
+                  </a:solidFill>
+                </a:uFill>
+                <a:latin typeface="Arial"/>
+                <a:ea typeface="Noto Sans CJK SC Regular"/>
+              </a:rPr>
+              <a:t>. </a:t>
+            </a:r>
+            <a:r>
+              <a:rPr b="0" lang="en-US" sz="1600" spc="-1" strike="noStrike">
+                <a:solidFill>
+                  <a:srgbClr val="000000"/>
+                </a:solidFill>
+                <a:uFill>
+                  <a:solidFill>
+                    <a:srgbClr val="ffffff"/>
+                  </a:solidFill>
+                </a:uFill>
+                <a:latin typeface="Arial"/>
+                <a:ea typeface="Noto Sans CJK SC Regular"/>
+              </a:rPr>
+              <a:t>이 실험에서 메모리를 제한하는 조건을 두었기 때문에 나타난 결과이다</a:t>
+            </a:r>
+            <a:r>
+              <a:rPr b="0" lang="en-US" sz="1600" spc="-1" strike="noStrike">
+                <a:solidFill>
+                  <a:srgbClr val="000000"/>
+                </a:solidFill>
+                <a:uFill>
+                  <a:solidFill>
+                    <a:srgbClr val="ffffff"/>
+                  </a:solidFill>
+                </a:uFill>
+                <a:latin typeface="Arial"/>
+                <a:ea typeface="Noto Sans CJK SC Regular"/>
+              </a:rPr>
+              <a:t>. BF</a:t>
+            </a:r>
+            <a:r>
+              <a:rPr b="0" lang="en-US" sz="1600" spc="-1" strike="noStrike">
+                <a:solidFill>
+                  <a:srgbClr val="000000"/>
+                </a:solidFill>
+                <a:uFill>
+                  <a:solidFill>
+                    <a:srgbClr val="ffffff"/>
+                  </a:solidFill>
+                </a:uFill>
+                <a:latin typeface="Arial"/>
+                <a:ea typeface="Noto Sans CJK SC Regular"/>
+              </a:rPr>
+              <a:t>개수를 늘리면 </a:t>
+            </a:r>
+            <a:r>
+              <a:rPr b="0" lang="en-US" sz="1600" spc="-1" strike="noStrike">
+                <a:solidFill>
+                  <a:srgbClr val="000000"/>
+                </a:solidFill>
+                <a:uFill>
+                  <a:solidFill>
+                    <a:srgbClr val="ffffff"/>
+                  </a:solidFill>
+                </a:uFill>
+                <a:latin typeface="Arial"/>
+                <a:ea typeface="Noto Sans CJK SC Regular"/>
+              </a:rPr>
+              <a:t>BF</a:t>
+            </a:r>
+            <a:r>
+              <a:rPr b="0" lang="en-US" sz="1600" spc="-1" strike="noStrike">
+                <a:solidFill>
+                  <a:srgbClr val="000000"/>
+                </a:solidFill>
+                <a:uFill>
+                  <a:solidFill>
+                    <a:srgbClr val="ffffff"/>
+                  </a:solidFill>
+                </a:uFill>
+                <a:latin typeface="Arial"/>
+                <a:ea typeface="Noto Sans CJK SC Regular"/>
+              </a:rPr>
+              <a:t>의 크기가 줄어든다</a:t>
+            </a:r>
+            <a:r>
+              <a:rPr b="0" lang="en-US" sz="1600" spc="-1" strike="noStrike">
+                <a:solidFill>
+                  <a:srgbClr val="000000"/>
+                </a:solidFill>
+                <a:uFill>
+                  <a:solidFill>
+                    <a:srgbClr val="ffffff"/>
+                  </a:solidFill>
+                </a:uFill>
+                <a:latin typeface="Arial"/>
+                <a:ea typeface="Noto Sans CJK SC Regular"/>
+              </a:rPr>
+              <a:t>. </a:t>
+            </a:r>
+            <a:endParaRPr b="0" lang="en-US" sz="1800" spc="-1" strike="noStrike">
+              <a:solidFill>
+                <a:srgbClr val="000000"/>
+              </a:solidFill>
+              <a:uFill>
+                <a:solidFill>
+                  <a:srgbClr val="ffffff"/>
+                </a:solidFill>
+              </a:uFill>
+              <a:latin typeface="Arial"/>
+            </a:endParaRPr>
+          </a:p>
+          <a:p>
+            <a:r>
+              <a:rPr b="0" lang="en-US" sz="1600" spc="-1" strike="noStrike">
+                <a:solidFill>
+                  <a:srgbClr val="000000"/>
+                </a:solidFill>
+                <a:uFill>
+                  <a:solidFill>
+                    <a:srgbClr val="ffffff"/>
+                  </a:solidFill>
+                </a:uFill>
+                <a:latin typeface="Arial"/>
+                <a:ea typeface="Noto Sans CJK SC Regular"/>
+              </a:rPr>
+              <a:t>  </a:t>
+            </a:r>
+            <a:r>
+              <a:rPr b="0" lang="en-US" sz="1600" spc="-1" strike="noStrike">
+                <a:solidFill>
+                  <a:srgbClr val="000000"/>
+                </a:solidFill>
+                <a:uFill>
+                  <a:solidFill>
+                    <a:srgbClr val="ffffff"/>
+                  </a:solidFill>
+                </a:uFill>
+                <a:latin typeface="Arial"/>
+                <a:ea typeface="Noto Sans CJK SC Regular"/>
+              </a:rPr>
+              <a:t>메모리 제한을 두지 않고 단순히 </a:t>
+            </a:r>
+            <a:r>
+              <a:rPr b="0" lang="en-US" sz="1600" spc="-1" strike="noStrike">
+                <a:solidFill>
+                  <a:srgbClr val="000000"/>
+                </a:solidFill>
+                <a:uFill>
+                  <a:solidFill>
+                    <a:srgbClr val="ffffff"/>
+                  </a:solidFill>
+                </a:uFill>
+                <a:latin typeface="Arial"/>
+                <a:ea typeface="Noto Sans CJK SC Regular"/>
+              </a:rPr>
+              <a:t>Number of BF</a:t>
+            </a:r>
+            <a:r>
+              <a:rPr b="0" lang="en-US" sz="1600" spc="-1" strike="noStrike">
+                <a:solidFill>
+                  <a:srgbClr val="000000"/>
+                </a:solidFill>
+                <a:uFill>
+                  <a:solidFill>
+                    <a:srgbClr val="ffffff"/>
+                  </a:solidFill>
+                </a:uFill>
+                <a:latin typeface="Arial"/>
+                <a:ea typeface="Noto Sans CJK SC Regular"/>
+              </a:rPr>
+              <a:t>를 </a:t>
+            </a:r>
+            <a:r>
+              <a:rPr b="0" lang="en-US" sz="1600" spc="-1" strike="noStrike">
+                <a:solidFill>
+                  <a:srgbClr val="000000"/>
+                </a:solidFill>
+                <a:uFill>
+                  <a:solidFill>
+                    <a:srgbClr val="ffffff"/>
+                  </a:solidFill>
+                </a:uFill>
+                <a:latin typeface="Arial"/>
+                <a:ea typeface="Noto Sans CJK SC Regular"/>
+              </a:rPr>
+              <a:t>4</a:t>
+            </a:r>
+            <a:r>
+              <a:rPr b="0" lang="en-US" sz="1600" spc="-1" strike="noStrike">
+                <a:solidFill>
+                  <a:srgbClr val="000000"/>
+                </a:solidFill>
+                <a:uFill>
+                  <a:solidFill>
+                    <a:srgbClr val="ffffff"/>
+                  </a:solidFill>
+                </a:uFill>
+                <a:latin typeface="Arial"/>
+                <a:ea typeface="Noto Sans CJK SC Regular"/>
+              </a:rPr>
+              <a:t>개에서 </a:t>
+            </a:r>
+            <a:r>
+              <a:rPr b="0" lang="en-US" sz="1600" spc="-1" strike="noStrike">
+                <a:solidFill>
+                  <a:srgbClr val="000000"/>
+                </a:solidFill>
+                <a:uFill>
+                  <a:solidFill>
+                    <a:srgbClr val="ffffff"/>
+                  </a:solidFill>
+                </a:uFill>
+                <a:latin typeface="Arial"/>
+                <a:ea typeface="Noto Sans CJK SC Regular"/>
+              </a:rPr>
+              <a:t>8</a:t>
+            </a:r>
+            <a:r>
+              <a:rPr b="0" lang="en-US" sz="1600" spc="-1" strike="noStrike">
+                <a:solidFill>
+                  <a:srgbClr val="000000"/>
+                </a:solidFill>
+                <a:uFill>
+                  <a:solidFill>
+                    <a:srgbClr val="ffffff"/>
+                  </a:solidFill>
+                </a:uFill>
+                <a:latin typeface="Arial"/>
+                <a:ea typeface="Noto Sans CJK SC Regular"/>
+              </a:rPr>
+              <a:t>개로 늘리면 원래보다 </a:t>
+            </a:r>
+            <a:r>
+              <a:rPr b="0" lang="en-US" sz="1600" spc="-1" strike="noStrike">
+                <a:solidFill>
+                  <a:srgbClr val="000000"/>
+                </a:solidFill>
+                <a:uFill>
+                  <a:solidFill>
+                    <a:srgbClr val="ffffff"/>
+                  </a:solidFill>
+                </a:uFill>
+                <a:latin typeface="Arial"/>
+                <a:ea typeface="Noto Sans CJK SC Regular"/>
+              </a:rPr>
+              <a:t>18%</a:t>
+            </a:r>
+            <a:r>
+              <a:rPr b="0" lang="en-US" sz="1600" spc="-1" strike="noStrike">
+                <a:solidFill>
+                  <a:srgbClr val="000000"/>
+                </a:solidFill>
+                <a:uFill>
+                  <a:solidFill>
+                    <a:srgbClr val="ffffff"/>
+                  </a:solidFill>
+                </a:uFill>
+                <a:latin typeface="Arial"/>
+                <a:ea typeface="Noto Sans CJK SC Regular"/>
+              </a:rPr>
+              <a:t>의 성능이 향상되는 결과를 보인다</a:t>
+            </a:r>
+            <a:r>
+              <a:rPr b="0" lang="en-US" sz="1600" spc="-1" strike="noStrike">
+                <a:solidFill>
+                  <a:srgbClr val="000000"/>
+                </a:solidFill>
+                <a:uFill>
+                  <a:solidFill>
+                    <a:srgbClr val="ffffff"/>
+                  </a:solidFill>
+                </a:uFill>
+                <a:latin typeface="Arial"/>
+                <a:ea typeface="Noto Sans CJK SC Regular"/>
+              </a:rPr>
+              <a:t>. </a:t>
+            </a:r>
+            <a:r>
+              <a:rPr b="0" lang="en-US" sz="1600" spc="-1" strike="noStrike">
+                <a:solidFill>
+                  <a:srgbClr val="000000"/>
+                </a:solidFill>
+                <a:uFill>
+                  <a:solidFill>
+                    <a:srgbClr val="ffffff"/>
+                  </a:solidFill>
+                </a:uFill>
+                <a:latin typeface="Arial"/>
+                <a:ea typeface="Noto Sans CJK SC Regular"/>
+              </a:rPr>
+              <a:t>최신성 정보를 더욱 정밀하게 포착할 수 있었기 때문에 나온 차이이다</a:t>
+            </a:r>
+            <a:r>
+              <a:rPr b="0" lang="en-US" sz="1600" spc="-1" strike="noStrike">
+                <a:solidFill>
+                  <a:srgbClr val="000000"/>
+                </a:solidFill>
+                <a:uFill>
+                  <a:solidFill>
+                    <a:srgbClr val="ffffff"/>
+                  </a:solidFill>
+                </a:uFill>
+                <a:latin typeface="Arial"/>
+                <a:ea typeface="Noto Sans CJK SC Regular"/>
+              </a:rPr>
+              <a:t>.</a:t>
+            </a:r>
+            <a:endParaRPr b="0" lang="en-US" sz="1800" spc="-1" strike="noStrike">
+              <a:solidFill>
+                <a:srgbClr val="000000"/>
+              </a:solidFill>
+              <a:uFill>
+                <a:solidFill>
+                  <a:srgbClr val="ffffff"/>
+                </a:solidFill>
+              </a:uFill>
+              <a:latin typeface="Arial"/>
+            </a:endParaRPr>
+          </a:p>
+        </p:txBody>
+      </p:sp>
+      <p:pic>
+        <p:nvPicPr>
+          <p:cNvPr id="97" name="" descr=""/>
+          <p:cNvPicPr/>
+          <p:nvPr/>
+        </p:nvPicPr>
+        <p:blipFill>
+          <a:blip r:embed="rId1"/>
+          <a:stretch/>
+        </p:blipFill>
+        <p:spPr>
+          <a:xfrm>
+            <a:off x="91440" y="4716720"/>
+            <a:ext cx="4846320" cy="2651040"/>
+          </a:xfrm>
+          <a:prstGeom prst="rect">
+            <a:avLst/>
+          </a:prstGeom>
+          <a:ln>
+            <a:noFill/>
+          </a:ln>
+        </p:spPr>
+      </p:pic>
+      <p:pic>
+        <p:nvPicPr>
+          <p:cNvPr id="98" name="" descr=""/>
+          <p:cNvPicPr/>
+          <p:nvPr/>
+        </p:nvPicPr>
+        <p:blipFill>
+          <a:blip r:embed="rId2"/>
+          <a:stretch/>
+        </p:blipFill>
+        <p:spPr>
+          <a:xfrm>
+            <a:off x="5120640" y="4689360"/>
+            <a:ext cx="4846320" cy="2702880"/>
+          </a:xfrm>
+          <a:prstGeom prst="rect">
+            <a:avLst/>
+          </a:prstGeom>
+          <a:ln>
+            <a:noFill/>
+          </a:ln>
+        </p:spPr>
+      </p:pic>
+    </p:spTree>
+  </p:cSld>
+  <p:timing>
+    <p:tnLst>
+      <p:par>
+        <p:cTn id="45" dur="indefinite" restart="never" nodeType="tmRoot">
+          <p:childTnLst>
+            <p:seq>
+              <p:cTn id="46" nodeType="mainSeq"/>
+              <p:prevCondLst>
+                <p:cond delay="0" evt="onPrev">
+                  <p:tgtEl>
+                    <p:sldTgt/>
+                  </p:tgtEl>
+                </p:cond>
+              </p:prevCondLst>
+              <p:nextCondLst>
+                <p:cond delay="0" evt="onNext">
+                  <p:tgtEl>
+                    <p:sldTgt/>
+                  </p:tgtEl>
+                </p:cond>
+              </p:nextCondLst>
+            </p:seq>
+          </p:childTnLst>
+        </p:cTn>
+      </p:par>
+    </p:tnLst>
+  </p:timing>
+</p:sld>
+</file>
+
+<file path=ppt/slides/slide24.xml><?xml version="1.0" encoding="utf-8"?>
+<p:sld xmlns:a="http://schemas.openxmlformats.org/drawingml/2006/main" xmlns:p="http://schemas.openxmlformats.org/presentationml/2006/main" xmlns:r="http://schemas.openxmlformats.org/officeDocument/2006/relationships" xmlns:p14="http://schemas.microsoft.com/office/powerpoint/2010/main" xmlns:p15="http://schemas.microsoft.com/office/powerpoint/2012/main" xmlns:mc="http://schemas.openxmlformats.org/markup-compatibility/2006">
+  <p:cSld>
+    <p:spTree>
+      <p:nvGrpSpPr>
+        <p:cNvPr id="1" name=""/>
+        <p:cNvGrpSpPr/>
+        <p:nvPr/>
+      </p:nvGrpSpPr>
+      <p:grpSpPr>
+        <a:xfrm>
+          <a:off x="0" y="0"/>
+          <a:ext cx="0" cy="0"/>
+          <a:chOff x="0" y="0"/>
+          <a:chExt cx="0" cy="0"/>
+        </a:xfrm>
+      </p:grpSpPr>
+      <p:sp>
+        <p:nvSpPr>
+          <p:cNvPr id="99" name="TextShape 1"/>
+          <p:cNvSpPr txBox="1"/>
+          <p:nvPr/>
+        </p:nvSpPr>
+        <p:spPr>
+          <a:xfrm>
+            <a:off x="504000" y="49320"/>
+            <a:ext cx="9071640" cy="1262160"/>
+          </a:xfrm>
+          <a:prstGeom prst="rect">
+            <a:avLst/>
+          </a:prstGeom>
+          <a:noFill/>
+          <a:ln>
+            <a:noFill/>
+          </a:ln>
+        </p:spPr>
+        <p:txBody>
+          <a:bodyPr lIns="0" rIns="0" tIns="0" bIns="0" anchor="ctr"/>
+          <a:p>
+            <a:pPr algn="ctr"/>
+            <a:r>
+              <a:rPr b="0" lang="en-US" sz="4400" spc="-1" strike="noStrike">
+                <a:solidFill>
+                  <a:srgbClr val="000000"/>
+                </a:solidFill>
+                <a:uFill>
+                  <a:solidFill>
+                    <a:srgbClr val="ffffff"/>
+                  </a:solidFill>
+                </a:uFill>
+                <a:latin typeface="Arial"/>
+              </a:rPr>
+              <a:t>Personal Opinion</a:t>
+            </a:r>
+            <a:endParaRPr b="0" lang="en-US" sz="4400" spc="-1" strike="noStrike">
+              <a:solidFill>
+                <a:srgbClr val="000000"/>
+              </a:solidFill>
+              <a:uFill>
+                <a:solidFill>
+                  <a:srgbClr val="ffffff"/>
+                </a:solidFill>
+              </a:uFill>
+              <a:latin typeface="Arial"/>
+            </a:endParaRPr>
+          </a:p>
+        </p:txBody>
+      </p:sp>
+      <p:sp>
+        <p:nvSpPr>
+          <p:cNvPr id="100" name="TextShape 2"/>
+          <p:cNvSpPr txBox="1"/>
+          <p:nvPr/>
+        </p:nvSpPr>
+        <p:spPr>
+          <a:xfrm>
+            <a:off x="432000" y="1457280"/>
+            <a:ext cx="9097200" cy="3634560"/>
+          </a:xfrm>
+          <a:prstGeom prst="rect">
+            <a:avLst/>
+          </a:prstGeom>
+          <a:noFill/>
+          <a:ln>
+            <a:noFill/>
+          </a:ln>
+        </p:spPr>
+        <p:txBody>
+          <a:bodyPr lIns="90000" rIns="90000" tIns="45000" bIns="45000"/>
+          <a:p>
+            <a:r>
+              <a:rPr b="0" lang="en-US" sz="1600" spc="-1" strike="noStrike">
+                <a:solidFill>
+                  <a:srgbClr val="000000"/>
+                </a:solidFill>
+                <a:uFill>
+                  <a:solidFill>
+                    <a:srgbClr val="ffffff"/>
+                  </a:solidFill>
+                </a:uFill>
+                <a:latin typeface="Arial"/>
+                <a:ea typeface="Noto Sans CJK SC Regular"/>
+              </a:rPr>
+              <a:t>이 논문 아이디어나 디자인에 대한 문제 제기 또는 개선을 위한 본인의 의견</a:t>
+            </a:r>
+            <a:endParaRPr b="0" lang="en-US" sz="1600" spc="-1" strike="noStrike">
+              <a:solidFill>
+                <a:srgbClr val="000000"/>
+              </a:solidFill>
+              <a:uFill>
+                <a:solidFill>
+                  <a:srgbClr val="ffffff"/>
+                </a:solidFill>
+              </a:uFill>
+              <a:latin typeface="Arial"/>
+            </a:endParaRPr>
+          </a:p>
+          <a:p>
+            <a:r>
+              <a:rPr b="0" lang="en-US" sz="1600" spc="-1" strike="noStrike">
+                <a:solidFill>
+                  <a:srgbClr val="000000"/>
+                </a:solidFill>
+                <a:uFill>
+                  <a:solidFill>
+                    <a:srgbClr val="ffffff"/>
+                  </a:solidFill>
+                </a:uFill>
+                <a:latin typeface="Arial"/>
+                <a:ea typeface="Noto Sans CJK SC Regular"/>
+              </a:rPr>
+              <a:t>(</a:t>
+            </a:r>
+            <a:r>
+              <a:rPr b="0" lang="en-US" sz="1600" spc="-1" strike="noStrike">
+                <a:solidFill>
+                  <a:srgbClr val="000000"/>
+                </a:solidFill>
+                <a:uFill>
+                  <a:solidFill>
+                    <a:srgbClr val="ffffff"/>
+                  </a:solidFill>
+                </a:uFill>
+                <a:latin typeface="Arial"/>
+                <a:ea typeface="Noto Sans CJK SC Regular"/>
+              </a:rPr>
+              <a:t>이 부분은 오류가 있을 수도 있다</a:t>
+            </a:r>
+            <a:r>
+              <a:rPr b="0" lang="en-US" sz="1600" spc="-1" strike="noStrike">
+                <a:solidFill>
+                  <a:srgbClr val="000000"/>
+                </a:solidFill>
+                <a:uFill>
+                  <a:solidFill>
+                    <a:srgbClr val="ffffff"/>
+                  </a:solidFill>
+                </a:uFill>
+                <a:latin typeface="Arial"/>
+                <a:ea typeface="Noto Sans CJK SC Regular"/>
+              </a:rPr>
+              <a:t>. </a:t>
+            </a:r>
+            <a:r>
+              <a:rPr b="0" lang="en-US" sz="1600" spc="-1" strike="noStrike">
+                <a:solidFill>
+                  <a:srgbClr val="000000"/>
+                </a:solidFill>
+                <a:uFill>
+                  <a:solidFill>
+                    <a:srgbClr val="ffffff"/>
+                  </a:solidFill>
+                </a:uFill>
+                <a:latin typeface="Arial"/>
+                <a:ea typeface="Noto Sans CJK SC Regular"/>
+              </a:rPr>
+              <a:t>개인적인 분석이므로</a:t>
+            </a:r>
+            <a:r>
+              <a:rPr b="0" lang="en-US" sz="1600" spc="-1" strike="noStrike">
+                <a:solidFill>
+                  <a:srgbClr val="000000"/>
+                </a:solidFill>
+                <a:uFill>
+                  <a:solidFill>
+                    <a:srgbClr val="ffffff"/>
+                  </a:solidFill>
+                </a:uFill>
+                <a:latin typeface="Arial"/>
+                <a:ea typeface="Noto Sans CJK SC Regular"/>
+              </a:rPr>
+              <a:t>)</a:t>
+            </a:r>
+            <a:endParaRPr b="0" lang="en-US" sz="1600" spc="-1" strike="noStrike">
+              <a:solidFill>
+                <a:srgbClr val="000000"/>
+              </a:solidFill>
+              <a:uFill>
+                <a:solidFill>
+                  <a:srgbClr val="ffffff"/>
+                </a:solidFill>
+              </a:uFill>
+              <a:latin typeface="Arial"/>
+            </a:endParaRPr>
+          </a:p>
+          <a:p>
+            <a:endParaRPr b="0" lang="en-US" sz="1600" spc="-1" strike="noStrike">
+              <a:solidFill>
+                <a:srgbClr val="000000"/>
+              </a:solidFill>
+              <a:uFill>
+                <a:solidFill>
+                  <a:srgbClr val="ffffff"/>
+                </a:solidFill>
+              </a:uFill>
+              <a:latin typeface="Arial"/>
+            </a:endParaRPr>
+          </a:p>
+          <a:p>
+            <a:r>
+              <a:rPr b="0" lang="en-US" sz="1600" spc="-1" strike="noStrike">
+                <a:solidFill>
+                  <a:srgbClr val="000000"/>
+                </a:solidFill>
+                <a:uFill>
+                  <a:solidFill>
+                    <a:srgbClr val="ffffff"/>
+                  </a:solidFill>
+                </a:uFill>
+                <a:latin typeface="Arial"/>
+                <a:ea typeface="Noto Sans CJK SC Regular"/>
+              </a:rPr>
+              <a:t>테스트 성능 결과는 </a:t>
+            </a:r>
+            <a:r>
+              <a:rPr b="0" lang="en-US" sz="1600" spc="-1" strike="noStrike">
+                <a:solidFill>
+                  <a:srgbClr val="000000"/>
+                </a:solidFill>
+                <a:uFill>
+                  <a:solidFill>
+                    <a:srgbClr val="ffffff"/>
+                  </a:solidFill>
+                </a:uFill>
+                <a:latin typeface="Arial"/>
+                <a:ea typeface="Noto Sans CJK SC Regular"/>
+              </a:rPr>
+              <a:t>MBF </a:t>
+            </a:r>
+            <a:r>
+              <a:rPr b="0" lang="en-US" sz="1600" spc="-1" strike="noStrike">
+                <a:solidFill>
+                  <a:srgbClr val="000000"/>
+                </a:solidFill>
+                <a:uFill>
+                  <a:solidFill>
+                    <a:srgbClr val="ffffff"/>
+                  </a:solidFill>
+                </a:uFill>
+                <a:latin typeface="Arial"/>
+                <a:ea typeface="Noto Sans CJK SC Regular"/>
+              </a:rPr>
+              <a:t>에 기반한 </a:t>
+            </a:r>
+            <a:r>
+              <a:rPr b="0" lang="en-US" sz="1600" spc="-1" strike="noStrike">
+                <a:solidFill>
+                  <a:srgbClr val="000000"/>
+                </a:solidFill>
+                <a:uFill>
+                  <a:solidFill>
+                    <a:srgbClr val="ffffff"/>
+                  </a:solidFill>
+                </a:uFill>
+                <a:latin typeface="Arial"/>
+                <a:ea typeface="Noto Sans CJK SC Regular"/>
+              </a:rPr>
+              <a:t>WDAC </a:t>
+            </a:r>
+            <a:r>
+              <a:rPr b="0" lang="en-US" sz="1600" spc="-1" strike="noStrike">
+                <a:solidFill>
+                  <a:srgbClr val="000000"/>
+                </a:solidFill>
+                <a:uFill>
+                  <a:solidFill>
+                    <a:srgbClr val="ffffff"/>
+                  </a:solidFill>
+                </a:uFill>
+                <a:latin typeface="Arial"/>
+                <a:ea typeface="Noto Sans CJK SC Regular"/>
+              </a:rPr>
+              <a:t>방식이 기존 논문의 알고리즘보다 나은 것으로 사료된다</a:t>
+            </a:r>
+            <a:r>
+              <a:rPr b="0" lang="en-US" sz="1600" spc="-1" strike="noStrike">
+                <a:solidFill>
+                  <a:srgbClr val="000000"/>
+                </a:solidFill>
+                <a:uFill>
+                  <a:solidFill>
+                    <a:srgbClr val="ffffff"/>
+                  </a:solidFill>
+                </a:uFill>
+                <a:latin typeface="Arial"/>
+                <a:ea typeface="Noto Sans CJK SC Regular"/>
+              </a:rPr>
+              <a:t>. </a:t>
+            </a:r>
+            <a:endParaRPr b="0" lang="en-US" sz="1600" spc="-1" strike="noStrike">
+              <a:solidFill>
+                <a:srgbClr val="000000"/>
+              </a:solidFill>
+              <a:uFill>
+                <a:solidFill>
+                  <a:srgbClr val="ffffff"/>
+                </a:solidFill>
+              </a:uFill>
+              <a:latin typeface="Arial"/>
+            </a:endParaRPr>
+          </a:p>
+          <a:p>
+            <a:r>
+              <a:rPr b="0" lang="en-US" sz="1600" spc="-1" strike="noStrike">
+                <a:solidFill>
+                  <a:srgbClr val="000000"/>
+                </a:solidFill>
+                <a:uFill>
+                  <a:solidFill>
+                    <a:srgbClr val="ffffff"/>
+                  </a:solidFill>
+                </a:uFill>
+                <a:latin typeface="Arial"/>
+                <a:ea typeface="Noto Sans CJK SC Regular"/>
+              </a:rPr>
+              <a:t>대부분의 상황에서는 이 분석이 옳은 것으로 판명날 것이다</a:t>
+            </a:r>
+            <a:r>
+              <a:rPr b="0" lang="en-US" sz="1600" spc="-1" strike="noStrike">
+                <a:solidFill>
+                  <a:srgbClr val="000000"/>
+                </a:solidFill>
+                <a:uFill>
+                  <a:solidFill>
+                    <a:srgbClr val="ffffff"/>
+                  </a:solidFill>
+                </a:uFill>
+                <a:latin typeface="Arial"/>
+                <a:ea typeface="Noto Sans CJK SC Regular"/>
+              </a:rPr>
+              <a:t>. </a:t>
+            </a:r>
+            <a:endParaRPr b="0" lang="en-US" sz="1600" spc="-1" strike="noStrike">
+              <a:solidFill>
+                <a:srgbClr val="000000"/>
+              </a:solidFill>
+              <a:uFill>
+                <a:solidFill>
+                  <a:srgbClr val="ffffff"/>
+                </a:solidFill>
+              </a:uFill>
+              <a:latin typeface="Arial"/>
+            </a:endParaRPr>
+          </a:p>
+          <a:p>
+            <a:r>
+              <a:rPr b="0" lang="en-US" sz="1600" spc="-1" strike="noStrike">
+                <a:solidFill>
+                  <a:srgbClr val="000000"/>
+                </a:solidFill>
+                <a:uFill>
+                  <a:solidFill>
+                    <a:srgbClr val="ffffff"/>
+                  </a:solidFill>
+                </a:uFill>
+                <a:latin typeface="Arial"/>
+                <a:ea typeface="Noto Sans CJK SC Regular"/>
+              </a:rPr>
+              <a:t>그러나 이런 방식으로도 생각해볼 수 있을 것 같다</a:t>
+            </a:r>
+            <a:r>
+              <a:rPr b="0" lang="en-US" sz="1600" spc="-1" strike="noStrike">
+                <a:solidFill>
+                  <a:srgbClr val="000000"/>
+                </a:solidFill>
+                <a:uFill>
+                  <a:solidFill>
+                    <a:srgbClr val="ffffff"/>
+                  </a:solidFill>
+                </a:uFill>
+                <a:latin typeface="Arial"/>
+                <a:ea typeface="Noto Sans CJK SC Regular"/>
+              </a:rPr>
+              <a:t>. </a:t>
+            </a:r>
+            <a:r>
+              <a:rPr b="0" lang="en-US" sz="1600" spc="-1" strike="noStrike">
+                <a:solidFill>
+                  <a:srgbClr val="000000"/>
+                </a:solidFill>
+                <a:uFill>
+                  <a:solidFill>
+                    <a:srgbClr val="ffffff"/>
+                  </a:solidFill>
+                </a:uFill>
+                <a:latin typeface="Arial"/>
+                <a:ea typeface="Noto Sans CJK SC Regular"/>
+              </a:rPr>
+              <a:t>뛰어난 성능을 보이기는 하지만 </a:t>
+            </a:r>
+            <a:r>
+              <a:rPr b="0" lang="en-US" sz="1600" spc="-1" strike="noStrike">
+                <a:solidFill>
+                  <a:srgbClr val="000000"/>
+                </a:solidFill>
+                <a:uFill>
+                  <a:solidFill>
+                    <a:srgbClr val="ffffff"/>
+                  </a:solidFill>
+                </a:uFill>
+                <a:latin typeface="Arial"/>
+                <a:ea typeface="Noto Sans CJK SC Regular"/>
+              </a:rPr>
+              <a:t>MBF </a:t>
+            </a:r>
+            <a:r>
+              <a:rPr b="0" lang="en-US" sz="1600" spc="-1" strike="noStrike">
+                <a:solidFill>
+                  <a:srgbClr val="000000"/>
+                </a:solidFill>
+                <a:uFill>
+                  <a:solidFill>
+                    <a:srgbClr val="ffffff"/>
+                  </a:solidFill>
+                </a:uFill>
+                <a:latin typeface="Arial"/>
+                <a:ea typeface="Noto Sans CJK SC Regular"/>
+              </a:rPr>
+              <a:t>방식은 </a:t>
+            </a:r>
+            <a:endParaRPr b="0" lang="en-US" sz="1600" spc="-1" strike="noStrike">
+              <a:solidFill>
+                <a:srgbClr val="000000"/>
+              </a:solidFill>
+              <a:uFill>
+                <a:solidFill>
+                  <a:srgbClr val="ffffff"/>
+                </a:solidFill>
+              </a:uFill>
+              <a:latin typeface="Arial"/>
+            </a:endParaRPr>
+          </a:p>
+          <a:p>
+            <a:r>
+              <a:rPr b="0" lang="en-US" sz="1600" spc="-1" strike="noStrike">
+                <a:solidFill>
+                  <a:srgbClr val="000000"/>
+                </a:solidFill>
+                <a:uFill>
+                  <a:solidFill>
+                    <a:srgbClr val="ffffff"/>
+                  </a:solidFill>
+                </a:uFill>
+                <a:latin typeface="Arial"/>
+                <a:ea typeface="Noto Sans CJK SC Regular"/>
+              </a:rPr>
+              <a:t>구조적으로 복잡하며 알고리즘을 실행했을 때 수많은 </a:t>
+            </a:r>
+            <a:r>
+              <a:rPr b="0" lang="en-US" sz="1600" spc="-1" strike="noStrike">
+                <a:solidFill>
+                  <a:srgbClr val="000000"/>
+                </a:solidFill>
+                <a:uFill>
+                  <a:solidFill>
+                    <a:srgbClr val="ffffff"/>
+                  </a:solidFill>
+                </a:uFill>
+                <a:latin typeface="Arial"/>
+                <a:ea typeface="Noto Sans CJK SC Regular"/>
+              </a:rPr>
+              <a:t>branch</a:t>
+            </a:r>
+            <a:r>
+              <a:rPr b="0" lang="en-US" sz="1600" spc="-1" strike="noStrike">
+                <a:solidFill>
+                  <a:srgbClr val="000000"/>
+                </a:solidFill>
+                <a:uFill>
+                  <a:solidFill>
+                    <a:srgbClr val="ffffff"/>
+                  </a:solidFill>
+                </a:uFill>
+                <a:latin typeface="Arial"/>
+                <a:ea typeface="Noto Sans CJK SC Regular"/>
+              </a:rPr>
+              <a:t>가 생긴다는 것을 알 수 있다</a:t>
+            </a:r>
+            <a:r>
+              <a:rPr b="0" lang="en-US" sz="1600" spc="-1" strike="noStrike">
+                <a:solidFill>
+                  <a:srgbClr val="000000"/>
+                </a:solidFill>
+                <a:uFill>
+                  <a:solidFill>
+                    <a:srgbClr val="ffffff"/>
+                  </a:solidFill>
+                </a:uFill>
+                <a:latin typeface="Arial"/>
+                <a:ea typeface="Noto Sans CJK SC Regular"/>
+              </a:rPr>
+              <a:t>. </a:t>
+            </a:r>
+            <a:endParaRPr b="0" lang="en-US" sz="1600" spc="-1" strike="noStrike">
+              <a:solidFill>
+                <a:srgbClr val="000000"/>
+              </a:solidFill>
+              <a:uFill>
+                <a:solidFill>
+                  <a:srgbClr val="ffffff"/>
+                </a:solidFill>
+              </a:uFill>
+              <a:latin typeface="Arial"/>
+            </a:endParaRPr>
+          </a:p>
+          <a:p>
+            <a:r>
+              <a:rPr b="0" lang="en-US" sz="1600" spc="-1" strike="noStrike">
+                <a:solidFill>
+                  <a:srgbClr val="000000"/>
+                </a:solidFill>
+                <a:uFill>
+                  <a:solidFill>
+                    <a:srgbClr val="ffffff"/>
+                  </a:solidFill>
+                </a:uFill>
+                <a:latin typeface="Arial"/>
+                <a:ea typeface="Noto Sans CJK SC Regular"/>
+              </a:rPr>
+              <a:t>반면에 </a:t>
+            </a:r>
+            <a:r>
+              <a:rPr b="0" lang="en-US" sz="1600" spc="-1" strike="noStrike">
+                <a:solidFill>
+                  <a:srgbClr val="000000"/>
+                </a:solidFill>
+                <a:uFill>
+                  <a:solidFill>
+                    <a:srgbClr val="ffffff"/>
+                  </a:solidFill>
+                </a:uFill>
+                <a:latin typeface="Arial"/>
+                <a:ea typeface="Noto Sans CJK SC Regular"/>
+              </a:rPr>
+              <a:t>MHF </a:t>
+            </a:r>
+            <a:r>
+              <a:rPr b="0" lang="en-US" sz="1600" spc="-1" strike="noStrike">
+                <a:solidFill>
+                  <a:srgbClr val="000000"/>
+                </a:solidFill>
+                <a:uFill>
+                  <a:solidFill>
+                    <a:srgbClr val="ffffff"/>
+                  </a:solidFill>
+                </a:uFill>
+                <a:latin typeface="Arial"/>
+                <a:ea typeface="Noto Sans CJK SC Regular"/>
+              </a:rPr>
+              <a:t>는 구조적으로 단순하며 알고리즘의 대부분이 </a:t>
+            </a:r>
+            <a:r>
+              <a:rPr b="0" lang="en-US" sz="1600" spc="-1" strike="noStrike">
+                <a:solidFill>
+                  <a:srgbClr val="000000"/>
+                </a:solidFill>
+                <a:uFill>
+                  <a:solidFill>
+                    <a:srgbClr val="ffffff"/>
+                  </a:solidFill>
+                </a:uFill>
+                <a:latin typeface="Arial"/>
+                <a:ea typeface="Noto Sans CJK SC Regular"/>
+              </a:rPr>
+              <a:t>loop</a:t>
+            </a:r>
+            <a:r>
+              <a:rPr b="0" lang="en-US" sz="1600" spc="-1" strike="noStrike">
+                <a:solidFill>
+                  <a:srgbClr val="000000"/>
+                </a:solidFill>
+                <a:uFill>
+                  <a:solidFill>
+                    <a:srgbClr val="ffffff"/>
+                  </a:solidFill>
+                </a:uFill>
+                <a:latin typeface="Arial"/>
+                <a:ea typeface="Noto Sans CJK SC Regular"/>
+              </a:rPr>
+              <a:t>로 이루어져 있다</a:t>
+            </a:r>
+            <a:r>
+              <a:rPr b="0" lang="en-US" sz="1600" spc="-1" strike="noStrike">
+                <a:solidFill>
+                  <a:srgbClr val="000000"/>
+                </a:solidFill>
+                <a:uFill>
+                  <a:solidFill>
+                    <a:srgbClr val="ffffff"/>
+                  </a:solidFill>
+                </a:uFill>
+                <a:latin typeface="Arial"/>
+                <a:ea typeface="Noto Sans CJK SC Regular"/>
+              </a:rPr>
+              <a:t>. </a:t>
+            </a:r>
+            <a:r>
+              <a:rPr b="0" lang="en-US" sz="1600" spc="-1" strike="noStrike">
+                <a:solidFill>
+                  <a:srgbClr val="000000"/>
+                </a:solidFill>
+                <a:uFill>
+                  <a:solidFill>
+                    <a:srgbClr val="ffffff"/>
+                  </a:solidFill>
+                </a:uFill>
+                <a:latin typeface="Arial"/>
+                <a:ea typeface="Noto Sans CJK SC Regular"/>
+              </a:rPr>
+              <a:t>예를 들어서 아주 </a:t>
+            </a:r>
+            <a:endParaRPr b="0" lang="en-US" sz="1600" spc="-1" strike="noStrike">
+              <a:solidFill>
+                <a:srgbClr val="000000"/>
+              </a:solidFill>
+              <a:uFill>
+                <a:solidFill>
+                  <a:srgbClr val="ffffff"/>
+                </a:solidFill>
+              </a:uFill>
+              <a:latin typeface="Arial"/>
+            </a:endParaRPr>
+          </a:p>
+          <a:p>
+            <a:r>
+              <a:rPr b="0" lang="en-US" sz="1600" spc="-1" strike="noStrike">
+                <a:solidFill>
+                  <a:srgbClr val="000000"/>
+                </a:solidFill>
+                <a:uFill>
+                  <a:solidFill>
+                    <a:srgbClr val="ffffff"/>
+                  </a:solidFill>
+                </a:uFill>
+                <a:latin typeface="Arial"/>
+                <a:ea typeface="Noto Sans CJK SC Regular"/>
+              </a:rPr>
+              <a:t>오랜 시간 동안 엄청나게 아주 아주 많은 </a:t>
+            </a:r>
+            <a:r>
+              <a:rPr b="0" lang="en-US" sz="1600" spc="-1" strike="noStrike">
+                <a:solidFill>
+                  <a:srgbClr val="000000"/>
+                </a:solidFill>
+                <a:uFill>
+                  <a:solidFill>
+                    <a:srgbClr val="ffffff"/>
+                  </a:solidFill>
+                </a:uFill>
+                <a:latin typeface="Arial"/>
+                <a:ea typeface="Noto Sans CJK SC Regular"/>
+              </a:rPr>
+              <a:t>Write Request </a:t>
+            </a:r>
+            <a:r>
+              <a:rPr b="0" lang="en-US" sz="1600" spc="-1" strike="noStrike">
+                <a:solidFill>
+                  <a:srgbClr val="000000"/>
+                </a:solidFill>
+                <a:uFill>
+                  <a:solidFill>
+                    <a:srgbClr val="ffffff"/>
+                  </a:solidFill>
+                </a:uFill>
+                <a:latin typeface="Arial"/>
+                <a:ea typeface="Noto Sans CJK SC Regular"/>
+              </a:rPr>
+              <a:t>가 집약적으로 발생하는 빅데이터 상황을 </a:t>
+            </a:r>
+            <a:endParaRPr b="0" lang="en-US" sz="1600" spc="-1" strike="noStrike">
+              <a:solidFill>
+                <a:srgbClr val="000000"/>
+              </a:solidFill>
+              <a:uFill>
+                <a:solidFill>
+                  <a:srgbClr val="ffffff"/>
+                </a:solidFill>
+              </a:uFill>
+              <a:latin typeface="Arial"/>
+            </a:endParaRPr>
+          </a:p>
+          <a:p>
+            <a:r>
+              <a:rPr b="0" lang="en-US" sz="1600" spc="-1" strike="noStrike">
+                <a:solidFill>
+                  <a:srgbClr val="000000"/>
+                </a:solidFill>
+                <a:uFill>
+                  <a:solidFill>
+                    <a:srgbClr val="ffffff"/>
+                  </a:solidFill>
+                </a:uFill>
+                <a:latin typeface="Arial"/>
+                <a:ea typeface="Noto Sans CJK SC Regular"/>
+              </a:rPr>
+              <a:t>가정해보자</a:t>
+            </a:r>
+            <a:r>
+              <a:rPr b="0" lang="en-US" sz="1600" spc="-1" strike="noStrike">
+                <a:solidFill>
+                  <a:srgbClr val="000000"/>
+                </a:solidFill>
+                <a:uFill>
+                  <a:solidFill>
+                    <a:srgbClr val="ffffff"/>
+                  </a:solidFill>
+                </a:uFill>
+                <a:latin typeface="Arial"/>
+                <a:ea typeface="Noto Sans CJK SC Regular"/>
+              </a:rPr>
+              <a:t>. </a:t>
+            </a:r>
+            <a:r>
+              <a:rPr b="0" lang="en-US" sz="1600" spc="-1" strike="noStrike">
+                <a:solidFill>
+                  <a:srgbClr val="000000"/>
+                </a:solidFill>
+                <a:uFill>
+                  <a:solidFill>
+                    <a:srgbClr val="ffffff"/>
+                  </a:solidFill>
+                </a:uFill>
+                <a:latin typeface="Arial"/>
+                <a:ea typeface="Noto Sans CJK SC Regular"/>
+              </a:rPr>
+              <a:t>그런 상황에서는 코드에 대한  </a:t>
+            </a:r>
+            <a:r>
+              <a:rPr b="0" lang="en-US" sz="1600" spc="-1" strike="noStrike">
+                <a:solidFill>
+                  <a:srgbClr val="000000"/>
+                </a:solidFill>
+                <a:uFill>
+                  <a:solidFill>
+                    <a:srgbClr val="ffffff"/>
+                  </a:solidFill>
+                </a:uFill>
+                <a:latin typeface="Arial"/>
+                <a:ea typeface="Noto Sans CJK SC Regular"/>
+              </a:rPr>
+              <a:t>Compiler Optimization Level </a:t>
+            </a:r>
+            <a:r>
+              <a:rPr b="0" lang="en-US" sz="1600" spc="-1" strike="noStrike">
+                <a:solidFill>
+                  <a:srgbClr val="000000"/>
+                </a:solidFill>
+                <a:uFill>
+                  <a:solidFill>
+                    <a:srgbClr val="ffffff"/>
+                  </a:solidFill>
+                </a:uFill>
+                <a:latin typeface="Arial"/>
+                <a:ea typeface="Noto Sans CJK SC Regular"/>
+              </a:rPr>
+              <a:t>을 필연적으로 높게 설정할 </a:t>
+            </a:r>
+            <a:endParaRPr b="0" lang="en-US" sz="1600" spc="-1" strike="noStrike">
+              <a:solidFill>
+                <a:srgbClr val="000000"/>
+              </a:solidFill>
+              <a:uFill>
+                <a:solidFill>
+                  <a:srgbClr val="ffffff"/>
+                </a:solidFill>
+              </a:uFill>
+              <a:latin typeface="Arial"/>
+            </a:endParaRPr>
+          </a:p>
+          <a:p>
+            <a:r>
+              <a:rPr b="0" lang="en-US" sz="1600" spc="-1" strike="noStrike">
+                <a:solidFill>
+                  <a:srgbClr val="000000"/>
+                </a:solidFill>
+                <a:uFill>
+                  <a:solidFill>
+                    <a:srgbClr val="ffffff"/>
+                  </a:solidFill>
+                </a:uFill>
+                <a:latin typeface="Arial"/>
+                <a:ea typeface="Noto Sans CJK SC Regular"/>
+              </a:rPr>
+              <a:t>것이다</a:t>
+            </a:r>
+            <a:r>
+              <a:rPr b="0" lang="en-US" sz="1600" spc="-1" strike="noStrike">
+                <a:solidFill>
+                  <a:srgbClr val="000000"/>
+                </a:solidFill>
+                <a:uFill>
+                  <a:solidFill>
+                    <a:srgbClr val="ffffff"/>
+                  </a:solidFill>
+                </a:uFill>
+                <a:latin typeface="Arial"/>
+                <a:ea typeface="Noto Sans CJK SC Regular"/>
+              </a:rPr>
+              <a:t>. </a:t>
+            </a:r>
+            <a:r>
+              <a:rPr b="0" lang="en-US" sz="1600" spc="-1" strike="noStrike">
+                <a:solidFill>
+                  <a:srgbClr val="000000"/>
+                </a:solidFill>
+                <a:uFill>
+                  <a:solidFill>
+                    <a:srgbClr val="ffffff"/>
+                  </a:solidFill>
+                </a:uFill>
+                <a:latin typeface="Arial"/>
+                <a:ea typeface="Noto Sans CJK SC Regular"/>
+              </a:rPr>
+              <a:t>최적화 관점에서는 </a:t>
+            </a:r>
+            <a:r>
+              <a:rPr b="0" lang="en-US" sz="1600" spc="-1" strike="noStrike">
+                <a:solidFill>
+                  <a:srgbClr val="000000"/>
+                </a:solidFill>
+                <a:uFill>
+                  <a:solidFill>
+                    <a:srgbClr val="ffffff"/>
+                  </a:solidFill>
+                </a:uFill>
+                <a:latin typeface="Arial"/>
+                <a:ea typeface="Noto Sans CJK SC Regular"/>
+              </a:rPr>
+              <a:t>branch prediction </a:t>
+            </a:r>
+            <a:r>
+              <a:rPr b="0" lang="en-US" sz="1600" spc="-1" strike="noStrike">
+                <a:solidFill>
+                  <a:srgbClr val="000000"/>
+                </a:solidFill>
+                <a:uFill>
+                  <a:solidFill>
+                    <a:srgbClr val="ffffff"/>
+                  </a:solidFill>
+                </a:uFill>
+                <a:latin typeface="Arial"/>
+                <a:ea typeface="Noto Sans CJK SC Regular"/>
+              </a:rPr>
+              <a:t>보다는 </a:t>
+            </a:r>
+            <a:r>
+              <a:rPr b="0" lang="en-US" sz="1600" spc="-1" strike="noStrike">
+                <a:solidFill>
+                  <a:srgbClr val="000000"/>
+                </a:solidFill>
+                <a:uFill>
+                  <a:solidFill>
+                    <a:srgbClr val="ffffff"/>
+                  </a:solidFill>
+                </a:uFill>
+                <a:latin typeface="Arial"/>
+                <a:ea typeface="Noto Sans CJK SC Regular"/>
+              </a:rPr>
+              <a:t>loop optimization </a:t>
+            </a:r>
+            <a:r>
+              <a:rPr b="0" lang="en-US" sz="1600" spc="-1" strike="noStrike">
+                <a:solidFill>
+                  <a:srgbClr val="000000"/>
+                </a:solidFill>
+                <a:uFill>
+                  <a:solidFill>
+                    <a:srgbClr val="ffffff"/>
+                  </a:solidFill>
+                </a:uFill>
+                <a:latin typeface="Arial"/>
+                <a:ea typeface="Noto Sans CJK SC Regular"/>
+              </a:rPr>
+              <a:t>이 더 높은 성능 향상을 </a:t>
+            </a:r>
+            <a:endParaRPr b="0" lang="en-US" sz="1600" spc="-1" strike="noStrike">
+              <a:solidFill>
+                <a:srgbClr val="000000"/>
+              </a:solidFill>
+              <a:uFill>
+                <a:solidFill>
+                  <a:srgbClr val="ffffff"/>
+                </a:solidFill>
+              </a:uFill>
+              <a:latin typeface="Arial"/>
+            </a:endParaRPr>
+          </a:p>
+          <a:p>
+            <a:r>
+              <a:rPr b="0" lang="en-US" sz="1600" spc="-1" strike="noStrike">
+                <a:solidFill>
+                  <a:srgbClr val="000000"/>
+                </a:solidFill>
+                <a:uFill>
+                  <a:solidFill>
+                    <a:srgbClr val="ffffff"/>
+                  </a:solidFill>
+                </a:uFill>
+                <a:latin typeface="Arial"/>
+                <a:ea typeface="Noto Sans CJK SC Regular"/>
+              </a:rPr>
+              <a:t>보장한다</a:t>
+            </a:r>
+            <a:r>
+              <a:rPr b="0" lang="en-US" sz="1600" spc="-1" strike="noStrike">
+                <a:solidFill>
+                  <a:srgbClr val="000000"/>
+                </a:solidFill>
+                <a:uFill>
+                  <a:solidFill>
+                    <a:srgbClr val="ffffff"/>
+                  </a:solidFill>
+                </a:uFill>
+                <a:latin typeface="Arial"/>
+                <a:ea typeface="Noto Sans CJK SC Regular"/>
+              </a:rPr>
+              <a:t>. </a:t>
+            </a:r>
+            <a:r>
+              <a:rPr b="0" lang="en-US" sz="1600" spc="-1" strike="noStrike">
+                <a:solidFill>
+                  <a:srgbClr val="000000"/>
+                </a:solidFill>
+                <a:uFill>
+                  <a:solidFill>
+                    <a:srgbClr val="ffffff"/>
+                  </a:solidFill>
+                </a:uFill>
+                <a:latin typeface="Arial"/>
+                <a:ea typeface="Noto Sans CJK SC Regular"/>
+              </a:rPr>
+              <a:t>그러므로 위에서 가정한 특수한 상황 등에서는 </a:t>
+            </a:r>
+            <a:r>
+              <a:rPr b="0" lang="en-US" sz="1600" spc="-1" strike="noStrike">
+                <a:solidFill>
+                  <a:srgbClr val="000000"/>
+                </a:solidFill>
+                <a:uFill>
+                  <a:solidFill>
+                    <a:srgbClr val="ffffff"/>
+                  </a:solidFill>
+                </a:uFill>
+                <a:latin typeface="Arial"/>
+                <a:ea typeface="Noto Sans CJK SC Regular"/>
+              </a:rPr>
+              <a:t>MHF </a:t>
+            </a:r>
+            <a:r>
+              <a:rPr b="0" lang="en-US" sz="1600" spc="-1" strike="noStrike">
+                <a:solidFill>
+                  <a:srgbClr val="000000"/>
+                </a:solidFill>
+                <a:uFill>
+                  <a:solidFill>
+                    <a:srgbClr val="ffffff"/>
+                  </a:solidFill>
+                </a:uFill>
+                <a:latin typeface="Arial"/>
+                <a:ea typeface="Noto Sans CJK SC Regular"/>
+              </a:rPr>
+              <a:t>에 대한 선호도가 높을 것이다</a:t>
+            </a:r>
+            <a:r>
+              <a:rPr b="0" lang="en-US" sz="1600" spc="-1" strike="noStrike">
+                <a:solidFill>
+                  <a:srgbClr val="000000"/>
+                </a:solidFill>
+                <a:uFill>
+                  <a:solidFill>
+                    <a:srgbClr val="ffffff"/>
+                  </a:solidFill>
+                </a:uFill>
+                <a:latin typeface="Arial"/>
+                <a:ea typeface="Noto Sans CJK SC Regular"/>
+              </a:rPr>
+              <a:t>. </a:t>
+            </a:r>
+            <a:endParaRPr b="0" lang="en-US" sz="1600" spc="-1" strike="noStrike">
+              <a:solidFill>
+                <a:srgbClr val="000000"/>
+              </a:solidFill>
+              <a:uFill>
+                <a:solidFill>
+                  <a:srgbClr val="ffffff"/>
+                </a:solidFill>
+              </a:uFill>
+              <a:latin typeface="Arial"/>
+            </a:endParaRPr>
+          </a:p>
+        </p:txBody>
+      </p:sp>
+    </p:spTree>
+  </p:cSld>
+  <p:timing>
+    <p:tnLst>
+      <p:par>
+        <p:cTn id="47" dur="indefinite" restart="never" nodeType="tmRoot">
+          <p:childTnLst>
+            <p:seq>
+              <p:cTn id="48" nodeType="mainSeq"/>
+              <p:prevCondLst>
+                <p:cond delay="0" evt="onPrev">
+                  <p:tgtEl>
+                    <p:sldTgt/>
+                  </p:tgtEl>
+                </p:cond>
+              </p:prevCondLst>
+              <p:nextCondLst>
+                <p:cond delay="0" evt="onNext">
+                  <p:tgtEl>
+                    <p:sldTgt/>
+                  </p:tgtEl>
+                </p:cond>
+              </p:nextCondLst>
+            </p:seq>
+          </p:childTnLst>
+        </p:cTn>
+      </p:par>
+    </p:tnLst>
+  </p:timing>
+</p:sld>
+</file>
+
+<file path=ppt/slides/slide25.xml><?xml version="1.0" encoding="utf-8"?>
+<p:sld xmlns:a="http://schemas.openxmlformats.org/drawingml/2006/main" xmlns:p="http://schemas.openxmlformats.org/presentationml/2006/main" xmlns:r="http://schemas.openxmlformats.org/officeDocument/2006/relationships" xmlns:p14="http://schemas.microsoft.com/office/powerpoint/2010/main" xmlns:p15="http://schemas.microsoft.com/office/powerpoint/2012/main" xmlns:mc="http://schemas.openxmlformats.org/markup-compatibility/2006">
+  <p:cSld>
+    <p:spTree>
+      <p:nvGrpSpPr>
+        <p:cNvPr id="1" name=""/>
+        <p:cNvGrpSpPr/>
+        <p:nvPr/>
+      </p:nvGrpSpPr>
+      <p:grpSpPr>
+        <a:xfrm>
+          <a:off x="0" y="0"/>
+          <a:ext cx="0" cy="0"/>
+          <a:chOff x="0" y="0"/>
+          <a:chExt cx="0" cy="0"/>
+        </a:xfrm>
+      </p:grpSpPr>
+      <p:sp>
+        <p:nvSpPr>
+          <p:cNvPr id="101" name="TextShape 1"/>
+          <p:cNvSpPr txBox="1"/>
+          <p:nvPr/>
+        </p:nvSpPr>
+        <p:spPr>
+          <a:xfrm>
+            <a:off x="504000" y="49320"/>
+            <a:ext cx="9071640" cy="1262160"/>
+          </a:xfrm>
+          <a:prstGeom prst="rect">
+            <a:avLst/>
+          </a:prstGeom>
+          <a:noFill/>
+          <a:ln>
+            <a:noFill/>
+          </a:ln>
+        </p:spPr>
+        <p:txBody>
+          <a:bodyPr lIns="0" rIns="0" tIns="0" bIns="0" anchor="ctr"/>
+          <a:p>
+            <a:pPr algn="ctr"/>
+            <a:r>
+              <a:rPr b="0" lang="en-US" sz="4400" spc="-1" strike="noStrike">
+                <a:solidFill>
+                  <a:srgbClr val="000000"/>
+                </a:solidFill>
+                <a:uFill>
+                  <a:solidFill>
+                    <a:srgbClr val="ffffff"/>
+                  </a:solidFill>
+                </a:uFill>
+                <a:latin typeface="Arial"/>
+              </a:rPr>
+              <a:t>Personal Opinion</a:t>
+            </a:r>
+            <a:endParaRPr b="0" lang="en-US" sz="4400" spc="-1" strike="noStrike">
+              <a:solidFill>
+                <a:srgbClr val="000000"/>
+              </a:solidFill>
+              <a:uFill>
+                <a:solidFill>
+                  <a:srgbClr val="ffffff"/>
+                </a:solidFill>
+              </a:uFill>
+              <a:latin typeface="Arial"/>
+            </a:endParaRPr>
+          </a:p>
+        </p:txBody>
+      </p:sp>
+      <p:sp>
+        <p:nvSpPr>
+          <p:cNvPr id="102" name="TextShape 2"/>
+          <p:cNvSpPr txBox="1"/>
+          <p:nvPr/>
+        </p:nvSpPr>
+        <p:spPr>
+          <a:xfrm>
+            <a:off x="274320" y="1371600"/>
+            <a:ext cx="9601200" cy="5513400"/>
+          </a:xfrm>
+          <a:prstGeom prst="rect">
+            <a:avLst/>
+          </a:prstGeom>
+          <a:noFill/>
+          <a:ln>
+            <a:noFill/>
+          </a:ln>
+        </p:spPr>
+        <p:txBody>
+          <a:bodyPr lIns="90000" rIns="90000" tIns="45000" bIns="45000"/>
+          <a:p>
+            <a:r>
+              <a:rPr b="0" lang="en-US" sz="1800" spc="-1" strike="noStrike">
+                <a:solidFill>
+                  <a:srgbClr val="000000"/>
+                </a:solidFill>
+                <a:uFill>
+                  <a:solidFill>
+                    <a:srgbClr val="ffffff"/>
+                  </a:solidFill>
+                </a:uFill>
+                <a:latin typeface="Arial"/>
+              </a:rPr>
+              <a:t>추가 사항</a:t>
+            </a:r>
+            <a:endParaRPr b="0" lang="en-US" sz="1800" spc="-1" strike="noStrike">
+              <a:solidFill>
+                <a:srgbClr val="000000"/>
+              </a:solidFill>
+              <a:uFill>
+                <a:solidFill>
+                  <a:srgbClr val="ffffff"/>
+                </a:solidFill>
+              </a:uFill>
+              <a:latin typeface="Arial"/>
+            </a:endParaRPr>
+          </a:p>
+          <a:p>
+            <a:r>
+              <a:rPr b="0" lang="en-US" sz="1800" spc="-1" strike="noStrike">
+                <a:solidFill>
+                  <a:srgbClr val="000000"/>
+                </a:solidFill>
+                <a:uFill>
+                  <a:solidFill>
+                    <a:srgbClr val="ffffff"/>
+                  </a:solidFill>
+                </a:uFill>
+                <a:latin typeface="Arial"/>
+              </a:rPr>
+              <a:t>	</a:t>
+            </a:r>
+            <a:endParaRPr b="0" lang="en-US" sz="1800" spc="-1" strike="noStrike">
+              <a:solidFill>
+                <a:srgbClr val="000000"/>
+              </a:solidFill>
+              <a:uFill>
+                <a:solidFill>
+                  <a:srgbClr val="ffffff"/>
+                </a:solidFill>
+              </a:uFill>
+              <a:latin typeface="Arial"/>
+            </a:endParaRPr>
+          </a:p>
+          <a:p>
+            <a:r>
+              <a:rPr b="0" lang="en-US" sz="1800" spc="-1" strike="noStrike">
+                <a:solidFill>
+                  <a:srgbClr val="000000"/>
+                </a:solidFill>
+                <a:uFill>
+                  <a:solidFill>
+                    <a:srgbClr val="ffffff"/>
+                  </a:solidFill>
+                </a:uFill>
+                <a:latin typeface="Arial"/>
+              </a:rPr>
+              <a:t>*** Loop Optimization : Dynamically Increase Performance </a:t>
+            </a:r>
+            <a:endParaRPr b="0" lang="en-US" sz="1800" spc="-1" strike="noStrike">
+              <a:solidFill>
+                <a:srgbClr val="000000"/>
+              </a:solidFill>
+              <a:uFill>
+                <a:solidFill>
+                  <a:srgbClr val="ffffff"/>
+                </a:solidFill>
+              </a:uFill>
+              <a:latin typeface="Arial"/>
+            </a:endParaRPr>
+          </a:p>
+          <a:p>
+            <a:r>
+              <a:rPr b="0" lang="en-US" sz="1800" spc="-1" strike="noStrike">
+                <a:solidFill>
+                  <a:srgbClr val="000000"/>
+                </a:solidFill>
+                <a:uFill>
+                  <a:solidFill>
+                    <a:srgbClr val="ffffff"/>
+                  </a:solidFill>
+                </a:uFill>
+                <a:latin typeface="Arial"/>
+              </a:rPr>
+              <a:t>	</a:t>
+            </a:r>
+            <a:r>
+              <a:rPr b="0" lang="en-US" sz="1800" spc="-1" strike="noStrike">
+                <a:solidFill>
+                  <a:srgbClr val="000000"/>
+                </a:solidFill>
+                <a:uFill>
+                  <a:solidFill>
+                    <a:srgbClr val="ffffff"/>
+                  </a:solidFill>
+                </a:uFill>
+                <a:latin typeface="Arial"/>
+              </a:rPr>
+              <a:t>1) code</a:t>
+            </a:r>
+            <a:r>
+              <a:rPr b="0" lang="en-US" sz="1800" spc="-1" strike="noStrike">
+                <a:solidFill>
+                  <a:srgbClr val="000000"/>
+                </a:solidFill>
+                <a:uFill>
+                  <a:solidFill>
+                    <a:srgbClr val="ffffff"/>
+                  </a:solidFill>
+                </a:uFill>
+                <a:latin typeface="Arial"/>
+              </a:rPr>
+              <a:t>	</a:t>
+            </a:r>
+            <a:r>
+              <a:rPr b="0" lang="en-US" sz="1800" spc="-1" strike="noStrike">
+                <a:solidFill>
+                  <a:srgbClr val="000000"/>
+                </a:solidFill>
+                <a:uFill>
+                  <a:solidFill>
+                    <a:srgbClr val="ffffff"/>
+                  </a:solidFill>
+                </a:uFill>
+                <a:latin typeface="Arial"/>
+              </a:rPr>
+              <a:t>motion/code movement : loop</a:t>
+            </a:r>
+            <a:r>
+              <a:rPr b="0" lang="en-US" sz="1800" spc="-1" strike="noStrike">
+                <a:solidFill>
+                  <a:srgbClr val="000000"/>
+                </a:solidFill>
+                <a:uFill>
+                  <a:solidFill>
+                    <a:srgbClr val="ffffff"/>
+                  </a:solidFill>
+                </a:uFill>
+                <a:latin typeface="Arial"/>
+              </a:rPr>
+              <a:t>과 상관없는 코드는 밖으로 빼낸다</a:t>
+            </a:r>
+            <a:r>
+              <a:rPr b="0" lang="en-US" sz="1800" spc="-1" strike="noStrike">
+                <a:solidFill>
+                  <a:srgbClr val="000000"/>
+                </a:solidFill>
+                <a:uFill>
+                  <a:solidFill>
+                    <a:srgbClr val="ffffff"/>
+                  </a:solidFill>
+                </a:uFill>
+                <a:latin typeface="Arial"/>
+              </a:rPr>
+              <a:t>.</a:t>
+            </a:r>
+            <a:endParaRPr b="0" lang="en-US" sz="1800" spc="-1" strike="noStrike">
+              <a:solidFill>
+                <a:srgbClr val="000000"/>
+              </a:solidFill>
+              <a:uFill>
+                <a:solidFill>
+                  <a:srgbClr val="ffffff"/>
+                </a:solidFill>
+              </a:uFill>
+              <a:latin typeface="Arial"/>
+            </a:endParaRPr>
+          </a:p>
+          <a:p>
+            <a:r>
+              <a:rPr b="0" lang="en-US" sz="1800" spc="-1" strike="noStrike">
+                <a:solidFill>
+                  <a:srgbClr val="000000"/>
+                </a:solidFill>
+                <a:uFill>
+                  <a:solidFill>
+                    <a:srgbClr val="ffffff"/>
+                  </a:solidFill>
+                </a:uFill>
+                <a:latin typeface="Arial"/>
+              </a:rPr>
+              <a:t>	</a:t>
+            </a:r>
+            <a:r>
+              <a:rPr b="0" lang="en-US" sz="1800" spc="-1" strike="noStrike">
+                <a:solidFill>
+                  <a:srgbClr val="000000"/>
+                </a:solidFill>
+                <a:uFill>
+                  <a:solidFill>
+                    <a:srgbClr val="ffffff"/>
+                  </a:solidFill>
+                </a:uFill>
+                <a:latin typeface="Arial"/>
+              </a:rPr>
+              <a:t>2) induction variable : </a:t>
+            </a:r>
+            <a:r>
+              <a:rPr b="0" lang="en-US" sz="1800" spc="-1" strike="noStrike">
+                <a:solidFill>
+                  <a:srgbClr val="000000"/>
+                </a:solidFill>
+                <a:uFill>
+                  <a:solidFill>
+                    <a:srgbClr val="ffffff"/>
+                  </a:solidFill>
+                </a:uFill>
+                <a:latin typeface="Arial"/>
+              </a:rPr>
+              <a:t>매번 변하는 변수는 최적화 대상이 된다</a:t>
+            </a:r>
+            <a:r>
+              <a:rPr b="0" lang="en-US" sz="1800" spc="-1" strike="noStrike">
+                <a:solidFill>
+                  <a:srgbClr val="000000"/>
+                </a:solidFill>
+                <a:uFill>
+                  <a:solidFill>
+                    <a:srgbClr val="ffffff"/>
+                  </a:solidFill>
+                </a:uFill>
+                <a:latin typeface="Arial"/>
+              </a:rPr>
+              <a:t>. </a:t>
+            </a:r>
+            <a:endParaRPr b="0" lang="en-US" sz="1800" spc="-1" strike="noStrike">
+              <a:solidFill>
+                <a:srgbClr val="000000"/>
+              </a:solidFill>
+              <a:uFill>
+                <a:solidFill>
+                  <a:srgbClr val="ffffff"/>
+                </a:solidFill>
+              </a:uFill>
+              <a:latin typeface="Arial"/>
+            </a:endParaRPr>
+          </a:p>
+          <a:p>
+            <a:r>
+              <a:rPr b="0" lang="en-US" sz="1800" spc="-1" strike="noStrike">
+                <a:solidFill>
+                  <a:srgbClr val="000000"/>
+                </a:solidFill>
+                <a:uFill>
+                  <a:solidFill>
+                    <a:srgbClr val="ffffff"/>
+                  </a:solidFill>
+                </a:uFill>
+                <a:latin typeface="Arial"/>
+              </a:rPr>
+              <a:t>	</a:t>
+            </a:r>
+            <a:r>
+              <a:rPr b="0" lang="en-US" sz="1800" spc="-1" strike="noStrike">
+                <a:solidFill>
+                  <a:srgbClr val="000000"/>
+                </a:solidFill>
+                <a:uFill>
+                  <a:solidFill>
+                    <a:srgbClr val="ffffff"/>
+                  </a:solidFill>
+                </a:uFill>
+                <a:latin typeface="Arial"/>
+              </a:rPr>
+              <a:t>3) loop invariant : </a:t>
+            </a:r>
+            <a:r>
+              <a:rPr b="0" lang="en-US" sz="1800" spc="-1" strike="noStrike">
+                <a:solidFill>
+                  <a:srgbClr val="000000"/>
+                </a:solidFill>
+                <a:uFill>
+                  <a:solidFill>
+                    <a:srgbClr val="ffffff"/>
+                  </a:solidFill>
+                </a:uFill>
+                <a:latin typeface="Arial"/>
+              </a:rPr>
+              <a:t>매번 변하는 변수에 영향을 주는 연산 중에서 고정적인 것은 밖으로 빼낸다</a:t>
+            </a:r>
+            <a:r>
+              <a:rPr b="0" lang="en-US" sz="1800" spc="-1" strike="noStrike">
+                <a:solidFill>
+                  <a:srgbClr val="000000"/>
+                </a:solidFill>
+                <a:uFill>
+                  <a:solidFill>
+                    <a:srgbClr val="ffffff"/>
+                  </a:solidFill>
+                </a:uFill>
+                <a:latin typeface="Arial"/>
+              </a:rPr>
+              <a:t>.</a:t>
+            </a:r>
+            <a:endParaRPr b="0" lang="en-US" sz="1800" spc="-1" strike="noStrike">
+              <a:solidFill>
+                <a:srgbClr val="000000"/>
+              </a:solidFill>
+              <a:uFill>
+                <a:solidFill>
+                  <a:srgbClr val="ffffff"/>
+                </a:solidFill>
+              </a:uFill>
+              <a:latin typeface="Arial"/>
+            </a:endParaRPr>
+          </a:p>
+          <a:p>
+            <a:r>
+              <a:rPr b="0" lang="en-US" sz="1800" spc="-1" strike="noStrike">
+                <a:solidFill>
+                  <a:srgbClr val="000000"/>
+                </a:solidFill>
+                <a:uFill>
+                  <a:solidFill>
+                    <a:srgbClr val="ffffff"/>
+                  </a:solidFill>
+                </a:uFill>
+                <a:latin typeface="Arial"/>
+              </a:rPr>
+              <a:t>	</a:t>
+            </a:r>
+            <a:r>
+              <a:rPr b="0" lang="en-US" sz="1800" spc="-1" strike="noStrike">
+                <a:solidFill>
+                  <a:srgbClr val="000000"/>
+                </a:solidFill>
+                <a:uFill>
+                  <a:solidFill>
+                    <a:srgbClr val="ffffff"/>
+                  </a:solidFill>
+                </a:uFill>
+                <a:latin typeface="Arial"/>
+              </a:rPr>
+              <a:t>4) loop unrolling : </a:t>
+            </a:r>
+            <a:r>
+              <a:rPr b="0" lang="en-US" sz="1800" spc="-1" strike="noStrike">
+                <a:solidFill>
+                  <a:srgbClr val="000000"/>
+                </a:solidFill>
+                <a:uFill>
+                  <a:solidFill>
+                    <a:srgbClr val="ffffff"/>
+                  </a:solidFill>
+                </a:uFill>
+                <a:latin typeface="Arial"/>
+              </a:rPr>
+              <a:t>동일한 코드를 반복해서 쓰면 </a:t>
+            </a:r>
+            <a:r>
+              <a:rPr b="0" lang="en-US" sz="1800" spc="-1" strike="noStrike">
+                <a:solidFill>
+                  <a:srgbClr val="000000"/>
+                </a:solidFill>
+                <a:uFill>
+                  <a:solidFill>
+                    <a:srgbClr val="ffffff"/>
+                  </a:solidFill>
+                </a:uFill>
+                <a:latin typeface="Arial"/>
+              </a:rPr>
+              <a:t>jump/test </a:t>
+            </a:r>
+            <a:r>
+              <a:rPr b="0" lang="en-US" sz="1800" spc="-1" strike="noStrike">
+                <a:solidFill>
+                  <a:srgbClr val="000000"/>
+                </a:solidFill>
+                <a:uFill>
+                  <a:solidFill>
+                    <a:srgbClr val="ffffff"/>
+                  </a:solidFill>
+                </a:uFill>
+                <a:latin typeface="Arial"/>
+              </a:rPr>
+              <a:t>가 줄어드는 효과</a:t>
+            </a:r>
+            <a:endParaRPr b="0" lang="en-US" sz="1800" spc="-1" strike="noStrike">
+              <a:solidFill>
+                <a:srgbClr val="000000"/>
+              </a:solidFill>
+              <a:uFill>
+                <a:solidFill>
+                  <a:srgbClr val="ffffff"/>
+                </a:solidFill>
+              </a:uFill>
+              <a:latin typeface="Arial"/>
+            </a:endParaRPr>
+          </a:p>
+          <a:p>
+            <a:r>
+              <a:rPr b="0" lang="en-US" sz="1800" spc="-1" strike="noStrike">
+                <a:solidFill>
+                  <a:srgbClr val="000000"/>
+                </a:solidFill>
+                <a:uFill>
+                  <a:solidFill>
+                    <a:srgbClr val="ffffff"/>
+                  </a:solidFill>
+                </a:uFill>
+                <a:latin typeface="Arial"/>
+              </a:rPr>
+              <a:t>	</a:t>
+            </a:r>
+            <a:r>
+              <a:rPr b="0" lang="en-US" sz="1800" spc="-1" strike="noStrike">
+                <a:solidFill>
+                  <a:srgbClr val="000000"/>
+                </a:solidFill>
+                <a:uFill>
+                  <a:solidFill>
+                    <a:srgbClr val="ffffff"/>
+                  </a:solidFill>
+                </a:uFill>
+                <a:latin typeface="Arial"/>
+              </a:rPr>
+              <a:t>5) loop fusion/loop jamming : </a:t>
+            </a:r>
+            <a:r>
+              <a:rPr b="0" lang="en-US" sz="1800" spc="-1" strike="noStrike">
+                <a:solidFill>
+                  <a:srgbClr val="000000"/>
+                </a:solidFill>
+                <a:uFill>
+                  <a:solidFill>
+                    <a:srgbClr val="ffffff"/>
+                  </a:solidFill>
+                </a:uFill>
+                <a:latin typeface="Arial"/>
+              </a:rPr>
+              <a:t>여러개의</a:t>
+            </a:r>
+            <a:r>
+              <a:rPr b="0" lang="en-US" sz="1800" spc="-1" strike="noStrike">
+                <a:solidFill>
+                  <a:srgbClr val="000000"/>
+                </a:solidFill>
+                <a:uFill>
+                  <a:solidFill>
+                    <a:srgbClr val="ffffff"/>
+                  </a:solidFill>
+                </a:uFill>
+                <a:latin typeface="Arial"/>
+              </a:rPr>
+              <a:t>(</a:t>
+            </a:r>
+            <a:r>
+              <a:rPr b="0" lang="en-US" sz="1800" spc="-1" strike="noStrike">
+                <a:solidFill>
+                  <a:srgbClr val="000000"/>
+                </a:solidFill>
+                <a:uFill>
+                  <a:solidFill>
+                    <a:srgbClr val="ffffff"/>
+                  </a:solidFill>
+                </a:uFill>
+                <a:latin typeface="Arial"/>
+              </a:rPr>
+              <a:t>또는 </a:t>
+            </a:r>
+            <a:r>
+              <a:rPr b="0" lang="en-US" sz="1800" spc="-1" strike="noStrike">
+                <a:solidFill>
+                  <a:srgbClr val="000000"/>
+                </a:solidFill>
+                <a:uFill>
+                  <a:solidFill>
+                    <a:srgbClr val="ffffff"/>
+                  </a:solidFill>
+                </a:uFill>
+                <a:latin typeface="Arial"/>
+              </a:rPr>
+              <a:t>nested) loop</a:t>
+            </a:r>
+            <a:r>
+              <a:rPr b="0" lang="en-US" sz="1800" spc="-1" strike="noStrike">
+                <a:solidFill>
+                  <a:srgbClr val="000000"/>
+                </a:solidFill>
+                <a:uFill>
+                  <a:solidFill>
+                    <a:srgbClr val="ffffff"/>
+                  </a:solidFill>
+                </a:uFill>
+                <a:latin typeface="Arial"/>
+              </a:rPr>
+              <a:t>를 합쳐서 하나로 만든다</a:t>
+            </a:r>
+            <a:r>
+              <a:rPr b="0" lang="en-US" sz="1800" spc="-1" strike="noStrike">
+                <a:solidFill>
+                  <a:srgbClr val="000000"/>
+                </a:solidFill>
+                <a:uFill>
+                  <a:solidFill>
+                    <a:srgbClr val="ffffff"/>
+                  </a:solidFill>
+                </a:uFill>
+                <a:latin typeface="Arial"/>
+              </a:rPr>
+              <a:t>. </a:t>
+            </a:r>
+            <a:endParaRPr b="0" lang="en-US" sz="1800" spc="-1" strike="noStrike">
+              <a:solidFill>
+                <a:srgbClr val="000000"/>
+              </a:solidFill>
+              <a:uFill>
+                <a:solidFill>
+                  <a:srgbClr val="ffffff"/>
+                </a:solidFill>
+              </a:uFill>
+              <a:latin typeface="Arial"/>
+            </a:endParaRPr>
+          </a:p>
+          <a:p>
+            <a:r>
+              <a:rPr b="0" lang="en-US" sz="1800" spc="-1" strike="noStrike">
+                <a:solidFill>
+                  <a:srgbClr val="000000"/>
+                </a:solidFill>
+                <a:uFill>
+                  <a:solidFill>
+                    <a:srgbClr val="ffffff"/>
+                  </a:solidFill>
+                </a:uFill>
+                <a:latin typeface="Arial"/>
+              </a:rPr>
+              <a:t>	</a:t>
+            </a:r>
+            <a:endParaRPr b="0" lang="en-US" sz="1800" spc="-1" strike="noStrike">
+              <a:solidFill>
+                <a:srgbClr val="000000"/>
+              </a:solidFill>
+              <a:uFill>
+                <a:solidFill>
+                  <a:srgbClr val="ffffff"/>
+                </a:solidFill>
+              </a:uFill>
+              <a:latin typeface="Arial"/>
+            </a:endParaRPr>
+          </a:p>
+          <a:p>
+            <a:r>
+              <a:rPr b="0" lang="en-US" sz="1800" spc="-1" strike="noStrike">
+                <a:solidFill>
+                  <a:srgbClr val="000000"/>
+                </a:solidFill>
+                <a:uFill>
+                  <a:solidFill>
+                    <a:srgbClr val="ffffff"/>
+                  </a:solidFill>
+                </a:uFill>
+                <a:latin typeface="Arial"/>
+              </a:rPr>
+              <a:t>*** Branch Prediction : could be helpful but maybe not</a:t>
+            </a:r>
+            <a:endParaRPr b="0" lang="en-US" sz="1800" spc="-1" strike="noStrike">
+              <a:solidFill>
+                <a:srgbClr val="000000"/>
+              </a:solidFill>
+              <a:uFill>
+                <a:solidFill>
+                  <a:srgbClr val="ffffff"/>
+                </a:solidFill>
+              </a:uFill>
+              <a:latin typeface="Arial"/>
+            </a:endParaRPr>
+          </a:p>
+          <a:p>
+            <a:r>
+              <a:rPr b="0" lang="en-US" sz="1800" spc="-1" strike="noStrike">
+                <a:solidFill>
+                  <a:srgbClr val="000000"/>
+                </a:solidFill>
+                <a:uFill>
+                  <a:solidFill>
+                    <a:srgbClr val="ffffff"/>
+                  </a:solidFill>
+                </a:uFill>
+                <a:latin typeface="Arial"/>
+              </a:rPr>
+              <a:t>	</a:t>
+            </a:r>
+            <a:r>
+              <a:rPr b="0" lang="en-US" sz="1800" spc="-1" strike="noStrike">
+                <a:solidFill>
+                  <a:srgbClr val="000000"/>
+                </a:solidFill>
+                <a:uFill>
+                  <a:solidFill>
+                    <a:srgbClr val="ffffff"/>
+                  </a:solidFill>
+                </a:uFill>
+                <a:latin typeface="Arial"/>
+              </a:rPr>
+              <a:t>우선 여러 개의 </a:t>
+            </a:r>
+            <a:r>
+              <a:rPr b="0" lang="en-US" sz="1800" spc="-1" strike="noStrike">
+                <a:solidFill>
+                  <a:srgbClr val="000000"/>
+                </a:solidFill>
+                <a:uFill>
+                  <a:solidFill>
+                    <a:srgbClr val="ffffff"/>
+                  </a:solidFill>
+                </a:uFill>
+                <a:latin typeface="Arial"/>
+              </a:rPr>
+              <a:t>branch </a:t>
+            </a:r>
+            <a:r>
+              <a:rPr b="0" lang="en-US" sz="1800" spc="-1" strike="noStrike">
+                <a:solidFill>
+                  <a:srgbClr val="000000"/>
+                </a:solidFill>
+                <a:uFill>
+                  <a:solidFill>
+                    <a:srgbClr val="ffffff"/>
+                  </a:solidFill>
+                </a:uFill>
+                <a:latin typeface="Arial"/>
+              </a:rPr>
+              <a:t>중에서 하나가 </a:t>
+            </a:r>
+            <a:r>
+              <a:rPr b="0" lang="en-US" sz="1800" spc="-1" strike="noStrike">
+                <a:solidFill>
+                  <a:srgbClr val="000000"/>
+                </a:solidFill>
+                <a:uFill>
+                  <a:solidFill>
+                    <a:srgbClr val="ffffff"/>
+                  </a:solidFill>
+                </a:uFill>
+                <a:latin typeface="Arial"/>
+              </a:rPr>
+              <a:t>True</a:t>
+            </a:r>
+            <a:r>
+              <a:rPr b="0" lang="en-US" sz="1800" spc="-1" strike="noStrike">
+                <a:solidFill>
+                  <a:srgbClr val="000000"/>
+                </a:solidFill>
+                <a:uFill>
+                  <a:solidFill>
+                    <a:srgbClr val="ffffff"/>
+                  </a:solidFill>
+                </a:uFill>
+                <a:latin typeface="Arial"/>
+              </a:rPr>
+              <a:t>라고 가정하고 이후의 명령을 미리 실행한다</a:t>
+            </a:r>
+            <a:endParaRPr b="0" lang="en-US" sz="1800" spc="-1" strike="noStrike">
+              <a:solidFill>
+                <a:srgbClr val="000000"/>
+              </a:solidFill>
+              <a:uFill>
+                <a:solidFill>
+                  <a:srgbClr val="ffffff"/>
+                </a:solidFill>
+              </a:uFill>
+              <a:latin typeface="Arial"/>
+            </a:endParaRPr>
+          </a:p>
+          <a:p>
+            <a:r>
+              <a:rPr b="0" lang="en-US" sz="1800" spc="-1" strike="noStrike">
+                <a:solidFill>
+                  <a:srgbClr val="000000"/>
+                </a:solidFill>
+                <a:uFill>
+                  <a:solidFill>
+                    <a:srgbClr val="ffffff"/>
+                  </a:solidFill>
+                </a:uFill>
+                <a:latin typeface="Arial"/>
+              </a:rPr>
+              <a:t>	</a:t>
+            </a:r>
+            <a:r>
+              <a:rPr b="0" lang="en-US" sz="1800" spc="-1" strike="noStrike">
+                <a:solidFill>
+                  <a:srgbClr val="000000"/>
+                </a:solidFill>
+                <a:uFill>
+                  <a:solidFill>
+                    <a:srgbClr val="ffffff"/>
+                  </a:solidFill>
+                </a:uFill>
+                <a:latin typeface="Arial"/>
+              </a:rPr>
+              <a:t>그 </a:t>
+            </a:r>
+            <a:r>
+              <a:rPr b="0" lang="en-US" sz="1800" spc="-1" strike="noStrike">
+                <a:solidFill>
+                  <a:srgbClr val="000000"/>
+                </a:solidFill>
+                <a:uFill>
+                  <a:solidFill>
+                    <a:srgbClr val="ffffff"/>
+                  </a:solidFill>
+                </a:uFill>
+                <a:latin typeface="Arial"/>
+              </a:rPr>
+              <a:t>branch</a:t>
+            </a:r>
+            <a:r>
+              <a:rPr b="0" lang="en-US" sz="1800" spc="-1" strike="noStrike">
+                <a:solidFill>
+                  <a:srgbClr val="000000"/>
+                </a:solidFill>
+                <a:uFill>
+                  <a:solidFill>
+                    <a:srgbClr val="ffffff"/>
+                  </a:solidFill>
+                </a:uFill>
+                <a:latin typeface="Arial"/>
+              </a:rPr>
+              <a:t>가 선택되지 않을 때는 미리 실행한 명령 전부 </a:t>
+            </a:r>
+            <a:r>
+              <a:rPr b="0" lang="en-US" sz="1800" spc="-1" strike="noStrike">
+                <a:solidFill>
+                  <a:srgbClr val="000000"/>
+                </a:solidFill>
+                <a:uFill>
+                  <a:solidFill>
+                    <a:srgbClr val="ffffff"/>
+                  </a:solidFill>
+                </a:uFill>
+                <a:latin typeface="Arial"/>
+              </a:rPr>
+              <a:t>Flush</a:t>
+            </a:r>
+            <a:r>
+              <a:rPr b="0" lang="en-US" sz="1800" spc="-1" strike="noStrike">
+                <a:solidFill>
+                  <a:srgbClr val="000000"/>
+                </a:solidFill>
+                <a:uFill>
+                  <a:solidFill>
+                    <a:srgbClr val="ffffff"/>
+                  </a:solidFill>
+                </a:uFill>
+                <a:latin typeface="Arial"/>
+              </a:rPr>
+              <a:t>하고 다시 되돌아간다</a:t>
+            </a:r>
+            <a:endParaRPr b="0" lang="en-US" sz="1800" spc="-1" strike="noStrike">
+              <a:solidFill>
+                <a:srgbClr val="000000"/>
+              </a:solidFill>
+              <a:uFill>
+                <a:solidFill>
+                  <a:srgbClr val="ffffff"/>
+                </a:solidFill>
+              </a:uFill>
+              <a:latin typeface="Arial"/>
+            </a:endParaRPr>
+          </a:p>
+          <a:p>
+            <a:r>
+              <a:rPr b="0" lang="en-US" sz="1800" spc="-1" strike="noStrike">
+                <a:solidFill>
+                  <a:srgbClr val="000000"/>
+                </a:solidFill>
+                <a:uFill>
+                  <a:solidFill>
+                    <a:srgbClr val="ffffff"/>
+                  </a:solidFill>
+                </a:uFill>
+                <a:latin typeface="Arial"/>
+              </a:rPr>
+              <a:t>	</a:t>
+            </a:r>
+            <a:r>
+              <a:rPr b="0" lang="en-US" sz="1800" spc="-1" strike="noStrike">
+                <a:solidFill>
+                  <a:srgbClr val="000000"/>
+                </a:solidFill>
+                <a:uFill>
+                  <a:solidFill>
+                    <a:srgbClr val="ffffff"/>
+                  </a:solidFill>
+                </a:uFill>
+                <a:latin typeface="Arial"/>
+              </a:rPr>
+              <a:t>이는 하드웨어가 지원하는 부분</a:t>
+            </a:r>
+            <a:endParaRPr b="0" lang="en-US" sz="1800" spc="-1" strike="noStrike">
+              <a:solidFill>
+                <a:srgbClr val="000000"/>
+              </a:solidFill>
+              <a:uFill>
+                <a:solidFill>
+                  <a:srgbClr val="ffffff"/>
+                </a:solidFill>
+              </a:uFill>
+              <a:latin typeface="Arial"/>
+            </a:endParaRPr>
+          </a:p>
+        </p:txBody>
+      </p:sp>
+    </p:spTree>
+  </p:cSld>
+  <p:timing>
+    <p:tnLst>
+      <p:par>
+        <p:cTn id="49" dur="indefinite" restart="never" nodeType="tmRoot">
+          <p:childTnLst>
+            <p:seq>
+              <p:cTn id="50" nodeType="mainSeq"/>
+              <p:prevCondLst>
+                <p:cond delay="0" evt="onPrev">
+                  <p:tgtEl>
+                    <p:sldTgt/>
+                  </p:tgtEl>
+                </p:cond>
+              </p:prevCondLst>
+              <p:nextCondLst>
+                <p:cond delay="0" evt="onNext">
+                  <p:tgtEl>
+                    <p:sldTgt/>
+                  </p:tgtEl>
+                </p:cond>
+              </p:nextCondLst>
+            </p:seq>
+          </p:childTnLst>
+        </p:cTn>
+      </p:par>
+    </p:tnLst>
+  </p:timing>
+</p:sld>
+</file>
+
+<file path=ppt/slides/slide26.xml><?xml version="1.0" encoding="utf-8"?>
+<p:sld xmlns:a="http://schemas.openxmlformats.org/drawingml/2006/main" xmlns:p="http://schemas.openxmlformats.org/presentationml/2006/main" xmlns:r="http://schemas.openxmlformats.org/officeDocument/2006/relationships" xmlns:p14="http://schemas.microsoft.com/office/powerpoint/2010/main" xmlns:p15="http://schemas.microsoft.com/office/powerpoint/2012/main" xmlns:mc="http://schemas.openxmlformats.org/markup-compatibility/2006">
+  <p:cSld>
+    <p:spTree>
+      <p:nvGrpSpPr>
+        <p:cNvPr id="1" name=""/>
+        <p:cNvGrpSpPr/>
+        <p:nvPr/>
+      </p:nvGrpSpPr>
+      <p:grpSpPr>
+        <a:xfrm>
+          <a:off x="0" y="0"/>
+          <a:ext cx="0" cy="0"/>
+          <a:chOff x="0" y="0"/>
+          <a:chExt cx="0" cy="0"/>
+        </a:xfrm>
+      </p:grpSpPr>
+      <p:sp>
+        <p:nvSpPr>
+          <p:cNvPr id="103" name="TextShape 1"/>
+          <p:cNvSpPr txBox="1"/>
+          <p:nvPr/>
+        </p:nvSpPr>
+        <p:spPr>
+          <a:xfrm>
+            <a:off x="504000" y="49320"/>
+            <a:ext cx="9071640" cy="1262160"/>
+          </a:xfrm>
+          <a:prstGeom prst="rect">
+            <a:avLst/>
+          </a:prstGeom>
+          <a:noFill/>
+          <a:ln>
+            <a:noFill/>
+          </a:ln>
+        </p:spPr>
+        <p:txBody>
+          <a:bodyPr lIns="0" rIns="0" tIns="0" bIns="0" anchor="ctr"/>
+          <a:p>
+            <a:pPr algn="ctr"/>
+            <a:r>
+              <a:rPr b="0" lang="en-US" sz="4400" spc="-1" strike="noStrike">
+                <a:solidFill>
+                  <a:srgbClr val="000000"/>
+                </a:solidFill>
+                <a:uFill>
+                  <a:solidFill>
+                    <a:srgbClr val="ffffff"/>
+                  </a:solidFill>
+                </a:uFill>
+                <a:latin typeface="Arial"/>
+              </a:rPr>
+              <a:t>Questions</a:t>
+            </a:r>
+            <a:endParaRPr b="0" lang="en-US" sz="4400" spc="-1" strike="noStrike">
+              <a:solidFill>
+                <a:srgbClr val="000000"/>
+              </a:solidFill>
+              <a:uFill>
+                <a:solidFill>
+                  <a:srgbClr val="ffffff"/>
+                </a:solidFill>
+              </a:uFill>
+              <a:latin typeface="Arial"/>
+            </a:endParaRPr>
+          </a:p>
+        </p:txBody>
+      </p:sp>
+      <p:sp>
+        <p:nvSpPr>
+          <p:cNvPr id="104" name="TextShape 2"/>
           <p:cNvSpPr txBox="1"/>
           <p:nvPr/>
         </p:nvSpPr>
@@ -14125,9 +17629,9 @@
           <a:bodyPr lIns="90000" rIns="90000" tIns="45000" bIns="45000"/>
           <a:p>
             <a:r>
-              <a:rPr b="0" lang="en-US" sz="1600" spc="-1" strike="noStrike">
-                <a:solidFill>
-                  <a:srgbClr val="000000"/>
+              <a:rPr b="0" lang="en-US" sz="1600" spc="-1" strike="sngStrike">
+                <a:solidFill>
+                  <a:srgbClr val="b2b2b2"/>
                 </a:solidFill>
                 <a:uFill>
                   <a:solidFill>
@@ -14140,9 +17644,9 @@
               <a:t>1. </a:t>
             </a:r>
             <a:r>
-              <a:rPr b="0" lang="en-US" sz="1600" spc="-1" strike="noStrike">
-                <a:solidFill>
-                  <a:srgbClr val="000000"/>
+              <a:rPr b="0" lang="en-US" sz="1600" spc="-1" strike="sngStrike">
+                <a:solidFill>
+                  <a:srgbClr val="b2b2b2"/>
                 </a:solidFill>
                 <a:uFill>
                   <a:solidFill>
@@ -14155,9 +17659,9 @@
               <a:t>왜 </a:t>
             </a:r>
             <a:r>
-              <a:rPr b="0" lang="en-US" sz="1600" spc="-1" strike="noStrike">
-                <a:solidFill>
-                  <a:srgbClr val="000000"/>
+              <a:rPr b="0" lang="en-US" sz="1600" spc="-1" strike="sngStrike">
+                <a:solidFill>
+                  <a:srgbClr val="b2b2b2"/>
                 </a:solidFill>
                 <a:uFill>
                   <a:solidFill>
@@ -14170,9 +17674,9 @@
               <a:t>WR Request</a:t>
             </a:r>
             <a:r>
-              <a:rPr b="0" lang="en-US" sz="1600" spc="-1" strike="noStrike">
-                <a:solidFill>
-                  <a:srgbClr val="000000"/>
+              <a:rPr b="0" lang="en-US" sz="1600" spc="-1" strike="sngStrike">
+                <a:solidFill>
+                  <a:srgbClr val="b2b2b2"/>
                 </a:solidFill>
                 <a:uFill>
                   <a:solidFill>
@@ -14185,9 +17689,9 @@
               <a:t>가 발생할 때마다 </a:t>
             </a:r>
             <a:r>
-              <a:rPr b="0" lang="en-US" sz="1600" spc="-1" strike="noStrike">
-                <a:solidFill>
-                  <a:srgbClr val="000000"/>
+              <a:rPr b="0" lang="en-US" sz="1600" spc="-1" strike="sngStrike">
+                <a:solidFill>
+                  <a:srgbClr val="b2b2b2"/>
                 </a:solidFill>
                 <a:uFill>
                   <a:solidFill>
@@ -14200,9 +17704,9 @@
               <a:t>next BF</a:t>
             </a:r>
             <a:r>
-              <a:rPr b="0" lang="en-US" sz="1600" spc="-1" strike="noStrike">
-                <a:solidFill>
-                  <a:srgbClr val="000000"/>
+              <a:rPr b="0" lang="en-US" sz="1600" spc="-1" strike="sngStrike">
+                <a:solidFill>
+                  <a:srgbClr val="b2b2b2"/>
                 </a:solidFill>
                 <a:uFill>
                   <a:solidFill>
@@ -14215,9 +17719,9 @@
               <a:t>를 사용했을까</a:t>
             </a:r>
             <a:r>
-              <a:rPr b="0" lang="en-US" sz="1600" spc="-1" strike="noStrike">
-                <a:solidFill>
-                  <a:srgbClr val="000000"/>
+              <a:rPr b="0" lang="en-US" sz="1600" spc="-1" strike="sngStrike">
+                <a:solidFill>
+                  <a:srgbClr val="b2b2b2"/>
                 </a:solidFill>
                 <a:uFill>
                   <a:solidFill>
@@ -14230,9 +17734,9 @@
               <a:t>? </a:t>
             </a:r>
             <a:r>
-              <a:rPr b="0" lang="en-US" sz="1600" spc="-1" strike="noStrike">
-                <a:solidFill>
-                  <a:srgbClr val="000000"/>
+              <a:rPr b="0" lang="en-US" sz="1600" spc="-1" strike="sngStrike">
+                <a:solidFill>
+                  <a:srgbClr val="b2b2b2"/>
                 </a:solidFill>
                 <a:uFill>
                   <a:solidFill>
@@ -14245,9 +17749,9 @@
               <a:t>원래 사용하던 </a:t>
             </a:r>
             <a:r>
-              <a:rPr b="0" lang="en-US" sz="1600" spc="-1" strike="noStrike">
-                <a:solidFill>
-                  <a:srgbClr val="000000"/>
+              <a:rPr b="0" lang="en-US" sz="1600" spc="-1" strike="sngStrike">
+                <a:solidFill>
+                  <a:srgbClr val="b2b2b2"/>
                 </a:solidFill>
                 <a:uFill>
                   <a:solidFill>
@@ -14260,9 +17764,9 @@
               <a:t>BF</a:t>
             </a:r>
             <a:r>
-              <a:rPr b="0" lang="en-US" sz="1600" spc="-1" strike="noStrike">
-                <a:solidFill>
-                  <a:srgbClr val="000000"/>
+              <a:rPr b="0" lang="en-US" sz="1600" spc="-1" strike="sngStrike">
+                <a:solidFill>
+                  <a:srgbClr val="b2b2b2"/>
                 </a:solidFill>
                 <a:uFill>
                   <a:solidFill>
@@ -14275,9 +17779,9 @@
               <a:t>를 사용했어야 </a:t>
             </a:r>
             <a:r>
-              <a:rPr b="0" lang="en-US" sz="1600" spc="-1" strike="noStrike">
-                <a:solidFill>
-                  <a:srgbClr val="000000"/>
+              <a:rPr b="0" lang="en-US" sz="1600" spc="-1" strike="sngStrike">
+                <a:solidFill>
+                  <a:srgbClr val="b2b2b2"/>
                 </a:solidFill>
                 <a:uFill>
                   <a:solidFill>
@@ -14290,9 +17794,9 @@
               <a:t>recency </a:t>
             </a:r>
             <a:r>
-              <a:rPr b="0" lang="en-US" sz="1600" spc="-1" strike="noStrike">
-                <a:solidFill>
-                  <a:srgbClr val="000000"/>
+              <a:rPr b="0" lang="en-US" sz="1600" spc="-1" strike="sngStrike">
+                <a:solidFill>
+                  <a:srgbClr val="b2b2b2"/>
                 </a:solidFill>
                 <a:uFill>
                   <a:solidFill>
@@ -14305,9 +17809,9 @@
               <a:t>정보를 알아내는데에 맞는 게 아니었을까</a:t>
             </a:r>
             <a:r>
-              <a:rPr b="0" lang="en-US" sz="1600" spc="-1" strike="noStrike">
-                <a:solidFill>
-                  <a:srgbClr val="000000"/>
+              <a:rPr b="0" lang="en-US" sz="1600" spc="-1" strike="sngStrike">
+                <a:solidFill>
+                  <a:srgbClr val="b2b2b2"/>
                 </a:solidFill>
                 <a:uFill>
                   <a:solidFill>
@@ -14346,7 +17850,7 @@
           </a:p>
           <a:p>
             <a:r>
-              <a:rPr b="0" lang="en-US" sz="1600" spc="-1" strike="noStrike">
+              <a:rPr b="1" lang="en-US" sz="1600" spc="-1" strike="noStrike">
                 <a:solidFill>
                   <a:srgbClr val="000000"/>
                 </a:solidFill>
@@ -14361,7 +17865,7 @@
               <a:t>1. Figure</a:t>
             </a:r>
             <a:r>
-              <a:rPr b="0" lang="en-US" sz="1600" spc="-1" strike="noStrike">
+              <a:rPr b="1" lang="en-US" sz="1600" spc="-1" strike="noStrike">
                 <a:solidFill>
                   <a:srgbClr val="000000"/>
                 </a:solidFill>
@@ -14376,7 +17880,7 @@
               <a:t>는 반드시 페이지의 맨 위로 보내는 걸까</a:t>
             </a:r>
             <a:r>
-              <a:rPr b="0" lang="en-US" sz="1600" spc="-1" strike="noStrike">
+              <a:rPr b="1" lang="en-US" sz="1600" spc="-1" strike="noStrike">
                 <a:solidFill>
                   <a:srgbClr val="000000"/>
                 </a:solidFill>
@@ -14435,10 +17939,10 @@
   <p:timing>
     <p:tnLst>
       <p:par>
-        <p:cTn id="45" dur="indefinite" restart="never" nodeType="tmRoot">
+        <p:cTn id="51" dur="indefinite" restart="never" nodeType="tmRoot">
           <p:childTnLst>
             <p:seq>
-              <p:cTn id="46" nodeType="mainSeq"/>
+              <p:cTn id="52" nodeType="mainSeq"/>
               <p:prevCondLst>
                 <p:cond delay="0" evt="onPrev">
                   <p:tgtEl>
@@ -14514,7 +18018,7 @@
                 </a:uFill>
                 <a:latin typeface="Arial"/>
               </a:rPr>
-              <a:t>Background Information</a:t>
+              <a:t>Background</a:t>
             </a:r>
             <a:endParaRPr b="0" lang="en-US" sz="4400" spc="-1" strike="noStrike">
               <a:solidFill>
@@ -15641,7 +19145,7 @@
                 </a:uFill>
                 <a:latin typeface="Arial"/>
               </a:rPr>
-              <a:t>Background Information</a:t>
+              <a:t>Background</a:t>
             </a:r>
             <a:endParaRPr b="0" lang="en-US" sz="4400" spc="-1" strike="noStrike">
               <a:solidFill>
@@ -16902,7 +20406,7 @@
                 </a:uFill>
                 <a:latin typeface="Arial"/>
               </a:rPr>
-              <a:t>Background Information</a:t>
+              <a:t>Background</a:t>
             </a:r>
             <a:endParaRPr b="0" lang="en-US" sz="4400" spc="-1" strike="noStrike">
               <a:solidFill>
@@ -17305,7 +20809,7 @@
                 </a:uFill>
                 <a:latin typeface="Arial"/>
               </a:rPr>
-              <a:t>Background Information</a:t>
+              <a:t>Background</a:t>
             </a:r>
             <a:endParaRPr b="0" lang="en-US" sz="4400" spc="-1" strike="noStrike">
               <a:solidFill>
@@ -17969,7 +21473,7 @@
               </a:rPr>
               <a:t>영역에서 가장 우수한 평가를 받고 있던 </a:t>
             </a:r>
-            <a:endParaRPr b="0" lang="en-US" sz="1600" spc="-1" strike="noStrike">
+            <a:endParaRPr b="0" lang="en-US" sz="1800" spc="-1" strike="noStrike">
               <a:solidFill>
                 <a:srgbClr val="000000"/>
               </a:solidFill>
@@ -18012,7 +21516,7 @@
               </a:rPr>
               <a:t>&lt;Efficient Identification of Hot Data for Flash-Memory Storage </a:t>
             </a:r>
-            <a:endParaRPr b="0" lang="en-US" sz="1600" spc="-1" strike="noStrike">
+            <a:endParaRPr b="0" lang="en-US" sz="1800" spc="-1" strike="noStrike">
               <a:solidFill>
                 <a:srgbClr val="000000"/>
               </a:solidFill>
@@ -18145,7 +21649,7 @@
               </a:rPr>
               <a:t>와 </a:t>
             </a:r>
-            <a:endParaRPr b="0" lang="en-US" sz="1600" spc="-1" strike="noStrike">
+            <a:endParaRPr b="0" lang="en-US" sz="1800" spc="-1" strike="noStrike">
               <a:solidFill>
                 <a:srgbClr val="000000"/>
               </a:solidFill>
@@ -18278,7 +21782,7 @@
               </a:rPr>
               <a:t>요청이 들어올 때마다 </a:t>
             </a:r>
-            <a:endParaRPr b="0" lang="en-US" sz="1600" spc="-1" strike="noStrike">
+            <a:endParaRPr b="0" lang="en-US" sz="1800" spc="-1" strike="noStrike">
               <a:solidFill>
                 <a:srgbClr val="000000"/>
               </a:solidFill>
@@ -18456,7 +21960,7 @@
               </a:rPr>
               <a:t>기존 논문에서 각 </a:t>
             </a:r>
-            <a:endParaRPr b="0" lang="en-US" sz="1600" spc="-1" strike="noStrike">
+            <a:endParaRPr b="0" lang="en-US" sz="1800" spc="-1" strike="noStrike">
               <a:solidFill>
                 <a:srgbClr val="000000"/>
               </a:solidFill>
@@ -18634,7 +22138,7 @@
               </a:rPr>
               <a:t>중에서 </a:t>
             </a:r>
-            <a:endParaRPr b="0" lang="en-US" sz="1600" spc="-1" strike="noStrike">
+            <a:endParaRPr b="0" lang="en-US" sz="1800" spc="-1" strike="noStrike">
               <a:solidFill>
                 <a:srgbClr val="000000"/>
               </a:solidFill>
@@ -18782,7 +22286,7 @@
               </a:rPr>
               <a:t>. </a:t>
             </a:r>
-            <a:endParaRPr b="0" lang="en-US" sz="1600" spc="-1" strike="noStrike">
+            <a:endParaRPr b="0" lang="en-US" sz="1800" spc="-1" strike="noStrike">
               <a:solidFill>
                 <a:srgbClr val="000000"/>
               </a:solidFill>
